--- a/ppts/555-ch11.pptx
+++ b/ppts/555-ch11.pptx
@@ -184,7 +184,7 @@
   </p:defaultTextStyle>
   <p:extLst>
     <p:ext uri="{EFAFB233-063F-42B5-8137-9DF3F51BA10A}">
-      <p15:sldGuideLst xmlns:p15="http://schemas.microsoft.com/office/powerpoint/2012/main" xmlns="">
+      <p15:sldGuideLst xmlns:p15="http://schemas.microsoft.com/office/powerpoint/2012/main">
         <p15:guide id="1" orient="horz" pos="2160">
           <p15:clr>
             <a:srgbClr val="A4A3A4"/>
@@ -198,7 +198,7 @@
       </p15:sldGuideLst>
     </p:ext>
     <p:ext uri="{2D200454-40CA-4A62-9FC3-DE9A4176ACB9}">
-      <p15:notesGuideLst xmlns:p15="http://schemas.microsoft.com/office/powerpoint/2012/main" xmlns="">
+      <p15:notesGuideLst xmlns:p15="http://schemas.microsoft.com/office/powerpoint/2012/main">
         <p15:guide id="1" orient="horz" pos="2880">
           <p15:clr>
             <a:srgbClr val="A4A3A4"/>
@@ -617,7 +617,7 @@
           </a:ln>
           <a:extLst>
             <a:ext uri="{909E8E84-426E-40dd-AFC4-6F175D3DCCD1}">
-              <a14:hiddenFill xmlns:a14="http://schemas.microsoft.com/office/drawing/2010/main">
+              <a14:hiddenFill xmlns:a14="http://schemas.microsoft.com/office/drawing/2010/main" xmlns="">
                 <a:solidFill>
                   <a:srgbClr val="FFFFFF"/>
                 </a:solidFill>
@@ -663,35 +663,35 @@
           <a:p>
             <a:pPr lvl="0"/>
             <a:r>
-              <a:rPr lang="en-US" noProof="0" smtClean="0"/>
+              <a:rPr lang="en-US" noProof="0"/>
               <a:t>Click to edit Master text styles</a:t>
             </a:r>
           </a:p>
           <a:p>
             <a:pPr lvl="1"/>
             <a:r>
-              <a:rPr lang="en-US" noProof="0" smtClean="0"/>
+              <a:rPr lang="en-US" noProof="0"/>
               <a:t>Second level</a:t>
             </a:r>
           </a:p>
           <a:p>
             <a:pPr lvl="2"/>
             <a:r>
-              <a:rPr lang="en-US" noProof="0" smtClean="0"/>
+              <a:rPr lang="en-US" noProof="0"/>
               <a:t>Third level</a:t>
             </a:r>
           </a:p>
           <a:p>
             <a:pPr lvl="3"/>
             <a:r>
-              <a:rPr lang="en-US" noProof="0" smtClean="0"/>
+              <a:rPr lang="en-US" noProof="0"/>
               <a:t>Fourth level</a:t>
             </a:r>
           </a:p>
           <a:p>
             <a:pPr lvl="4"/>
             <a:r>
-              <a:rPr lang="en-US" noProof="0" smtClean="0"/>
+              <a:rPr lang="en-US" noProof="0"/>
               <a:t>Fifth level</a:t>
             </a:r>
           </a:p>
@@ -979,14 +979,14 @@
           <a:ln/>
           <a:extLst>
             <a:ext uri="{909E8E84-426E-40dd-AFC4-6F175D3DCCD1}">
-              <a14:hiddenFill xmlns:a14="http://schemas.microsoft.com/office/drawing/2010/main">
+              <a14:hiddenFill xmlns:a14="http://schemas.microsoft.com/office/drawing/2010/main" xmlns="">
                 <a:solidFill>
                   <a:srgbClr val="FFFFFF"/>
                 </a:solidFill>
               </a14:hiddenFill>
             </a:ext>
             <a:ext uri="{91240B29-F687-4f45-9708-019B960494DF}">
-              <a14:hiddenLine xmlns:a14="http://schemas.microsoft.com/office/drawing/2010/main" w="9525">
+              <a14:hiddenLine xmlns:a14="http://schemas.microsoft.com/office/drawing/2010/main" xmlns="" w="9525">
                 <a:solidFill>
                   <a:srgbClr val="000000"/>
                 </a:solidFill>
@@ -1005,7 +1005,7 @@
               <a:defRPr/>
             </a:pPr>
             <a:r>
-              <a:rPr lang="en-US" altLang="en-US" dirty="0" smtClean="0">
+              <a:rPr lang="en-US" altLang="en-US" dirty="0">
                 <a:ea typeface="+mn-ea"/>
               </a:rPr>
               <a:t>What Is Access Control?</a:t>
@@ -1017,7 +1017,7 @@
               <a:buChar char="•"/>
               <a:defRPr/>
             </a:pPr>
-            <a:endParaRPr lang="en-US" altLang="en-US" dirty="0" smtClean="0">
+            <a:endParaRPr lang="en-US" altLang="en-US" dirty="0">
               <a:ea typeface="+mn-ea"/>
             </a:endParaRPr>
           </a:p>
@@ -1028,7 +1028,7 @@
               <a:defRPr/>
             </a:pPr>
             <a:r>
-              <a:rPr lang="en-US" altLang="en-US" dirty="0" smtClean="0">
+              <a:rPr lang="en-US" altLang="en-US" dirty="0">
                 <a:ea typeface="+mn-ea"/>
               </a:rPr>
               <a:t>Access Control</a:t>
@@ -1041,7 +1041,7 @@
               <a:defRPr/>
             </a:pPr>
             <a:r>
-              <a:rPr lang="en-US" altLang="en-US" dirty="0" smtClean="0">
+              <a:rPr lang="en-US" altLang="en-US" dirty="0">
                 <a:ea typeface="+mn-ea"/>
               </a:rPr>
               <a:t>Granting or denying approval to use specific resources</a:t>
@@ -1054,7 +1054,7 @@
               <a:defRPr/>
             </a:pPr>
             <a:r>
-              <a:rPr lang="en-US" altLang="en-US" dirty="0" smtClean="0">
+              <a:rPr lang="en-US" altLang="en-US" dirty="0">
                 <a:ea typeface="+mn-ea"/>
               </a:rPr>
               <a:t>Physical access control</a:t>
@@ -1067,7 +1067,7 @@
               <a:defRPr/>
             </a:pPr>
             <a:r>
-              <a:rPr lang="en-US" altLang="en-US" dirty="0" smtClean="0">
+              <a:rPr lang="en-US" altLang="en-US" dirty="0">
                 <a:ea typeface="+mn-ea"/>
               </a:rPr>
               <a:t>Consists of fencing, hardware door locks, and mantraps to limit contact with devices</a:t>
@@ -1080,7 +1080,7 @@
               <a:defRPr/>
             </a:pPr>
             <a:r>
-              <a:rPr lang="en-US" altLang="en-US" dirty="0" smtClean="0">
+              <a:rPr lang="en-US" altLang="en-US" dirty="0">
                 <a:ea typeface="+mn-ea"/>
               </a:rPr>
               <a:t>Technical access control</a:t>
@@ -1093,7 +1093,7 @@
               <a:defRPr/>
             </a:pPr>
             <a:r>
-              <a:rPr lang="en-US" altLang="en-US" dirty="0" smtClean="0">
+              <a:rPr lang="en-US" altLang="en-US" dirty="0">
                 <a:ea typeface="+mn-ea"/>
               </a:rPr>
               <a:t>Consists of technology restrictions that limit users on computers from accessing data</a:t>
@@ -1106,7 +1106,7 @@
               <a:defRPr/>
             </a:pPr>
             <a:r>
-              <a:rPr lang="en-US" altLang="en-US" dirty="0" smtClean="0">
+              <a:rPr lang="en-US" altLang="en-US" dirty="0">
                 <a:ea typeface="+mn-ea"/>
               </a:rPr>
               <a:t>There are four standard access control models</a:t>
@@ -1118,7 +1118,7 @@
               <a:buChar char="•"/>
               <a:defRPr/>
             </a:pPr>
-            <a:endParaRPr lang="en-US" altLang="en-US" dirty="0" smtClean="0">
+            <a:endParaRPr lang="en-US" altLang="en-US" dirty="0">
               <a:ea typeface="+mn-ea"/>
             </a:endParaRPr>
           </a:p>
@@ -1126,7 +1126,7 @@
             <a:pPr lvl="1">
               <a:defRPr/>
             </a:pPr>
-            <a:endParaRPr lang="en-US" altLang="en-US" dirty="0" smtClean="0">
+            <a:endParaRPr lang="en-US" altLang="en-US" dirty="0">
               <a:ea typeface="+mn-ea"/>
             </a:endParaRPr>
           </a:p>
@@ -1134,7 +1134,7 @@
             <a:pPr>
               <a:defRPr/>
             </a:pPr>
-            <a:endParaRPr lang="en-US" altLang="en-US" dirty="0" smtClean="0">
+            <a:endParaRPr lang="en-US" altLang="en-US" dirty="0">
               <a:ea typeface="+mn-ea"/>
             </a:endParaRPr>
           </a:p>
@@ -1155,14 +1155,14 @@
           <a:ln/>
           <a:extLst>
             <a:ext uri="{909E8E84-426E-40dd-AFC4-6F175D3DCCD1}">
-              <a14:hiddenFill xmlns:a14="http://schemas.microsoft.com/office/drawing/2010/main">
+              <a14:hiddenFill xmlns:a14="http://schemas.microsoft.com/office/drawing/2010/main" xmlns="">
                 <a:solidFill>
                   <a:srgbClr val="FFFFFF"/>
                 </a:solidFill>
               </a14:hiddenFill>
             </a:ext>
             <a:ext uri="{91240B29-F687-4f45-9708-019B960494DF}">
-              <a14:hiddenLine xmlns:a14="http://schemas.microsoft.com/office/drawing/2010/main" w="9525">
+              <a14:hiddenLine xmlns:a14="http://schemas.microsoft.com/office/drawing/2010/main" xmlns="" w="9525">
                 <a:solidFill>
                   <a:srgbClr val="000000"/>
                 </a:solidFill>
@@ -1359,14 +1359,14 @@
           <a:ln/>
           <a:extLst>
             <a:ext uri="{909E8E84-426E-40dd-AFC4-6F175D3DCCD1}">
-              <a14:hiddenFill xmlns:a14="http://schemas.microsoft.com/office/drawing/2010/main">
+              <a14:hiddenFill xmlns:a14="http://schemas.microsoft.com/office/drawing/2010/main" xmlns="">
                 <a:solidFill>
                   <a:srgbClr val="FFFFFF"/>
                 </a:solidFill>
               </a14:hiddenFill>
             </a:ext>
             <a:ext uri="{91240B29-F687-4f45-9708-019B960494DF}">
-              <a14:hiddenLine xmlns:a14="http://schemas.microsoft.com/office/drawing/2010/main" w="9525">
+              <a14:hiddenLine xmlns:a14="http://schemas.microsoft.com/office/drawing/2010/main" xmlns="" w="9525">
                 <a:solidFill>
                   <a:srgbClr val="000000"/>
                 </a:solidFill>
@@ -1382,7 +1382,7 @@
           <a:lstStyle/>
           <a:p>
             <a:r>
-              <a:rPr lang="en-US" smtClean="0"/>
+              <a:rPr lang="en-US"/>
               <a:t>Access Control Models</a:t>
             </a:r>
           </a:p>
@@ -1391,7 +1391,7 @@
               <a:buFontTx/>
               <a:buChar char="•"/>
             </a:pPr>
-            <a:endParaRPr lang="en-US" smtClean="0"/>
+            <a:endParaRPr lang="en-US"/>
           </a:p>
           <a:p>
             <a:pPr>
@@ -1399,7 +1399,7 @@
               <a:buChar char="•"/>
             </a:pPr>
             <a:r>
-              <a:rPr lang="en-US" smtClean="0"/>
+              <a:rPr lang="en-US"/>
               <a:t>DAC weaknesses</a:t>
             </a:r>
           </a:p>
@@ -1409,7 +1409,7 @@
               <a:buChar char="•"/>
             </a:pPr>
             <a:r>
-              <a:rPr lang="en-US" smtClean="0"/>
+              <a:rPr lang="en-US"/>
               <a:t>Relies on decisions by end user to set proper security level</a:t>
             </a:r>
           </a:p>
@@ -1419,7 +1419,7 @@
               <a:buChar char="•"/>
             </a:pPr>
             <a:r>
-              <a:rPr lang="en-US" smtClean="0"/>
+              <a:rPr lang="en-US"/>
               <a:t>Incorrect permissions may be granted</a:t>
             </a:r>
           </a:p>
@@ -1429,31 +1429,31 @@
               <a:buChar char="•"/>
             </a:pPr>
             <a:r>
-              <a:rPr lang="en-US" smtClean="0"/>
+              <a:rPr lang="en-US"/>
               <a:t>Subject</a:t>
             </a:r>
             <a:r>
-              <a:rPr lang="en-US" altLang="en-US" smtClean="0"/>
+              <a:rPr lang="en-US" altLang="en-US"/>
               <a:t>’</a:t>
             </a:r>
             <a:r>
-              <a:rPr lang="en-US" smtClean="0"/>
+              <a:rPr lang="en-US"/>
               <a:t>s permissions will be </a:t>
             </a:r>
             <a:r>
-              <a:rPr lang="en-US" altLang="en-US" smtClean="0"/>
+              <a:rPr lang="en-US" altLang="en-US"/>
               <a:t>“</a:t>
             </a:r>
             <a:r>
-              <a:rPr lang="en-US" smtClean="0"/>
+              <a:rPr lang="en-US"/>
               <a:t>inherited</a:t>
             </a:r>
             <a:r>
-              <a:rPr lang="en-US" altLang="en-US" smtClean="0"/>
+              <a:rPr lang="en-US" altLang="en-US"/>
               <a:t>”</a:t>
             </a:r>
             <a:r>
-              <a:rPr lang="en-US" smtClean="0"/>
+              <a:rPr lang="en-US"/>
               <a:t> by any programs the subject executes</a:t>
             </a:r>
           </a:p>
@@ -1463,23 +1463,23 @@
               <a:buChar char="•"/>
             </a:pPr>
             <a:r>
-              <a:rPr lang="en-US" smtClean="0"/>
+              <a:rPr lang="en-US"/>
               <a:t>Malware downloaded onto a user</a:t>
             </a:r>
             <a:r>
-              <a:rPr lang="en-US" altLang="en-US" smtClean="0"/>
+              <a:rPr lang="en-US" altLang="en-US"/>
               <a:t>’</a:t>
             </a:r>
             <a:r>
-              <a:rPr lang="en-US" smtClean="0"/>
+              <a:rPr lang="en-US"/>
               <a:t>s computer that uses the DAC model would then run at the same high level as the user</a:t>
             </a:r>
             <a:r>
-              <a:rPr lang="en-US" altLang="en-US" smtClean="0"/>
+              <a:rPr lang="en-US" altLang="en-US"/>
               <a:t>’</a:t>
             </a:r>
             <a:r>
-              <a:rPr lang="en-US" smtClean="0"/>
+              <a:rPr lang="en-US"/>
               <a:t>s privileges</a:t>
             </a:r>
           </a:p>
@@ -1488,10 +1488,10 @@
               <a:buFontTx/>
               <a:buChar char="•"/>
             </a:pPr>
-            <a:endParaRPr lang="en-US" smtClean="0"/>
-          </a:p>
-          <a:p>
-            <a:endParaRPr lang="en-US" smtClean="0"/>
+            <a:endParaRPr lang="en-US"/>
+          </a:p>
+          <a:p>
+            <a:endParaRPr lang="en-US"/>
           </a:p>
         </p:txBody>
       </p:sp>
@@ -1510,14 +1510,14 @@
           <a:ln/>
           <a:extLst>
             <a:ext uri="{909E8E84-426E-40dd-AFC4-6F175D3DCCD1}">
-              <a14:hiddenFill xmlns:a14="http://schemas.microsoft.com/office/drawing/2010/main">
+              <a14:hiddenFill xmlns:a14="http://schemas.microsoft.com/office/drawing/2010/main" xmlns="">
                 <a:solidFill>
                   <a:srgbClr val="FFFFFF"/>
                 </a:solidFill>
               </a14:hiddenFill>
             </a:ext>
             <a:ext uri="{91240B29-F687-4f45-9708-019B960494DF}">
-              <a14:hiddenLine xmlns:a14="http://schemas.microsoft.com/office/drawing/2010/main" w="9525">
+              <a14:hiddenLine xmlns:a14="http://schemas.microsoft.com/office/drawing/2010/main" xmlns="" w="9525">
                 <a:solidFill>
                   <a:srgbClr val="000000"/>
                 </a:solidFill>
@@ -1713,14 +1713,14 @@
           <a:ln/>
           <a:extLst>
             <a:ext uri="{909E8E84-426E-40dd-AFC4-6F175D3DCCD1}">
-              <a14:hiddenFill xmlns:a14="http://schemas.microsoft.com/office/drawing/2010/main">
+              <a14:hiddenFill xmlns:a14="http://schemas.microsoft.com/office/drawing/2010/main" xmlns="">
                 <a:solidFill>
                   <a:srgbClr val="FFFFFF"/>
                 </a:solidFill>
               </a14:hiddenFill>
             </a:ext>
             <a:ext uri="{91240B29-F687-4f45-9708-019B960494DF}">
-              <a14:hiddenLine xmlns:a14="http://schemas.microsoft.com/office/drawing/2010/main" w="9525">
+              <a14:hiddenLine xmlns:a14="http://schemas.microsoft.com/office/drawing/2010/main" xmlns="" w="9525">
                 <a:solidFill>
                   <a:srgbClr val="000000"/>
                 </a:solidFill>
@@ -1739,7 +1739,7 @@
               <a:defRPr/>
             </a:pPr>
             <a:r>
-              <a:rPr lang="en-US" altLang="en-US" dirty="0" smtClean="0">
+              <a:rPr lang="en-US" altLang="en-US" dirty="0">
                 <a:ea typeface="+mn-ea"/>
               </a:rPr>
               <a:t>Access Control Models</a:t>
@@ -1749,7 +1749,7 @@
             <a:pPr>
               <a:defRPr/>
             </a:pPr>
-            <a:endParaRPr lang="en-US" altLang="en-US" dirty="0" smtClean="0">
+            <a:endParaRPr lang="en-US" altLang="en-US" dirty="0">
               <a:ea typeface="+mn-ea"/>
             </a:endParaRPr>
           </a:p>
@@ -1760,7 +1760,7 @@
               <a:defRPr/>
             </a:pPr>
             <a:r>
-              <a:rPr lang="en-US" altLang="en-US" dirty="0" smtClean="0">
+              <a:rPr lang="en-US" altLang="en-US" dirty="0">
                 <a:ea typeface="+mn-ea"/>
               </a:rPr>
               <a:t>Mandatory Access Control (MAC)</a:t>
@@ -1773,7 +1773,7 @@
               <a:defRPr/>
             </a:pPr>
             <a:r>
-              <a:rPr lang="en-US" altLang="en-US" dirty="0" smtClean="0">
+              <a:rPr lang="en-US" altLang="en-US" dirty="0">
                 <a:ea typeface="+mn-ea"/>
               </a:rPr>
               <a:t>Most restrictive access control model</a:t>
@@ -1786,7 +1786,7 @@
               <a:defRPr/>
             </a:pPr>
             <a:r>
-              <a:rPr lang="en-US" altLang="en-US" dirty="0" smtClean="0">
+              <a:rPr lang="en-US" altLang="en-US" dirty="0">
                 <a:ea typeface="+mn-ea"/>
               </a:rPr>
               <a:t>Typically found in military settings</a:t>
@@ -1799,7 +1799,7 @@
               <a:defRPr/>
             </a:pPr>
             <a:r>
-              <a:rPr lang="en-US" altLang="en-US" dirty="0" smtClean="0">
+              <a:rPr lang="en-US" altLang="en-US" dirty="0">
                 <a:ea typeface="+mn-ea"/>
               </a:rPr>
               <a:t>Two elements</a:t>
@@ -1812,13 +1812,13 @@
               <a:defRPr/>
             </a:pPr>
             <a:r>
-              <a:rPr lang="en-US" altLang="en-US" i="1" dirty="0" smtClean="0">
+              <a:rPr lang="en-US" altLang="en-US" i="1" dirty="0">
                 <a:ea typeface="+mn-ea"/>
               </a:rPr>
               <a:t>Labels</a:t>
             </a:r>
             <a:r>
-              <a:rPr lang="en-US" altLang="en-US" dirty="0" smtClean="0">
+              <a:rPr lang="en-US" altLang="en-US" dirty="0">
                 <a:ea typeface="+mn-ea"/>
               </a:rPr>
               <a:t> - Every entity is an object and is assigned a classification label that represents the relative importance of the object</a:t>
@@ -1831,7 +1831,7 @@
               <a:defRPr/>
             </a:pPr>
             <a:r>
-              <a:rPr lang="en-US" altLang="en-US" dirty="0" smtClean="0">
+              <a:rPr lang="en-US" altLang="en-US" dirty="0">
                 <a:ea typeface="+mn-ea"/>
               </a:rPr>
               <a:t>Subjects are assigned a privilege label (clearance)</a:t>
@@ -1844,13 +1844,13 @@
               <a:defRPr/>
             </a:pPr>
             <a:r>
-              <a:rPr lang="en-US" altLang="en-US" i="1" dirty="0" smtClean="0">
+              <a:rPr lang="en-US" altLang="en-US" i="1" dirty="0">
                 <a:ea typeface="+mn-ea"/>
               </a:rPr>
               <a:t>Levels</a:t>
             </a:r>
             <a:r>
-              <a:rPr lang="en-US" altLang="en-US" dirty="0" smtClean="0">
+              <a:rPr lang="en-US" altLang="en-US" dirty="0">
                 <a:ea typeface="+mn-ea"/>
               </a:rPr>
               <a:t> - a hierarchy based on the labels is used </a:t>
@@ -1863,7 +1863,7 @@
               <a:defRPr/>
             </a:pPr>
             <a:r>
-              <a:rPr lang="en-US" altLang="en-US" dirty="0" smtClean="0">
+              <a:rPr lang="en-US" altLang="en-US" dirty="0">
                 <a:ea typeface="+mn-ea"/>
               </a:rPr>
               <a:t>Top secret has a higher level than secret, which has a higher level than confidential</a:t>
@@ -1873,7 +1873,7 @@
             <a:pPr>
               <a:defRPr/>
             </a:pPr>
-            <a:endParaRPr lang="en-US" altLang="en-US" dirty="0" smtClean="0">
+            <a:endParaRPr lang="en-US" altLang="en-US" dirty="0">
               <a:ea typeface="+mn-ea"/>
             </a:endParaRPr>
           </a:p>
@@ -1894,14 +1894,14 @@
           <a:ln/>
           <a:extLst>
             <a:ext uri="{909E8E84-426E-40dd-AFC4-6F175D3DCCD1}">
-              <a14:hiddenFill xmlns:a14="http://schemas.microsoft.com/office/drawing/2010/main">
+              <a14:hiddenFill xmlns:a14="http://schemas.microsoft.com/office/drawing/2010/main" xmlns="">
                 <a:solidFill>
                   <a:srgbClr val="FFFFFF"/>
                 </a:solidFill>
               </a14:hiddenFill>
             </a:ext>
             <a:ext uri="{91240B29-F687-4f45-9708-019B960494DF}">
-              <a14:hiddenLine xmlns:a14="http://schemas.microsoft.com/office/drawing/2010/main" w="9525">
+              <a14:hiddenLine xmlns:a14="http://schemas.microsoft.com/office/drawing/2010/main" xmlns="" w="9525">
                 <a:solidFill>
                   <a:srgbClr val="000000"/>
                 </a:solidFill>
@@ -2097,14 +2097,14 @@
           <a:ln/>
           <a:extLst>
             <a:ext uri="{909E8E84-426E-40dd-AFC4-6F175D3DCCD1}">
-              <a14:hiddenFill xmlns:a14="http://schemas.microsoft.com/office/drawing/2010/main">
+              <a14:hiddenFill xmlns:a14="http://schemas.microsoft.com/office/drawing/2010/main" xmlns="">
                 <a:solidFill>
                   <a:srgbClr val="FFFFFF"/>
                 </a:solidFill>
               </a14:hiddenFill>
             </a:ext>
             <a:ext uri="{91240B29-F687-4f45-9708-019B960494DF}">
-              <a14:hiddenLine xmlns:a14="http://schemas.microsoft.com/office/drawing/2010/main" w="9525">
+              <a14:hiddenLine xmlns:a14="http://schemas.microsoft.com/office/drawing/2010/main" xmlns="" w="9525">
                 <a:solidFill>
                   <a:srgbClr val="000000"/>
                 </a:solidFill>
@@ -2123,7 +2123,7 @@
               <a:defRPr/>
             </a:pPr>
             <a:r>
-              <a:rPr lang="en-US" altLang="en-US" dirty="0" smtClean="0">
+              <a:rPr lang="en-US" altLang="en-US" dirty="0">
                 <a:ea typeface="+mn-ea"/>
               </a:rPr>
               <a:t>Access Control Models</a:t>
@@ -2135,7 +2135,7 @@
               <a:buChar char="•"/>
               <a:defRPr/>
             </a:pPr>
-            <a:endParaRPr lang="en-US" altLang="en-US" dirty="0" smtClean="0">
+            <a:endParaRPr lang="en-US" altLang="en-US" dirty="0">
               <a:ea typeface="+mn-ea"/>
             </a:endParaRPr>
           </a:p>
@@ -2146,7 +2146,7 @@
               <a:defRPr/>
             </a:pPr>
             <a:r>
-              <a:rPr lang="en-US" altLang="en-US" dirty="0" smtClean="0">
+              <a:rPr lang="en-US" altLang="en-US" dirty="0">
                 <a:ea typeface="+mn-ea"/>
               </a:rPr>
               <a:t>MAC grants permissions by matching object labels with subject labels</a:t>
@@ -2159,7 +2159,7 @@
               <a:defRPr/>
             </a:pPr>
             <a:r>
-              <a:rPr lang="en-US" altLang="en-US" dirty="0" smtClean="0">
+              <a:rPr lang="en-US" altLang="en-US" dirty="0">
                 <a:ea typeface="+mn-ea"/>
               </a:rPr>
               <a:t>Labels indicate level of privilege</a:t>
@@ -2172,7 +2172,7 @@
               <a:defRPr/>
             </a:pPr>
             <a:r>
-              <a:rPr lang="en-US" altLang="en-US" dirty="0" smtClean="0">
+              <a:rPr lang="en-US" altLang="en-US" dirty="0">
                 <a:ea typeface="+mn-ea"/>
               </a:rPr>
               <a:t>To determine if file may be opened:</a:t>
@@ -2185,7 +2185,7 @@
               <a:defRPr/>
             </a:pPr>
             <a:r>
-              <a:rPr lang="en-US" altLang="en-US" dirty="0" smtClean="0">
+              <a:rPr lang="en-US" altLang="en-US" dirty="0">
                 <a:ea typeface="+mn-ea"/>
               </a:rPr>
               <a:t>Object and subject labels are compared</a:t>
@@ -2198,7 +2198,7 @@
               <a:defRPr/>
             </a:pPr>
             <a:r>
-              <a:rPr lang="en-US" altLang="en-US" dirty="0" smtClean="0">
+              <a:rPr lang="en-US" altLang="en-US" dirty="0">
                 <a:ea typeface="+mn-ea"/>
               </a:rPr>
               <a:t>The subject must have equal or greater level than object to be granted access</a:t>
@@ -2211,7 +2211,7 @@
               <a:defRPr/>
             </a:pPr>
             <a:r>
-              <a:rPr lang="en-US" altLang="en-US" dirty="0" smtClean="0">
+              <a:rPr lang="en-US" altLang="en-US" dirty="0">
                 <a:ea typeface="+mn-ea"/>
               </a:rPr>
               <a:t>Two major implementations of MAC</a:t>
@@ -2224,7 +2224,7 @@
               <a:defRPr/>
             </a:pPr>
             <a:r>
-              <a:rPr lang="en-US" altLang="en-US" dirty="0" smtClean="0">
+              <a:rPr lang="en-US" altLang="en-US" dirty="0">
                 <a:ea typeface="+mn-ea"/>
               </a:rPr>
               <a:t>Lattice model</a:t>
@@ -2237,7 +2237,7 @@
               <a:defRPr/>
             </a:pPr>
             <a:r>
-              <a:rPr lang="en-US" altLang="en-US" dirty="0" smtClean="0">
+              <a:rPr lang="en-US" altLang="en-US" dirty="0">
                 <a:ea typeface="+mn-ea"/>
               </a:rPr>
               <a:t>Bell-LaPadula model</a:t>
@@ -2247,7 +2247,7 @@
             <a:pPr>
               <a:defRPr/>
             </a:pPr>
-            <a:endParaRPr lang="en-US" altLang="en-US" dirty="0" smtClean="0">
+            <a:endParaRPr lang="en-US" altLang="en-US" dirty="0">
               <a:ea typeface="+mn-ea"/>
             </a:endParaRPr>
           </a:p>
@@ -2268,14 +2268,14 @@
           <a:ln/>
           <a:extLst>
             <a:ext uri="{909E8E84-426E-40dd-AFC4-6F175D3DCCD1}">
-              <a14:hiddenFill xmlns:a14="http://schemas.microsoft.com/office/drawing/2010/main">
+              <a14:hiddenFill xmlns:a14="http://schemas.microsoft.com/office/drawing/2010/main" xmlns="">
                 <a:solidFill>
                   <a:srgbClr val="FFFFFF"/>
                 </a:solidFill>
               </a14:hiddenFill>
             </a:ext>
             <a:ext uri="{91240B29-F687-4f45-9708-019B960494DF}">
-              <a14:hiddenLine xmlns:a14="http://schemas.microsoft.com/office/drawing/2010/main" w="9525">
+              <a14:hiddenLine xmlns:a14="http://schemas.microsoft.com/office/drawing/2010/main" xmlns="" w="9525">
                 <a:solidFill>
                   <a:srgbClr val="000000"/>
                 </a:solidFill>
@@ -2471,14 +2471,14 @@
           <a:ln/>
           <a:extLst>
             <a:ext uri="{909E8E84-426E-40dd-AFC4-6F175D3DCCD1}">
-              <a14:hiddenFill xmlns:a14="http://schemas.microsoft.com/office/drawing/2010/main">
+              <a14:hiddenFill xmlns:a14="http://schemas.microsoft.com/office/drawing/2010/main" xmlns="">
                 <a:solidFill>
                   <a:srgbClr val="FFFFFF"/>
                 </a:solidFill>
               </a14:hiddenFill>
             </a:ext>
             <a:ext uri="{91240B29-F687-4f45-9708-019B960494DF}">
-              <a14:hiddenLine xmlns:a14="http://schemas.microsoft.com/office/drawing/2010/main" w="9525">
+              <a14:hiddenLine xmlns:a14="http://schemas.microsoft.com/office/drawing/2010/main" xmlns="" w="9525">
                 <a:solidFill>
                   <a:srgbClr val="000000"/>
                 </a:solidFill>
@@ -2497,7 +2497,7 @@
               <a:defRPr/>
             </a:pPr>
             <a:r>
-              <a:rPr lang="en-US" altLang="en-US" dirty="0" smtClean="0">
+              <a:rPr lang="en-US" altLang="en-US" dirty="0">
                 <a:ea typeface="+mn-ea"/>
               </a:rPr>
               <a:t>Access Control Models</a:t>
@@ -2509,7 +2509,7 @@
               <a:buChar char="•"/>
               <a:defRPr/>
             </a:pPr>
-            <a:endParaRPr lang="en-US" altLang="en-US" dirty="0" smtClean="0">
+            <a:endParaRPr lang="en-US" altLang="en-US" dirty="0">
               <a:ea typeface="+mn-ea"/>
             </a:endParaRPr>
           </a:p>
@@ -2520,13 +2520,13 @@
               <a:defRPr/>
             </a:pPr>
             <a:r>
-              <a:rPr lang="en-US" altLang="en-US" dirty="0" smtClean="0">
+              <a:rPr lang="en-US" altLang="en-US" dirty="0">
                 <a:ea typeface="+mn-ea"/>
               </a:rPr>
               <a:t>Microsoft Windows uses a MAC implementation called </a:t>
             </a:r>
             <a:r>
-              <a:rPr lang="en-US" altLang="en-US" i="1" dirty="0" smtClean="0">
+              <a:rPr lang="en-US" altLang="en-US" i="1" dirty="0">
                 <a:ea typeface="+mn-ea"/>
               </a:rPr>
               <a:t>Mandatory Integrity Control (MIC)</a:t>
@@ -2539,7 +2539,7 @@
               <a:defRPr/>
             </a:pPr>
             <a:r>
-              <a:rPr lang="en-US" altLang="en-US" dirty="0" smtClean="0">
+              <a:rPr lang="en-US" altLang="en-US" dirty="0">
                 <a:ea typeface="+mn-ea"/>
               </a:rPr>
               <a:t>A security identifier (SID) is issued to the user, group, or session</a:t>
@@ -2552,7 +2552,7 @@
               <a:defRPr/>
             </a:pPr>
             <a:r>
-              <a:rPr lang="en-US" altLang="en-US" dirty="0" smtClean="0">
+              <a:rPr lang="en-US" altLang="en-US" dirty="0">
                 <a:ea typeface="+mn-ea"/>
               </a:rPr>
               <a:t>Each time a user logs in, the SID is retrieved from the database for that user</a:t>
@@ -2565,7 +2565,7 @@
               <a:defRPr/>
             </a:pPr>
             <a:r>
-              <a:rPr lang="en-US" altLang="en-US" dirty="0" smtClean="0">
+              <a:rPr lang="en-US" altLang="en-US" dirty="0">
                 <a:ea typeface="+mn-ea"/>
               </a:rPr>
               <a:t>SID is used to identify user with subsequent interactions with Windows</a:t>
@@ -2578,7 +2578,7 @@
               <a:defRPr/>
             </a:pPr>
             <a:r>
-              <a:rPr lang="en-US" altLang="en-US" dirty="0" smtClean="0">
+              <a:rPr lang="en-US" altLang="en-US" dirty="0">
                 <a:ea typeface="+mn-ea"/>
               </a:rPr>
               <a:t>Windows links the SID to an integrity level</a:t>
@@ -2591,13 +2591,13 @@
               <a:defRPr/>
             </a:pPr>
             <a:r>
-              <a:rPr lang="en-US" altLang="en-US" i="1" dirty="0" smtClean="0">
+              <a:rPr lang="en-US" altLang="en-US" i="1" dirty="0">
                 <a:ea typeface="+mn-ea"/>
               </a:rPr>
               <a:t>User Access Control (UAC) </a:t>
             </a:r>
             <a:r>
-              <a:rPr lang="en-US" altLang="en-US" dirty="0" smtClean="0">
+              <a:rPr lang="en-US" altLang="en-US" dirty="0">
                 <a:ea typeface="+mn-ea"/>
               </a:rPr>
               <a:t>- a Windows feature that controls user access to resources</a:t>
@@ -2607,7 +2607,7 @@
             <a:pPr>
               <a:defRPr/>
             </a:pPr>
-            <a:endParaRPr lang="en-US" altLang="en-US" dirty="0" smtClean="0">
+            <a:endParaRPr lang="en-US" altLang="en-US" dirty="0">
               <a:ea typeface="+mn-ea"/>
             </a:endParaRPr>
           </a:p>
@@ -2628,14 +2628,14 @@
           <a:ln/>
           <a:extLst>
             <a:ext uri="{909E8E84-426E-40dd-AFC4-6F175D3DCCD1}">
-              <a14:hiddenFill xmlns:a14="http://schemas.microsoft.com/office/drawing/2010/main">
+              <a14:hiddenFill xmlns:a14="http://schemas.microsoft.com/office/drawing/2010/main" xmlns="">
                 <a:solidFill>
                   <a:srgbClr val="FFFFFF"/>
                 </a:solidFill>
               </a14:hiddenFill>
             </a:ext>
             <a:ext uri="{91240B29-F687-4f45-9708-019B960494DF}">
-              <a14:hiddenLine xmlns:a14="http://schemas.microsoft.com/office/drawing/2010/main" w="9525">
+              <a14:hiddenLine xmlns:a14="http://schemas.microsoft.com/office/drawing/2010/main" xmlns="" w="9525">
                 <a:solidFill>
                   <a:srgbClr val="000000"/>
                 </a:solidFill>
@@ -2832,14 +2832,14 @@
           <a:ln/>
           <a:extLst>
             <a:ext uri="{909E8E84-426E-40dd-AFC4-6F175D3DCCD1}">
-              <a14:hiddenFill xmlns:a14="http://schemas.microsoft.com/office/drawing/2010/main">
+              <a14:hiddenFill xmlns:a14="http://schemas.microsoft.com/office/drawing/2010/main" xmlns="">
                 <a:solidFill>
                   <a:srgbClr val="FFFFFF"/>
                 </a:solidFill>
               </a14:hiddenFill>
             </a:ext>
             <a:ext uri="{91240B29-F687-4f45-9708-019B960494DF}">
-              <a14:hiddenLine xmlns:a14="http://schemas.microsoft.com/office/drawing/2010/main" w="9525">
+              <a14:hiddenLine xmlns:a14="http://schemas.microsoft.com/office/drawing/2010/main" xmlns="" w="9525">
                 <a:solidFill>
                   <a:srgbClr val="000000"/>
                 </a:solidFill>
@@ -2855,7 +2855,7 @@
           <a:lstStyle/>
           <a:p>
             <a:r>
-              <a:rPr lang="en-US" smtClean="0"/>
+              <a:rPr lang="en-US"/>
               <a:t>Access Control Models</a:t>
             </a:r>
           </a:p>
@@ -2864,7 +2864,7 @@
               <a:buFontTx/>
               <a:buChar char="•"/>
             </a:pPr>
-            <a:endParaRPr lang="en-US" smtClean="0"/>
+            <a:endParaRPr lang="en-US"/>
           </a:p>
           <a:p>
             <a:pPr>
@@ -2872,7 +2872,7 @@
               <a:buChar char="•"/>
             </a:pPr>
             <a:r>
-              <a:rPr lang="en-US" smtClean="0"/>
+              <a:rPr lang="en-US"/>
               <a:t>Role Based Access Control (RBAC)</a:t>
             </a:r>
           </a:p>
@@ -2882,11 +2882,11 @@
               <a:buChar char="•"/>
             </a:pPr>
             <a:r>
-              <a:rPr lang="en-US" smtClean="0"/>
+              <a:rPr lang="en-US"/>
               <a:t>Also called </a:t>
             </a:r>
             <a:r>
-              <a:rPr lang="en-US" i="1" smtClean="0"/>
+              <a:rPr lang="en-US" i="1"/>
               <a:t>Non-Discretionary Access Control</a:t>
             </a:r>
           </a:p>
@@ -2896,15 +2896,15 @@
               <a:buChar char="•"/>
             </a:pPr>
             <a:r>
-              <a:rPr lang="en-US" smtClean="0"/>
+              <a:rPr lang="en-US"/>
               <a:t>Access permissions are based on user</a:t>
             </a:r>
             <a:r>
-              <a:rPr lang="en-US" altLang="en-US" smtClean="0"/>
+              <a:rPr lang="en-US" altLang="en-US"/>
               <a:t>’</a:t>
             </a:r>
             <a:r>
-              <a:rPr lang="en-US" smtClean="0"/>
+              <a:rPr lang="en-US"/>
               <a:t>s job function</a:t>
             </a:r>
           </a:p>
@@ -2914,7 +2914,7 @@
               <a:buChar char="•"/>
             </a:pPr>
             <a:r>
-              <a:rPr lang="en-US" smtClean="0"/>
+              <a:rPr lang="en-US"/>
               <a:t>RBAC assigns permissions to particular roles in an organization</a:t>
             </a:r>
           </a:p>
@@ -2924,7 +2924,7 @@
               <a:buChar char="•"/>
             </a:pPr>
             <a:r>
-              <a:rPr lang="en-US" smtClean="0"/>
+              <a:rPr lang="en-US"/>
               <a:t>Users are assigned to those roles</a:t>
             </a:r>
           </a:p>
@@ -2934,7 +2934,7 @@
               <a:buChar char="•"/>
             </a:pPr>
             <a:r>
-              <a:rPr lang="en-US" smtClean="0"/>
+              <a:rPr lang="en-US"/>
               <a:t>Rule Based Access Control (RBAC)</a:t>
             </a:r>
           </a:p>
@@ -2944,12 +2944,12 @@
               <a:buChar char="•"/>
             </a:pPr>
             <a:r>
-              <a:rPr lang="en-US" smtClean="0"/>
+              <a:rPr lang="en-US"/>
               <a:t>Dynamically assigns roles to subjects based on a set of rules defined by a custodian</a:t>
             </a:r>
           </a:p>
           <a:p>
-            <a:endParaRPr lang="en-US" smtClean="0"/>
+            <a:endParaRPr lang="en-US"/>
           </a:p>
         </p:txBody>
       </p:sp>
@@ -2968,14 +2968,14 @@
           <a:ln/>
           <a:extLst>
             <a:ext uri="{909E8E84-426E-40dd-AFC4-6F175D3DCCD1}">
-              <a14:hiddenFill xmlns:a14="http://schemas.microsoft.com/office/drawing/2010/main">
+              <a14:hiddenFill xmlns:a14="http://schemas.microsoft.com/office/drawing/2010/main" xmlns="">
                 <a:solidFill>
                   <a:srgbClr val="FFFFFF"/>
                 </a:solidFill>
               </a14:hiddenFill>
             </a:ext>
             <a:ext uri="{91240B29-F687-4f45-9708-019B960494DF}">
-              <a14:hiddenLine xmlns:a14="http://schemas.microsoft.com/office/drawing/2010/main" w="9525">
+              <a14:hiddenLine xmlns:a14="http://schemas.microsoft.com/office/drawing/2010/main" xmlns="" w="9525">
                 <a:solidFill>
                   <a:srgbClr val="000000"/>
                 </a:solidFill>
@@ -3172,14 +3172,14 @@
           <a:ln/>
           <a:extLst>
             <a:ext uri="{909E8E84-426E-40dd-AFC4-6F175D3DCCD1}">
-              <a14:hiddenFill xmlns:a14="http://schemas.microsoft.com/office/drawing/2010/main">
+              <a14:hiddenFill xmlns:a14="http://schemas.microsoft.com/office/drawing/2010/main" xmlns="">
                 <a:solidFill>
                   <a:srgbClr val="FFFFFF"/>
                 </a:solidFill>
               </a14:hiddenFill>
             </a:ext>
             <a:ext uri="{91240B29-F687-4f45-9708-019B960494DF}">
-              <a14:hiddenLine xmlns:a14="http://schemas.microsoft.com/office/drawing/2010/main" w="9525">
+              <a14:hiddenLine xmlns:a14="http://schemas.microsoft.com/office/drawing/2010/main" xmlns="" w="9525">
                 <a:solidFill>
                   <a:srgbClr val="000000"/>
                 </a:solidFill>
@@ -3195,7 +3195,7 @@
           <a:lstStyle/>
           <a:p>
             <a:r>
-              <a:rPr lang="en-US" smtClean="0"/>
+              <a:rPr lang="en-US"/>
               <a:t>Access Control Models</a:t>
             </a:r>
           </a:p>
@@ -3204,7 +3204,7 @@
               <a:buFontTx/>
               <a:buChar char="•"/>
             </a:pPr>
-            <a:endParaRPr lang="en-US" smtClean="0"/>
+            <a:endParaRPr lang="en-US"/>
           </a:p>
           <a:p>
             <a:pPr>
@@ -3212,15 +3212,15 @@
               <a:buChar char="•"/>
             </a:pPr>
             <a:r>
-              <a:rPr lang="en-US" smtClean="0"/>
+              <a:rPr lang="en-US"/>
               <a:t>Rule Based Access Control (cont</a:t>
             </a:r>
             <a:r>
-              <a:rPr lang="en-US" altLang="en-US" smtClean="0"/>
+              <a:rPr lang="en-US" altLang="en-US"/>
               <a:t>’</a:t>
             </a:r>
             <a:r>
-              <a:rPr lang="en-US" smtClean="0"/>
+              <a:rPr lang="en-US"/>
               <a:t>d.)</a:t>
             </a:r>
           </a:p>
@@ -3230,7 +3230,7 @@
               <a:buChar char="•"/>
             </a:pPr>
             <a:r>
-              <a:rPr lang="en-US" smtClean="0"/>
+              <a:rPr lang="en-US"/>
               <a:t>Each resource object contains access properties based on the rules</a:t>
             </a:r>
           </a:p>
@@ -3240,15 +3240,15 @@
               <a:buChar char="•"/>
             </a:pPr>
             <a:r>
-              <a:rPr lang="en-US" smtClean="0"/>
+              <a:rPr lang="en-US"/>
               <a:t>When user attempts access, system checks object</a:t>
             </a:r>
             <a:r>
-              <a:rPr lang="en-US" altLang="en-US" smtClean="0"/>
+              <a:rPr lang="en-US" altLang="en-US"/>
               <a:t>’</a:t>
             </a:r>
             <a:r>
-              <a:rPr lang="en-US" smtClean="0"/>
+              <a:rPr lang="en-US"/>
               <a:t>s rules to determine access permission</a:t>
             </a:r>
           </a:p>
@@ -3258,7 +3258,7 @@
               <a:buChar char="•"/>
             </a:pPr>
             <a:r>
-              <a:rPr lang="en-US" smtClean="0"/>
+              <a:rPr lang="en-US"/>
               <a:t>Often used for managing user access to one or more systems</a:t>
             </a:r>
           </a:p>
@@ -3268,12 +3268,12 @@
               <a:buChar char="•"/>
             </a:pPr>
             <a:r>
-              <a:rPr lang="en-US" smtClean="0"/>
+              <a:rPr lang="en-US"/>
               <a:t>Business changes may trigger application of the rules specifying access changes</a:t>
             </a:r>
           </a:p>
           <a:p>
-            <a:endParaRPr lang="en-US" smtClean="0"/>
+            <a:endParaRPr lang="en-US"/>
           </a:p>
         </p:txBody>
       </p:sp>
@@ -3292,14 +3292,14 @@
           <a:ln/>
           <a:extLst>
             <a:ext uri="{909E8E84-426E-40dd-AFC4-6F175D3DCCD1}">
-              <a14:hiddenFill xmlns:a14="http://schemas.microsoft.com/office/drawing/2010/main">
+              <a14:hiddenFill xmlns:a14="http://schemas.microsoft.com/office/drawing/2010/main" xmlns="">
                 <a:solidFill>
                   <a:srgbClr val="FFFFFF"/>
                 </a:solidFill>
               </a14:hiddenFill>
             </a:ext>
             <a:ext uri="{91240B29-F687-4f45-9708-019B960494DF}">
-              <a14:hiddenLine xmlns:a14="http://schemas.microsoft.com/office/drawing/2010/main" w="9525">
+              <a14:hiddenLine xmlns:a14="http://schemas.microsoft.com/office/drawing/2010/main" xmlns="" w="9525">
                 <a:solidFill>
                   <a:srgbClr val="000000"/>
                 </a:solidFill>
@@ -3496,14 +3496,14 @@
           <a:ln/>
           <a:extLst>
             <a:ext uri="{909E8E84-426E-40dd-AFC4-6F175D3DCCD1}">
-              <a14:hiddenFill xmlns:a14="http://schemas.microsoft.com/office/drawing/2010/main">
+              <a14:hiddenFill xmlns:a14="http://schemas.microsoft.com/office/drawing/2010/main" xmlns="">
                 <a:solidFill>
                   <a:srgbClr val="FFFFFF"/>
                 </a:solidFill>
               </a14:hiddenFill>
             </a:ext>
             <a:ext uri="{91240B29-F687-4f45-9708-019B960494DF}">
-              <a14:hiddenLine xmlns:a14="http://schemas.microsoft.com/office/drawing/2010/main" w="9525">
+              <a14:hiddenLine xmlns:a14="http://schemas.microsoft.com/office/drawing/2010/main" xmlns="" w="9525">
                 <a:solidFill>
                   <a:srgbClr val="000000"/>
                 </a:solidFill>
@@ -3519,16 +3519,16 @@
           <a:lstStyle/>
           <a:p>
             <a:r>
-              <a:rPr lang="en-US" smtClean="0"/>
+              <a:rPr lang="en-US"/>
               <a:t>Access Control Models</a:t>
             </a:r>
           </a:p>
           <a:p>
-            <a:endParaRPr lang="en-US" smtClean="0"/>
-          </a:p>
-          <a:p>
-            <a:r>
-              <a:rPr lang="en-US" smtClean="0"/>
+            <a:endParaRPr lang="en-US"/>
+          </a:p>
+          <a:p>
+            <a:r>
+              <a:rPr lang="en-US"/>
               <a:t>Table 11-3  Access control models</a:t>
             </a:r>
           </a:p>
@@ -3549,14 +3549,14 @@
           <a:ln/>
           <a:extLst>
             <a:ext uri="{909E8E84-426E-40dd-AFC4-6F175D3DCCD1}">
-              <a14:hiddenFill xmlns:a14="http://schemas.microsoft.com/office/drawing/2010/main">
+              <a14:hiddenFill xmlns:a14="http://schemas.microsoft.com/office/drawing/2010/main" xmlns="">
                 <a:solidFill>
                   <a:srgbClr val="FFFFFF"/>
                 </a:solidFill>
               </a14:hiddenFill>
             </a:ext>
             <a:ext uri="{91240B29-F687-4f45-9708-019B960494DF}">
-              <a14:hiddenLine xmlns:a14="http://schemas.microsoft.com/office/drawing/2010/main" w="9525">
+              <a14:hiddenLine xmlns:a14="http://schemas.microsoft.com/office/drawing/2010/main" xmlns="" w="9525">
                 <a:solidFill>
                   <a:srgbClr val="000000"/>
                 </a:solidFill>
@@ -3752,14 +3752,14 @@
           <a:ln/>
           <a:extLst>
             <a:ext uri="{909E8E84-426E-40dd-AFC4-6F175D3DCCD1}">
-              <a14:hiddenFill xmlns:a14="http://schemas.microsoft.com/office/drawing/2010/main">
+              <a14:hiddenFill xmlns:a14="http://schemas.microsoft.com/office/drawing/2010/main" xmlns="">
                 <a:solidFill>
                   <a:srgbClr val="FFFFFF"/>
                 </a:solidFill>
               </a14:hiddenFill>
             </a:ext>
             <a:ext uri="{91240B29-F687-4f45-9708-019B960494DF}">
-              <a14:hiddenLine xmlns:a14="http://schemas.microsoft.com/office/drawing/2010/main" w="9525">
+              <a14:hiddenLine xmlns:a14="http://schemas.microsoft.com/office/drawing/2010/main" xmlns="" w="9525">
                 <a:solidFill>
                   <a:srgbClr val="000000"/>
                 </a:solidFill>
@@ -3778,7 +3778,7 @@
               <a:defRPr/>
             </a:pPr>
             <a:r>
-              <a:rPr lang="en-US" altLang="en-US" dirty="0" smtClean="0">
+              <a:rPr lang="en-US" altLang="en-US" dirty="0">
                 <a:ea typeface="+mn-ea"/>
               </a:rPr>
               <a:t>End of class 10 AM 11/9  11 AM</a:t>
@@ -3789,7 +3789,7 @@
               <a:defRPr/>
             </a:pPr>
             <a:r>
-              <a:rPr lang="en-US" altLang="en-US" dirty="0" smtClean="0">
+              <a:rPr lang="en-US" altLang="en-US" dirty="0">
                 <a:ea typeface="+mn-ea"/>
               </a:rPr>
               <a:t>Best Practices for Access Control</a:t>
@@ -3801,7 +3801,7 @@
               <a:buChar char="•"/>
               <a:defRPr/>
             </a:pPr>
-            <a:endParaRPr lang="en-US" altLang="en-US" dirty="0" smtClean="0">
+            <a:endParaRPr lang="en-US" altLang="en-US" dirty="0">
               <a:ea typeface="+mn-ea"/>
             </a:endParaRPr>
           </a:p>
@@ -3812,7 +3812,7 @@
               <a:defRPr/>
             </a:pPr>
             <a:r>
-              <a:rPr lang="en-US" altLang="en-US" dirty="0" smtClean="0">
+              <a:rPr lang="en-US" altLang="en-US" dirty="0">
                 <a:ea typeface="+mn-ea"/>
               </a:rPr>
               <a:t>Establishing best practices for limiting access</a:t>
@@ -3825,7 +3825,7 @@
               <a:defRPr/>
             </a:pPr>
             <a:r>
-              <a:rPr lang="en-US" altLang="en-US" dirty="0" smtClean="0">
+              <a:rPr lang="en-US" altLang="en-US" dirty="0">
                 <a:ea typeface="+mn-ea"/>
               </a:rPr>
               <a:t>Can help secure systems and data</a:t>
@@ -3838,7 +3838,7 @@
               <a:defRPr/>
             </a:pPr>
             <a:r>
-              <a:rPr lang="en-US" altLang="en-US" dirty="0" smtClean="0">
+              <a:rPr lang="en-US" altLang="en-US" dirty="0">
                 <a:ea typeface="+mn-ea"/>
               </a:rPr>
               <a:t>Examples of best practices</a:t>
@@ -3851,7 +3851,7 @@
               <a:defRPr/>
             </a:pPr>
             <a:r>
-              <a:rPr lang="en-US" altLang="en-US" dirty="0" smtClean="0">
+              <a:rPr lang="en-US" altLang="en-US" dirty="0">
                 <a:ea typeface="+mn-ea"/>
               </a:rPr>
               <a:t>Separation of duties</a:t>
@@ -3864,7 +3864,7 @@
               <a:defRPr/>
             </a:pPr>
             <a:r>
-              <a:rPr lang="en-US" altLang="en-US" dirty="0" smtClean="0">
+              <a:rPr lang="en-US" altLang="en-US" dirty="0">
                 <a:ea typeface="+mn-ea"/>
               </a:rPr>
               <a:t>Job rotation</a:t>
@@ -3877,7 +3877,7 @@
               <a:defRPr/>
             </a:pPr>
             <a:r>
-              <a:rPr lang="en-US" altLang="en-US" dirty="0" smtClean="0">
+              <a:rPr lang="en-US" altLang="en-US" dirty="0">
                 <a:ea typeface="+mn-ea"/>
               </a:rPr>
               <a:t>Least privilege</a:t>
@@ -3890,7 +3890,7 @@
               <a:defRPr/>
             </a:pPr>
             <a:r>
-              <a:rPr lang="en-US" altLang="en-US" dirty="0" smtClean="0">
+              <a:rPr lang="en-US" altLang="en-US" dirty="0">
                 <a:ea typeface="+mn-ea"/>
               </a:rPr>
               <a:t>Implicit deny</a:t>
@@ -3903,7 +3903,7 @@
               <a:defRPr/>
             </a:pPr>
             <a:r>
-              <a:rPr lang="en-US" altLang="en-US" dirty="0" smtClean="0">
+              <a:rPr lang="en-US" altLang="en-US" dirty="0">
                 <a:ea typeface="+mn-ea"/>
               </a:rPr>
               <a:t>Mandatory vacations</a:t>
@@ -3913,7 +3913,7 @@
             <a:pPr>
               <a:defRPr/>
             </a:pPr>
-            <a:endParaRPr lang="en-US" altLang="en-US" dirty="0" smtClean="0">
+            <a:endParaRPr lang="en-US" altLang="en-US" dirty="0">
               <a:ea typeface="+mn-ea"/>
             </a:endParaRPr>
           </a:p>
@@ -3934,14 +3934,14 @@
           <a:ln/>
           <a:extLst>
             <a:ext uri="{909E8E84-426E-40dd-AFC4-6F175D3DCCD1}">
-              <a14:hiddenFill xmlns:a14="http://schemas.microsoft.com/office/drawing/2010/main">
+              <a14:hiddenFill xmlns:a14="http://schemas.microsoft.com/office/drawing/2010/main" xmlns="">
                 <a:solidFill>
                   <a:srgbClr val="FFFFFF"/>
                 </a:solidFill>
               </a14:hiddenFill>
             </a:ext>
             <a:ext uri="{91240B29-F687-4f45-9708-019B960494DF}">
-              <a14:hiddenLine xmlns:a14="http://schemas.microsoft.com/office/drawing/2010/main" w="9525">
+              <a14:hiddenLine xmlns:a14="http://schemas.microsoft.com/office/drawing/2010/main" xmlns="" w="9525">
                 <a:solidFill>
                   <a:srgbClr val="000000"/>
                 </a:solidFill>
@@ -4137,14 +4137,14 @@
           <a:ln/>
           <a:extLst>
             <a:ext uri="{909E8E84-426E-40dd-AFC4-6F175D3DCCD1}">
-              <a14:hiddenFill xmlns:a14="http://schemas.microsoft.com/office/drawing/2010/main">
+              <a14:hiddenFill xmlns:a14="http://schemas.microsoft.com/office/drawing/2010/main" xmlns="">
                 <a:solidFill>
                   <a:srgbClr val="FFFFFF"/>
                 </a:solidFill>
               </a14:hiddenFill>
             </a:ext>
             <a:ext uri="{91240B29-F687-4f45-9708-019B960494DF}">
-              <a14:hiddenLine xmlns:a14="http://schemas.microsoft.com/office/drawing/2010/main" w="9525">
+              <a14:hiddenLine xmlns:a14="http://schemas.microsoft.com/office/drawing/2010/main" xmlns="" w="9525">
                 <a:solidFill>
                   <a:srgbClr val="000000"/>
                 </a:solidFill>
@@ -4165,18 +4165,18 @@
               <a:defRPr/>
             </a:pPr>
             <a:r>
-              <a:rPr lang="en-US" altLang="en-US" dirty="0" smtClean="0">
+              <a:rPr lang="en-US" altLang="en-US" dirty="0">
                 <a:ea typeface="+mn-ea"/>
               </a:rPr>
               <a:t>1 PM end </a:t>
             </a:r>
             <a:r>
-              <a:rPr lang="en-US" altLang="en-US" smtClean="0">
+              <a:rPr lang="en-US" altLang="en-US">
                 <a:ea typeface="+mn-ea"/>
               </a:rPr>
               <a:t>of class 11/9</a:t>
             </a:r>
-            <a:endParaRPr lang="en-US" altLang="en-US" dirty="0" smtClean="0">
+            <a:endParaRPr lang="en-US" altLang="en-US" dirty="0">
               <a:ea typeface="+mn-ea"/>
             </a:endParaRPr>
           </a:p>
@@ -4186,7 +4186,7 @@
               <a:buNone/>
               <a:defRPr/>
             </a:pPr>
-            <a:endParaRPr lang="en-US" altLang="en-US" dirty="0" smtClean="0">
+            <a:endParaRPr lang="en-US" altLang="en-US" dirty="0">
               <a:ea typeface="+mn-ea"/>
             </a:endParaRPr>
           </a:p>
@@ -4197,17 +4197,17 @@
               <a:defRPr/>
             </a:pPr>
             <a:r>
-              <a:rPr lang="en-US" altLang="en-US" dirty="0" smtClean="0">
+              <a:rPr lang="en-US" altLang="en-US" dirty="0">
                 <a:ea typeface="+mn-ea"/>
               </a:rPr>
               <a:t>Best Practices for Access Control</a:t>
             </a:r>
             <a:br>
-              <a:rPr lang="en-US" altLang="en-US" dirty="0" smtClean="0">
+              <a:rPr lang="en-US" altLang="en-US" dirty="0">
                 <a:ea typeface="+mn-ea"/>
               </a:rPr>
             </a:br>
-            <a:endParaRPr lang="en-US" altLang="en-US" dirty="0" smtClean="0">
+            <a:endParaRPr lang="en-US" altLang="en-US" dirty="0">
               <a:ea typeface="+mn-ea"/>
             </a:endParaRPr>
           </a:p>
@@ -4218,7 +4218,7 @@
               <a:defRPr/>
             </a:pPr>
             <a:r>
-              <a:rPr lang="en-US" altLang="en-US" dirty="0" smtClean="0">
+              <a:rPr lang="en-US" altLang="en-US" dirty="0">
                 <a:ea typeface="+mn-ea"/>
               </a:rPr>
               <a:t>Separation of duties</a:t>
@@ -4231,7 +4231,7 @@
               <a:defRPr/>
             </a:pPr>
             <a:r>
-              <a:rPr lang="en-US" altLang="en-US" dirty="0" smtClean="0">
+              <a:rPr lang="en-US" altLang="en-US" dirty="0">
                 <a:ea typeface="+mn-ea"/>
               </a:rPr>
               <a:t>Fraud can result from single user being trusted with complete control of a process</a:t>
@@ -4244,7 +4244,7 @@
               <a:defRPr/>
             </a:pPr>
             <a:r>
-              <a:rPr lang="en-US" altLang="en-US" dirty="0" smtClean="0">
+              <a:rPr lang="en-US" altLang="en-US" dirty="0">
                 <a:ea typeface="+mn-ea"/>
               </a:rPr>
               <a:t>Requires two or more people responsible for functions related to handling money</a:t>
@@ -4257,7 +4257,7 @@
               <a:defRPr/>
             </a:pPr>
             <a:r>
-              <a:rPr lang="en-US" altLang="en-US" dirty="0" smtClean="0">
+              <a:rPr lang="en-US" altLang="en-US" dirty="0">
                 <a:ea typeface="+mn-ea"/>
               </a:rPr>
               <a:t>The system is not vulnerable to actions of a single person</a:t>
@@ -4270,7 +4270,7 @@
               <a:defRPr/>
             </a:pPr>
             <a:r>
-              <a:rPr lang="en-US" altLang="en-US" dirty="0" smtClean="0">
+              <a:rPr lang="en-US" altLang="en-US" dirty="0">
                 <a:ea typeface="+mn-ea"/>
               </a:rPr>
               <a:t>Job rotation</a:t>
@@ -4283,7 +4283,7 @@
               <a:defRPr/>
             </a:pPr>
             <a:r>
-              <a:rPr lang="en-US" altLang="en-US" dirty="0" smtClean="0">
+              <a:rPr lang="en-US" altLang="en-US" dirty="0">
                 <a:ea typeface="+mn-ea"/>
               </a:rPr>
               <a:t>Individuals periodically moved between job responsibilities</a:t>
@@ -4293,7 +4293,7 @@
             <a:pPr>
               <a:defRPr/>
             </a:pPr>
-            <a:endParaRPr lang="en-US" altLang="en-US" dirty="0" smtClean="0">
+            <a:endParaRPr lang="en-US" altLang="en-US" dirty="0">
               <a:ea typeface="+mn-ea"/>
             </a:endParaRPr>
           </a:p>
@@ -4314,14 +4314,14 @@
           <a:ln/>
           <a:extLst>
             <a:ext uri="{909E8E84-426E-40dd-AFC4-6F175D3DCCD1}">
-              <a14:hiddenFill xmlns:a14="http://schemas.microsoft.com/office/drawing/2010/main">
+              <a14:hiddenFill xmlns:a14="http://schemas.microsoft.com/office/drawing/2010/main" xmlns="">
                 <a:solidFill>
                   <a:srgbClr val="FFFFFF"/>
                 </a:solidFill>
               </a14:hiddenFill>
             </a:ext>
             <a:ext uri="{91240B29-F687-4f45-9708-019B960494DF}">
-              <a14:hiddenLine xmlns:a14="http://schemas.microsoft.com/office/drawing/2010/main" w="9525">
+              <a14:hiddenLine xmlns:a14="http://schemas.microsoft.com/office/drawing/2010/main" xmlns="" w="9525">
                 <a:solidFill>
                   <a:srgbClr val="000000"/>
                 </a:solidFill>
@@ -4518,14 +4518,14 @@
           <a:ln/>
           <a:extLst>
             <a:ext uri="{909E8E84-426E-40dd-AFC4-6F175D3DCCD1}">
-              <a14:hiddenFill xmlns:a14="http://schemas.microsoft.com/office/drawing/2010/main">
+              <a14:hiddenFill xmlns:a14="http://schemas.microsoft.com/office/drawing/2010/main" xmlns="">
                 <a:solidFill>
                   <a:srgbClr val="FFFFFF"/>
                 </a:solidFill>
               </a14:hiddenFill>
             </a:ext>
             <a:ext uri="{91240B29-F687-4f45-9708-019B960494DF}">
-              <a14:hiddenLine xmlns:a14="http://schemas.microsoft.com/office/drawing/2010/main" w="9525">
+              <a14:hiddenLine xmlns:a14="http://schemas.microsoft.com/office/drawing/2010/main" xmlns="" w="9525">
                 <a:solidFill>
                   <a:srgbClr val="000000"/>
                 </a:solidFill>
@@ -4541,12 +4541,12 @@
           <a:lstStyle/>
           <a:p>
             <a:r>
-              <a:rPr lang="en-US" smtClean="0"/>
+              <a:rPr lang="en-US"/>
               <a:t>Best Practices for Access Control</a:t>
             </a:r>
           </a:p>
           <a:p>
-            <a:endParaRPr lang="en-US" smtClean="0"/>
+            <a:endParaRPr lang="en-US"/>
           </a:p>
           <a:p>
             <a:pPr>
@@ -4554,15 +4554,15 @@
               <a:buChar char="•"/>
             </a:pPr>
             <a:r>
-              <a:rPr lang="en-US" smtClean="0"/>
+              <a:rPr lang="en-US"/>
               <a:t>Job rotation (cont</a:t>
             </a:r>
             <a:r>
-              <a:rPr lang="en-US" altLang="en-US" smtClean="0"/>
+              <a:rPr lang="en-US" altLang="en-US"/>
               <a:t>’</a:t>
             </a:r>
             <a:r>
-              <a:rPr lang="en-US" smtClean="0"/>
+              <a:rPr lang="en-US"/>
               <a:t>d.)</a:t>
             </a:r>
           </a:p>
@@ -4572,7 +4572,7 @@
               <a:buChar char="•"/>
             </a:pPr>
             <a:r>
-              <a:rPr lang="en-US" smtClean="0"/>
+              <a:rPr lang="en-US"/>
               <a:t>Employees can rotate within their department or across departments</a:t>
             </a:r>
           </a:p>
@@ -4582,7 +4582,7 @@
               <a:buChar char="•"/>
             </a:pPr>
             <a:r>
-              <a:rPr lang="en-US" smtClean="0"/>
+              <a:rPr lang="en-US"/>
               <a:t>Advantages of job rotation</a:t>
             </a:r>
           </a:p>
@@ -4592,7 +4592,7 @@
               <a:buChar char="•"/>
             </a:pPr>
             <a:r>
-              <a:rPr lang="en-US" smtClean="0"/>
+              <a:rPr lang="en-US"/>
               <a:t>Limits amount of time individuals are in a position to manipulate security configurations</a:t>
             </a:r>
           </a:p>
@@ -4602,7 +4602,7 @@
               <a:buChar char="•"/>
             </a:pPr>
             <a:r>
-              <a:rPr lang="en-US" smtClean="0"/>
+              <a:rPr lang="en-US"/>
               <a:t>Helps expose potential avenues for fraud</a:t>
             </a:r>
           </a:p>
@@ -4612,7 +4612,7 @@
               <a:buChar char="•"/>
             </a:pPr>
             <a:r>
-              <a:rPr lang="en-US" smtClean="0"/>
+              <a:rPr lang="en-US"/>
               <a:t>Individuals have different perspectives and may uncover vulnerabilities</a:t>
             </a:r>
           </a:p>
@@ -4622,12 +4622,12 @@
               <a:buChar char="•"/>
             </a:pPr>
             <a:r>
-              <a:rPr lang="en-US" smtClean="0"/>
+              <a:rPr lang="en-US"/>
               <a:t>Reduces employee burnout</a:t>
             </a:r>
           </a:p>
           <a:p>
-            <a:endParaRPr lang="en-US" smtClean="0"/>
+            <a:endParaRPr lang="en-US"/>
           </a:p>
         </p:txBody>
       </p:sp>
@@ -4646,14 +4646,14 @@
           <a:ln/>
           <a:extLst>
             <a:ext uri="{909E8E84-426E-40dd-AFC4-6F175D3DCCD1}">
-              <a14:hiddenFill xmlns:a14="http://schemas.microsoft.com/office/drawing/2010/main">
+              <a14:hiddenFill xmlns:a14="http://schemas.microsoft.com/office/drawing/2010/main" xmlns="">
                 <a:solidFill>
                   <a:srgbClr val="FFFFFF"/>
                 </a:solidFill>
               </a14:hiddenFill>
             </a:ext>
             <a:ext uri="{91240B29-F687-4f45-9708-019B960494DF}">
-              <a14:hiddenLine xmlns:a14="http://schemas.microsoft.com/office/drawing/2010/main" w="9525">
+              <a14:hiddenLine xmlns:a14="http://schemas.microsoft.com/office/drawing/2010/main" xmlns="" w="9525">
                 <a:solidFill>
                   <a:srgbClr val="000000"/>
                 </a:solidFill>
@@ -4850,14 +4850,14 @@
           <a:ln/>
           <a:extLst>
             <a:ext uri="{909E8E84-426E-40dd-AFC4-6F175D3DCCD1}">
-              <a14:hiddenFill xmlns:a14="http://schemas.microsoft.com/office/drawing/2010/main">
+              <a14:hiddenFill xmlns:a14="http://schemas.microsoft.com/office/drawing/2010/main" xmlns="">
                 <a:solidFill>
                   <a:srgbClr val="FFFFFF"/>
                 </a:solidFill>
               </a14:hiddenFill>
             </a:ext>
             <a:ext uri="{91240B29-F687-4f45-9708-019B960494DF}">
-              <a14:hiddenLine xmlns:a14="http://schemas.microsoft.com/office/drawing/2010/main" w="9525">
+              <a14:hiddenLine xmlns:a14="http://schemas.microsoft.com/office/drawing/2010/main" xmlns="" w="9525">
                 <a:solidFill>
                   <a:srgbClr val="000000"/>
                 </a:solidFill>
@@ -4873,7 +4873,7 @@
           <a:lstStyle/>
           <a:p>
             <a:r>
-              <a:rPr lang="en-US" smtClean="0"/>
+              <a:rPr lang="en-US"/>
               <a:t>Access Control Terminology</a:t>
             </a:r>
           </a:p>
@@ -4882,7 +4882,7 @@
               <a:buFontTx/>
               <a:buChar char="•"/>
             </a:pPr>
-            <a:endParaRPr lang="en-US" smtClean="0"/>
+            <a:endParaRPr lang="en-US"/>
           </a:p>
           <a:p>
             <a:pPr>
@@ -4890,7 +4890,7 @@
               <a:buChar char="•"/>
             </a:pPr>
             <a:r>
-              <a:rPr lang="en-US" smtClean="0"/>
+              <a:rPr lang="en-US"/>
               <a:t>Identification</a:t>
             </a:r>
           </a:p>
@@ -4900,7 +4900,7 @@
               <a:buChar char="•"/>
             </a:pPr>
             <a:r>
-              <a:rPr lang="en-US" smtClean="0"/>
+              <a:rPr lang="en-US"/>
               <a:t>Presenting credentials</a:t>
             </a:r>
           </a:p>
@@ -4910,7 +4910,7 @@
               <a:buChar char="•"/>
             </a:pPr>
             <a:r>
-              <a:rPr lang="en-US" smtClean="0"/>
+              <a:rPr lang="en-US"/>
               <a:t>Example: delivery driver presenting employee badge</a:t>
             </a:r>
           </a:p>
@@ -4920,7 +4920,7 @@
               <a:buChar char="•"/>
             </a:pPr>
             <a:r>
-              <a:rPr lang="en-US" smtClean="0"/>
+              <a:rPr lang="en-US"/>
               <a:t>Authentication</a:t>
             </a:r>
           </a:p>
@@ -4930,7 +4930,7 @@
               <a:buChar char="•"/>
             </a:pPr>
             <a:r>
-              <a:rPr lang="en-US" smtClean="0"/>
+              <a:rPr lang="en-US"/>
               <a:t>Checking the credentials</a:t>
             </a:r>
           </a:p>
@@ -4940,15 +4940,15 @@
               <a:buChar char="•"/>
             </a:pPr>
             <a:r>
-              <a:rPr lang="en-US" smtClean="0"/>
+              <a:rPr lang="en-US"/>
               <a:t>Example: examining the delivery driver</a:t>
             </a:r>
             <a:r>
-              <a:rPr lang="en-US" altLang="en-US" smtClean="0"/>
+              <a:rPr lang="en-US" altLang="en-US"/>
               <a:t>’</a:t>
             </a:r>
             <a:r>
-              <a:rPr lang="en-US" smtClean="0"/>
+              <a:rPr lang="en-US"/>
               <a:t>s badge</a:t>
             </a:r>
           </a:p>
@@ -4958,7 +4958,7 @@
               <a:buChar char="•"/>
             </a:pPr>
             <a:r>
-              <a:rPr lang="en-US" smtClean="0"/>
+              <a:rPr lang="en-US"/>
               <a:t>Authorization</a:t>
             </a:r>
           </a:p>
@@ -4968,7 +4968,7 @@
               <a:buChar char="•"/>
             </a:pPr>
             <a:r>
-              <a:rPr lang="en-US" smtClean="0"/>
+              <a:rPr lang="en-US"/>
               <a:t>Granting permission to take action</a:t>
             </a:r>
           </a:p>
@@ -4978,12 +4978,12 @@
               <a:buChar char="•"/>
             </a:pPr>
             <a:r>
-              <a:rPr lang="en-US" smtClean="0"/>
+              <a:rPr lang="en-US"/>
               <a:t>Example: allowing delivery driver to pick up package</a:t>
             </a:r>
           </a:p>
           <a:p>
-            <a:endParaRPr lang="en-US" smtClean="0"/>
+            <a:endParaRPr lang="en-US"/>
           </a:p>
         </p:txBody>
       </p:sp>
@@ -5002,14 +5002,14 @@
           <a:ln/>
           <a:extLst>
             <a:ext uri="{909E8E84-426E-40dd-AFC4-6F175D3DCCD1}">
-              <a14:hiddenFill xmlns:a14="http://schemas.microsoft.com/office/drawing/2010/main">
+              <a14:hiddenFill xmlns:a14="http://schemas.microsoft.com/office/drawing/2010/main" xmlns="">
                 <a:solidFill>
                   <a:srgbClr val="FFFFFF"/>
                 </a:solidFill>
               </a14:hiddenFill>
             </a:ext>
             <a:ext uri="{91240B29-F687-4f45-9708-019B960494DF}">
-              <a14:hiddenLine xmlns:a14="http://schemas.microsoft.com/office/drawing/2010/main" w="9525">
+              <a14:hiddenLine xmlns:a14="http://schemas.microsoft.com/office/drawing/2010/main" xmlns="" w="9525">
                 <a:solidFill>
                   <a:srgbClr val="000000"/>
                 </a:solidFill>
@@ -5205,14 +5205,14 @@
           <a:ln/>
           <a:extLst>
             <a:ext uri="{909E8E84-426E-40dd-AFC4-6F175D3DCCD1}">
-              <a14:hiddenFill xmlns:a14="http://schemas.microsoft.com/office/drawing/2010/main">
+              <a14:hiddenFill xmlns:a14="http://schemas.microsoft.com/office/drawing/2010/main" xmlns="">
                 <a:solidFill>
                   <a:srgbClr val="FFFFFF"/>
                 </a:solidFill>
               </a14:hiddenFill>
             </a:ext>
             <a:ext uri="{91240B29-F687-4f45-9708-019B960494DF}">
-              <a14:hiddenLine xmlns:a14="http://schemas.microsoft.com/office/drawing/2010/main" w="9525">
+              <a14:hiddenLine xmlns:a14="http://schemas.microsoft.com/office/drawing/2010/main" xmlns="" w="9525">
                 <a:solidFill>
                   <a:srgbClr val="000000"/>
                 </a:solidFill>
@@ -5231,7 +5231,7 @@
               <a:defRPr/>
             </a:pPr>
             <a:r>
-              <a:rPr lang="en-US" altLang="en-US" dirty="0" smtClean="0">
+              <a:rPr lang="en-US" altLang="en-US" dirty="0">
                 <a:ea typeface="+mn-ea"/>
               </a:rPr>
               <a:t>Best Practices for Access Control</a:t>
@@ -5243,7 +5243,7 @@
               <a:buChar char="•"/>
               <a:defRPr/>
             </a:pPr>
-            <a:endParaRPr lang="en-US" altLang="en-US" dirty="0" smtClean="0">
+            <a:endParaRPr lang="en-US" altLang="en-US" dirty="0">
               <a:ea typeface="+mn-ea"/>
             </a:endParaRPr>
           </a:p>
@@ -5254,7 +5254,7 @@
               <a:defRPr/>
             </a:pPr>
             <a:r>
-              <a:rPr lang="en-US" altLang="en-US" dirty="0" smtClean="0">
+              <a:rPr lang="en-US" altLang="en-US" dirty="0">
                 <a:ea typeface="+mn-ea"/>
               </a:rPr>
               <a:t>Least privilege</a:t>
@@ -5267,7 +5267,7 @@
               <a:defRPr/>
             </a:pPr>
             <a:r>
-              <a:rPr lang="en-US" altLang="en-US" dirty="0" smtClean="0">
+              <a:rPr lang="en-US" altLang="en-US" dirty="0">
                 <a:ea typeface="+mn-ea"/>
               </a:rPr>
               <a:t>Limiting access to information based on what is needed to perform a job function</a:t>
@@ -5280,7 +5280,7 @@
               <a:defRPr/>
             </a:pPr>
             <a:r>
-              <a:rPr lang="en-US" altLang="en-US" dirty="0" smtClean="0">
+              <a:rPr lang="en-US" altLang="en-US" dirty="0">
                 <a:ea typeface="+mn-ea"/>
               </a:rPr>
               <a:t>Helps reduce attack surface by eliminating unnecessary privileges</a:t>
@@ -5293,7 +5293,7 @@
               <a:defRPr/>
             </a:pPr>
             <a:r>
-              <a:rPr lang="en-US" altLang="en-US" dirty="0" smtClean="0">
+              <a:rPr lang="en-US" altLang="en-US" dirty="0">
                 <a:ea typeface="+mn-ea"/>
               </a:rPr>
               <a:t>Should apply to users and to processes running on the system</a:t>
@@ -5306,7 +5306,7 @@
               <a:defRPr/>
             </a:pPr>
             <a:r>
-              <a:rPr lang="en-US" altLang="en-US" dirty="0" smtClean="0">
+              <a:rPr lang="en-US" altLang="en-US" dirty="0">
                 <a:ea typeface="+mn-ea"/>
               </a:rPr>
               <a:t>Processes should run at minimum security level needed to correctly function</a:t>
@@ -5316,7 +5316,7 @@
             <a:pPr lvl="1">
               <a:defRPr/>
             </a:pPr>
-            <a:endParaRPr lang="en-US" altLang="en-US" dirty="0" smtClean="0">
+            <a:endParaRPr lang="en-US" altLang="en-US" dirty="0">
               <a:ea typeface="+mn-ea"/>
             </a:endParaRPr>
           </a:p>
@@ -5337,14 +5337,14 @@
           <a:ln/>
           <a:extLst>
             <a:ext uri="{909E8E84-426E-40dd-AFC4-6F175D3DCCD1}">
-              <a14:hiddenFill xmlns:a14="http://schemas.microsoft.com/office/drawing/2010/main">
+              <a14:hiddenFill xmlns:a14="http://schemas.microsoft.com/office/drawing/2010/main" xmlns="">
                 <a:solidFill>
                   <a:srgbClr val="FFFFFF"/>
                 </a:solidFill>
               </a14:hiddenFill>
             </a:ext>
             <a:ext uri="{91240B29-F687-4f45-9708-019B960494DF}">
-              <a14:hiddenLine xmlns:a14="http://schemas.microsoft.com/office/drawing/2010/main" w="9525">
+              <a14:hiddenLine xmlns:a14="http://schemas.microsoft.com/office/drawing/2010/main" xmlns="" w="9525">
                 <a:solidFill>
                   <a:srgbClr val="000000"/>
                 </a:solidFill>
@@ -5541,14 +5541,14 @@
           <a:ln/>
           <a:extLst>
             <a:ext uri="{909E8E84-426E-40dd-AFC4-6F175D3DCCD1}">
-              <a14:hiddenFill xmlns:a14="http://schemas.microsoft.com/office/drawing/2010/main">
+              <a14:hiddenFill xmlns:a14="http://schemas.microsoft.com/office/drawing/2010/main" xmlns="">
                 <a:solidFill>
                   <a:srgbClr val="FFFFFF"/>
                 </a:solidFill>
               </a14:hiddenFill>
             </a:ext>
             <a:ext uri="{91240B29-F687-4f45-9708-019B960494DF}">
-              <a14:hiddenLine xmlns:a14="http://schemas.microsoft.com/office/drawing/2010/main" w="9525">
+              <a14:hiddenLine xmlns:a14="http://schemas.microsoft.com/office/drawing/2010/main" xmlns="" w="9525">
                 <a:solidFill>
                   <a:srgbClr val="000000"/>
                 </a:solidFill>
@@ -5564,7 +5564,7 @@
           <a:lstStyle/>
           <a:p>
             <a:r>
-              <a:rPr lang="en-US" smtClean="0"/>
+              <a:rPr lang="en-US"/>
               <a:t>Best Practices for Access Control</a:t>
             </a:r>
           </a:p>
@@ -5573,7 +5573,7 @@
               <a:buFontTx/>
               <a:buChar char="•"/>
             </a:pPr>
-            <a:endParaRPr lang="en-US" smtClean="0"/>
+            <a:endParaRPr lang="en-US"/>
           </a:p>
           <a:p>
             <a:pPr>
@@ -5581,7 +5581,7 @@
               <a:buChar char="•"/>
             </a:pPr>
             <a:r>
-              <a:rPr lang="en-US" smtClean="0"/>
+              <a:rPr lang="en-US"/>
               <a:t>Implicit deny</a:t>
             </a:r>
           </a:p>
@@ -5591,7 +5591,7 @@
               <a:buChar char="•"/>
             </a:pPr>
             <a:r>
-              <a:rPr lang="en-US" smtClean="0"/>
+              <a:rPr lang="en-US"/>
               <a:t>If a condition is not explicitly met, access request is rejected</a:t>
             </a:r>
           </a:p>
@@ -5601,7 +5601,7 @@
               <a:buChar char="•"/>
             </a:pPr>
             <a:r>
-              <a:rPr lang="en-US" smtClean="0"/>
+              <a:rPr lang="en-US"/>
               <a:t>Example: network router rejects access to all except conditions matching the rule restrictions</a:t>
             </a:r>
           </a:p>
@@ -5611,7 +5611,7 @@
               <a:buChar char="•"/>
             </a:pPr>
             <a:r>
-              <a:rPr lang="en-US" smtClean="0"/>
+              <a:rPr lang="en-US"/>
               <a:t>Mandatory vacations</a:t>
             </a:r>
           </a:p>
@@ -5621,7 +5621,7 @@
               <a:buChar char="•"/>
             </a:pPr>
             <a:r>
-              <a:rPr lang="en-US" smtClean="0"/>
+              <a:rPr lang="en-US"/>
               <a:t>Limits fraud, because perpetrator must be present daily to hide fraudulent actions</a:t>
             </a:r>
           </a:p>
@@ -5631,24 +5631,24 @@
               <a:buChar char="•"/>
             </a:pPr>
             <a:r>
-              <a:rPr lang="en-US" smtClean="0"/>
+              <a:rPr lang="en-US"/>
               <a:t>Audit of employee</a:t>
             </a:r>
             <a:r>
-              <a:rPr lang="en-US" altLang="en-US" smtClean="0"/>
+              <a:rPr lang="en-US" altLang="en-US"/>
               <a:t>’</a:t>
             </a:r>
             <a:r>
-              <a:rPr lang="en-US" smtClean="0"/>
+              <a:rPr lang="en-US"/>
               <a:t>s activities usually scheduled during vacation for sensitive positions</a:t>
             </a:r>
           </a:p>
           <a:p>
             <a:pPr marL="628650" lvl="1" indent="-171450"/>
-            <a:endParaRPr lang="en-US" smtClean="0"/>
-          </a:p>
-          <a:p>
-            <a:endParaRPr lang="en-US" smtClean="0"/>
+            <a:endParaRPr lang="en-US"/>
+          </a:p>
+          <a:p>
+            <a:endParaRPr lang="en-US"/>
           </a:p>
         </p:txBody>
       </p:sp>
@@ -5667,14 +5667,14 @@
           <a:ln/>
           <a:extLst>
             <a:ext uri="{909E8E84-426E-40dd-AFC4-6F175D3DCCD1}">
-              <a14:hiddenFill xmlns:a14="http://schemas.microsoft.com/office/drawing/2010/main">
+              <a14:hiddenFill xmlns:a14="http://schemas.microsoft.com/office/drawing/2010/main" xmlns="">
                 <a:solidFill>
                   <a:srgbClr val="FFFFFF"/>
                 </a:solidFill>
               </a14:hiddenFill>
             </a:ext>
             <a:ext uri="{91240B29-F687-4f45-9708-019B960494DF}">
-              <a14:hiddenLine xmlns:a14="http://schemas.microsoft.com/office/drawing/2010/main" w="9525">
+              <a14:hiddenLine xmlns:a14="http://schemas.microsoft.com/office/drawing/2010/main" xmlns="" w="9525">
                 <a:solidFill>
                   <a:srgbClr val="000000"/>
                 </a:solidFill>
@@ -5875,19 +5875,19 @@
               <a:defRPr/>
             </a:pPr>
             <a:r>
-              <a:rPr lang="en-US" altLang="en-US" dirty="0" smtClean="0">
+              <a:rPr lang="en-US" altLang="en-US" dirty="0">
                 <a:ea typeface="+mn-ea"/>
               </a:rPr>
               <a:t>End of class </a:t>
             </a:r>
             <a:r>
-              <a:rPr lang="en-US" altLang="en-US" smtClean="0">
+              <a:rPr lang="en-US" altLang="en-US">
                 <a:ea typeface="+mn-ea"/>
               </a:rPr>
               <a:t>10 am, 11 am  </a:t>
             </a:r>
             <a:r>
-              <a:rPr lang="en-US" altLang="en-US" dirty="0" smtClean="0">
+              <a:rPr lang="en-US" altLang="en-US" dirty="0">
                 <a:ea typeface="+mn-ea"/>
               </a:rPr>
               <a:t>3/29/17</a:t>
@@ -5897,7 +5897,7 @@
             <a:pPr>
               <a:defRPr/>
             </a:pPr>
-            <a:endParaRPr lang="en-US" altLang="en-US" dirty="0" smtClean="0">
+            <a:endParaRPr lang="en-US" altLang="en-US" dirty="0">
               <a:ea typeface="+mn-ea"/>
             </a:endParaRPr>
           </a:p>
@@ -5905,7 +5905,7 @@
             <a:pPr>
               <a:defRPr/>
             </a:pPr>
-            <a:endParaRPr lang="en-US" altLang="en-US" dirty="0" smtClean="0">
+            <a:endParaRPr lang="en-US" altLang="en-US" dirty="0">
               <a:ea typeface="+mn-ea"/>
             </a:endParaRPr>
           </a:p>
@@ -5914,23 +5914,17 @@
               <a:defRPr/>
             </a:pPr>
             <a:r>
-              <a:rPr lang="en-US" altLang="en-US" dirty="0" smtClean="0">
+              <a:rPr lang="en-US" altLang="en-US" dirty="0">
                 <a:ea typeface="+mn-ea"/>
               </a:rPr>
-              <a:t>Implementing </a:t>
-            </a:r>
-            <a:r>
-              <a:rPr lang="en-US" altLang="en-US" dirty="0" smtClean="0">
-                <a:ea typeface="+mn-ea"/>
-              </a:rPr>
-              <a:t>Access Control</a:t>
+              <a:t>Implementing Access Control</a:t>
             </a:r>
           </a:p>
           <a:p>
             <a:pPr>
               <a:defRPr/>
             </a:pPr>
-            <a:endParaRPr lang="en-US" dirty="0" smtClean="0">
+            <a:endParaRPr lang="en-US" dirty="0">
               <a:ea typeface="+mn-ea"/>
             </a:endParaRPr>
           </a:p>
@@ -5941,7 +5935,7 @@
               <a:defRPr/>
             </a:pPr>
             <a:r>
-              <a:rPr lang="en-US" altLang="en-US" dirty="0" smtClean="0">
+              <a:rPr lang="en-US" altLang="en-US" dirty="0">
                 <a:ea typeface="+mn-ea"/>
               </a:rPr>
               <a:t>Technologies used to implement access control</a:t>
@@ -5954,7 +5948,7 @@
               <a:defRPr/>
             </a:pPr>
             <a:r>
-              <a:rPr lang="en-US" altLang="en-US" dirty="0" smtClean="0">
+              <a:rPr lang="en-US" altLang="en-US" dirty="0">
                 <a:ea typeface="+mn-ea"/>
               </a:rPr>
               <a:t>Access control lists</a:t>
@@ -5967,7 +5961,7 @@
               <a:defRPr/>
             </a:pPr>
             <a:r>
-              <a:rPr lang="en-US" altLang="en-US" dirty="0" smtClean="0">
+              <a:rPr lang="en-US" altLang="en-US" dirty="0">
                 <a:ea typeface="+mn-ea"/>
               </a:rPr>
               <a:t>Group Policy</a:t>
@@ -5980,7 +5974,7 @@
               <a:defRPr/>
             </a:pPr>
             <a:r>
-              <a:rPr lang="en-US" altLang="en-US" dirty="0" smtClean="0">
+              <a:rPr lang="en-US" altLang="en-US" dirty="0">
                 <a:ea typeface="+mn-ea"/>
               </a:rPr>
               <a:t>Account restrictions</a:t>
@@ -6011,14 +6005,14 @@
           <a:ln/>
           <a:extLst>
             <a:ext uri="{909E8E84-426E-40dd-AFC4-6F175D3DCCD1}">
-              <a14:hiddenFill xmlns:a14="http://schemas.microsoft.com/office/drawing/2010/main">
+              <a14:hiddenFill xmlns:a14="http://schemas.microsoft.com/office/drawing/2010/main" xmlns="">
                 <a:solidFill>
                   <a:srgbClr val="FFFFFF"/>
                 </a:solidFill>
               </a14:hiddenFill>
             </a:ext>
             <a:ext uri="{91240B29-F687-4f45-9708-019B960494DF}">
-              <a14:hiddenLine xmlns:a14="http://schemas.microsoft.com/office/drawing/2010/main" w="9525">
+              <a14:hiddenLine xmlns:a14="http://schemas.microsoft.com/office/drawing/2010/main" xmlns="" w="9525">
                 <a:solidFill>
                   <a:srgbClr val="000000"/>
                 </a:solidFill>
@@ -6214,14 +6208,14 @@
           <a:ln/>
           <a:extLst>
             <a:ext uri="{909E8E84-426E-40dd-AFC4-6F175D3DCCD1}">
-              <a14:hiddenFill xmlns:a14="http://schemas.microsoft.com/office/drawing/2010/main">
+              <a14:hiddenFill xmlns:a14="http://schemas.microsoft.com/office/drawing/2010/main" xmlns="">
                 <a:solidFill>
                   <a:srgbClr val="FFFFFF"/>
                 </a:solidFill>
               </a14:hiddenFill>
             </a:ext>
             <a:ext uri="{91240B29-F687-4f45-9708-019B960494DF}">
-              <a14:hiddenLine xmlns:a14="http://schemas.microsoft.com/office/drawing/2010/main" w="9525">
+              <a14:hiddenLine xmlns:a14="http://schemas.microsoft.com/office/drawing/2010/main" xmlns="" w="9525">
                 <a:solidFill>
                   <a:srgbClr val="000000"/>
                 </a:solidFill>
@@ -6240,7 +6234,7 @@
               <a:defRPr/>
             </a:pPr>
             <a:r>
-              <a:rPr lang="en-US" altLang="en-US" dirty="0" smtClean="0">
+              <a:rPr lang="en-US" altLang="en-US" dirty="0">
                 <a:ea typeface="+mn-ea"/>
               </a:rPr>
               <a:t>Access Control Lists</a:t>
@@ -6252,7 +6246,7 @@
               <a:buChar char="•"/>
               <a:defRPr/>
             </a:pPr>
-            <a:endParaRPr lang="en-US" altLang="en-US" dirty="0" smtClean="0">
+            <a:endParaRPr lang="en-US" altLang="en-US" dirty="0">
               <a:ea typeface="+mn-ea"/>
             </a:endParaRPr>
           </a:p>
@@ -6263,7 +6257,7 @@
               <a:defRPr/>
             </a:pPr>
             <a:r>
-              <a:rPr lang="en-US" altLang="en-US" b="1" dirty="0" smtClean="0">
+              <a:rPr lang="en-US" altLang="en-US" b="1" dirty="0">
                 <a:ea typeface="+mn-ea"/>
               </a:rPr>
               <a:t>Access control list (ACL)</a:t>
@@ -6276,7 +6270,7 @@
               <a:defRPr/>
             </a:pPr>
             <a:r>
-              <a:rPr lang="en-US" altLang="en-US" dirty="0" smtClean="0">
+              <a:rPr lang="en-US" altLang="en-US" dirty="0">
                 <a:ea typeface="+mn-ea"/>
               </a:rPr>
               <a:t>A set of permissions attached to an object</a:t>
@@ -6289,7 +6283,7 @@
               <a:defRPr/>
             </a:pPr>
             <a:r>
-              <a:rPr lang="en-US" altLang="en-US" dirty="0" smtClean="0">
+              <a:rPr lang="en-US" altLang="en-US" dirty="0">
                 <a:ea typeface="+mn-ea"/>
               </a:rPr>
               <a:t>Specifies which subjects may access the object and what operations they can perform</a:t>
@@ -6302,7 +6296,7 @@
               <a:defRPr/>
             </a:pPr>
             <a:r>
-              <a:rPr lang="en-US" altLang="en-US" dirty="0" smtClean="0">
+              <a:rPr lang="en-US" altLang="en-US" dirty="0">
                 <a:ea typeface="+mn-ea"/>
               </a:rPr>
               <a:t>When a subject requests to perform an operation:</a:t>
@@ -6315,7 +6309,7 @@
               <a:defRPr/>
             </a:pPr>
             <a:r>
-              <a:rPr lang="en-US" altLang="en-US" dirty="0" smtClean="0">
+              <a:rPr lang="en-US" altLang="en-US" dirty="0">
                 <a:ea typeface="+mn-ea"/>
               </a:rPr>
               <a:t>System checks ACL for an approved entry</a:t>
@@ -6328,7 +6322,7 @@
               <a:defRPr/>
             </a:pPr>
             <a:r>
-              <a:rPr lang="en-US" altLang="en-US" dirty="0" smtClean="0">
+              <a:rPr lang="en-US" altLang="en-US" dirty="0">
                 <a:ea typeface="+mn-ea"/>
               </a:rPr>
               <a:t>ACLs are usually viewed in relation to operating system files</a:t>
@@ -6338,7 +6332,7 @@
             <a:pPr>
               <a:defRPr/>
             </a:pPr>
-            <a:endParaRPr lang="en-US" altLang="en-US" dirty="0" smtClean="0">
+            <a:endParaRPr lang="en-US" altLang="en-US" dirty="0">
               <a:ea typeface="+mn-ea"/>
             </a:endParaRPr>
           </a:p>
@@ -6359,14 +6353,14 @@
           <a:ln/>
           <a:extLst>
             <a:ext uri="{909E8E84-426E-40dd-AFC4-6F175D3DCCD1}">
-              <a14:hiddenFill xmlns:a14="http://schemas.microsoft.com/office/drawing/2010/main">
+              <a14:hiddenFill xmlns:a14="http://schemas.microsoft.com/office/drawing/2010/main" xmlns="">
                 <a:solidFill>
                   <a:srgbClr val="FFFFFF"/>
                 </a:solidFill>
               </a14:hiddenFill>
             </a:ext>
             <a:ext uri="{91240B29-F687-4f45-9708-019B960494DF}">
-              <a14:hiddenLine xmlns:a14="http://schemas.microsoft.com/office/drawing/2010/main" w="9525">
+              <a14:hiddenLine xmlns:a14="http://schemas.microsoft.com/office/drawing/2010/main" xmlns="" w="9525">
                 <a:solidFill>
                   <a:srgbClr val="000000"/>
                 </a:solidFill>
@@ -6562,14 +6556,14 @@
           <a:ln/>
           <a:extLst>
             <a:ext uri="{909E8E84-426E-40dd-AFC4-6F175D3DCCD1}">
-              <a14:hiddenFill xmlns:a14="http://schemas.microsoft.com/office/drawing/2010/main">
+              <a14:hiddenFill xmlns:a14="http://schemas.microsoft.com/office/drawing/2010/main" xmlns="">
                 <a:solidFill>
                   <a:srgbClr val="FFFFFF"/>
                 </a:solidFill>
               </a14:hiddenFill>
             </a:ext>
             <a:ext uri="{91240B29-F687-4f45-9708-019B960494DF}">
-              <a14:hiddenLine xmlns:a14="http://schemas.microsoft.com/office/drawing/2010/main" w="9525">
+              <a14:hiddenLine xmlns:a14="http://schemas.microsoft.com/office/drawing/2010/main" xmlns="" w="9525">
                 <a:solidFill>
                   <a:srgbClr val="000000"/>
                 </a:solidFill>
@@ -6588,7 +6582,7 @@
               <a:defRPr/>
             </a:pPr>
             <a:r>
-              <a:rPr lang="en-US" altLang="en-US" dirty="0" smtClean="0">
+              <a:rPr lang="en-US" altLang="en-US" dirty="0">
                 <a:ea typeface="+mn-ea"/>
               </a:rPr>
               <a:t>Access Control Lists</a:t>
@@ -6600,7 +6594,7 @@
               <a:buChar char="•"/>
               <a:defRPr/>
             </a:pPr>
-            <a:endParaRPr lang="en-US" altLang="en-US" dirty="0" smtClean="0">
+            <a:endParaRPr lang="en-US" altLang="en-US" dirty="0">
               <a:ea typeface="+mn-ea"/>
             </a:endParaRPr>
           </a:p>
@@ -6611,7 +6605,7 @@
               <a:defRPr/>
             </a:pPr>
             <a:r>
-              <a:rPr lang="en-US" altLang="en-US" dirty="0" smtClean="0">
+              <a:rPr lang="en-US" altLang="en-US" dirty="0">
                 <a:ea typeface="+mn-ea"/>
               </a:rPr>
               <a:t>Each entry in the ACL table is called access control entry (ACE)</a:t>
@@ -6624,7 +6618,7 @@
               <a:defRPr/>
             </a:pPr>
             <a:r>
-              <a:rPr lang="en-US" altLang="en-US" dirty="0" smtClean="0">
+              <a:rPr lang="en-US" altLang="en-US" dirty="0">
                 <a:ea typeface="+mn-ea"/>
               </a:rPr>
               <a:t>ACE structure (Windows)</a:t>
@@ -6637,7 +6631,7 @@
               <a:defRPr/>
             </a:pPr>
             <a:r>
-              <a:rPr lang="en-US" altLang="en-US" dirty="0" smtClean="0">
+              <a:rPr lang="en-US" altLang="en-US" dirty="0">
                 <a:ea typeface="+mn-ea"/>
               </a:rPr>
               <a:t>Security identifier (SID) for the user or group account or logon session</a:t>
@@ -6650,7 +6644,7 @@
               <a:defRPr/>
             </a:pPr>
             <a:r>
-              <a:rPr lang="en-US" altLang="en-US" dirty="0" smtClean="0">
+              <a:rPr lang="en-US" altLang="en-US" dirty="0">
                 <a:ea typeface="+mn-ea"/>
               </a:rPr>
               <a:t>Access mask that specifies access rights controlled by ACE</a:t>
@@ -6663,7 +6657,7 @@
               <a:defRPr/>
             </a:pPr>
             <a:r>
-              <a:rPr lang="en-US" altLang="en-US" dirty="0" smtClean="0">
+              <a:rPr lang="en-US" altLang="en-US" dirty="0">
                 <a:ea typeface="+mn-ea"/>
               </a:rPr>
               <a:t>Flag that indicates type of ACE</a:t>
@@ -6676,7 +6670,7 @@
               <a:defRPr/>
             </a:pPr>
             <a:r>
-              <a:rPr lang="en-US" altLang="en-US" dirty="0" smtClean="0">
+              <a:rPr lang="en-US" altLang="en-US" dirty="0">
                 <a:ea typeface="+mn-ea"/>
               </a:rPr>
               <a:t>Set of flags that determine whether objects can inherit permissions</a:t>
@@ -6688,7 +6682,7 @@
               <a:buChar char="•"/>
               <a:defRPr/>
             </a:pPr>
-            <a:endParaRPr lang="en-US" altLang="en-US" dirty="0" smtClean="0">
+            <a:endParaRPr lang="en-US" altLang="en-US" dirty="0">
               <a:ea typeface="+mn-ea"/>
             </a:endParaRPr>
           </a:p>
@@ -6696,7 +6690,7 @@
             <a:pPr>
               <a:defRPr/>
             </a:pPr>
-            <a:endParaRPr lang="en-US" altLang="en-US" dirty="0" smtClean="0">
+            <a:endParaRPr lang="en-US" altLang="en-US" dirty="0">
               <a:ea typeface="+mn-ea"/>
             </a:endParaRPr>
           </a:p>
@@ -6717,14 +6711,14 @@
           <a:ln/>
           <a:extLst>
             <a:ext uri="{909E8E84-426E-40dd-AFC4-6F175D3DCCD1}">
-              <a14:hiddenFill xmlns:a14="http://schemas.microsoft.com/office/drawing/2010/main">
+              <a14:hiddenFill xmlns:a14="http://schemas.microsoft.com/office/drawing/2010/main" xmlns="">
                 <a:solidFill>
                   <a:srgbClr val="FFFFFF"/>
                 </a:solidFill>
               </a14:hiddenFill>
             </a:ext>
             <a:ext uri="{91240B29-F687-4f45-9708-019B960494DF}">
-              <a14:hiddenLine xmlns:a14="http://schemas.microsoft.com/office/drawing/2010/main" w="9525">
+              <a14:hiddenLine xmlns:a14="http://schemas.microsoft.com/office/drawing/2010/main" xmlns="" w="9525">
                 <a:solidFill>
                   <a:srgbClr val="000000"/>
                 </a:solidFill>
@@ -6920,14 +6914,14 @@
           <a:ln/>
           <a:extLst>
             <a:ext uri="{909E8E84-426E-40dd-AFC4-6F175D3DCCD1}">
-              <a14:hiddenFill xmlns:a14="http://schemas.microsoft.com/office/drawing/2010/main">
+              <a14:hiddenFill xmlns:a14="http://schemas.microsoft.com/office/drawing/2010/main" xmlns="">
                 <a:solidFill>
                   <a:srgbClr val="FFFFFF"/>
                 </a:solidFill>
               </a14:hiddenFill>
             </a:ext>
             <a:ext uri="{91240B29-F687-4f45-9708-019B960494DF}">
-              <a14:hiddenLine xmlns:a14="http://schemas.microsoft.com/office/drawing/2010/main" w="9525">
+              <a14:hiddenLine xmlns:a14="http://schemas.microsoft.com/office/drawing/2010/main" xmlns="" w="9525">
                 <a:solidFill>
                   <a:srgbClr val="000000"/>
                 </a:solidFill>
@@ -6946,7 +6940,7 @@
               <a:defRPr/>
             </a:pPr>
             <a:r>
-              <a:rPr lang="en-US" altLang="en-US" dirty="0" smtClean="0">
+              <a:rPr lang="en-US" altLang="en-US" dirty="0">
                 <a:ea typeface="+mn-ea"/>
               </a:rPr>
               <a:t>Group Policies</a:t>
@@ -6958,7 +6952,7 @@
               <a:buChar char="•"/>
               <a:defRPr/>
             </a:pPr>
-            <a:endParaRPr lang="en-US" altLang="en-US" dirty="0" smtClean="0">
+            <a:endParaRPr lang="en-US" altLang="en-US" dirty="0">
               <a:ea typeface="+mn-ea"/>
             </a:endParaRPr>
           </a:p>
@@ -6969,7 +6963,7 @@
               <a:defRPr/>
             </a:pPr>
             <a:r>
-              <a:rPr lang="en-US" altLang="en-US" b="1" dirty="0" smtClean="0">
+              <a:rPr lang="en-US" altLang="en-US" b="1" dirty="0">
                 <a:ea typeface="+mn-ea"/>
               </a:rPr>
               <a:t>Group Policy</a:t>
@@ -6982,7 +6976,7 @@
               <a:defRPr/>
             </a:pPr>
             <a:r>
-              <a:rPr lang="en-US" altLang="en-US" dirty="0" smtClean="0">
+              <a:rPr lang="en-US" altLang="en-US" dirty="0">
                 <a:ea typeface="+mn-ea"/>
               </a:rPr>
               <a:t>A Microsoft Windows feature that provides centralized management and configuration of computers and remote users using Active Directory (AD)</a:t>
@@ -6995,7 +6989,7 @@
               <a:defRPr/>
             </a:pPr>
             <a:r>
-              <a:rPr lang="en-US" altLang="en-US" dirty="0" smtClean="0">
+              <a:rPr lang="en-US" altLang="en-US" dirty="0">
                 <a:ea typeface="+mn-ea"/>
               </a:rPr>
               <a:t>Usually used in enterprise environments</a:t>
@@ -7008,7 +7002,7 @@
               <a:defRPr/>
             </a:pPr>
             <a:r>
-              <a:rPr lang="en-US" altLang="en-US" dirty="0" smtClean="0">
+              <a:rPr lang="en-US" altLang="en-US" dirty="0">
                 <a:ea typeface="+mn-ea"/>
               </a:rPr>
               <a:t>Settings stored in Group Policy Objects (GPOs)</a:t>
@@ -7021,7 +7015,7 @@
               <a:defRPr/>
             </a:pPr>
             <a:r>
-              <a:rPr lang="en-US" altLang="en-US" dirty="0" smtClean="0">
+              <a:rPr lang="en-US" altLang="en-US" dirty="0">
                 <a:ea typeface="+mn-ea"/>
               </a:rPr>
               <a:t>Local Group Policy</a:t>
@@ -7034,7 +7028,7 @@
               <a:defRPr/>
             </a:pPr>
             <a:r>
-              <a:rPr lang="en-US" altLang="en-US" dirty="0" smtClean="0">
+              <a:rPr lang="en-US" altLang="en-US" dirty="0">
                 <a:ea typeface="+mn-ea"/>
               </a:rPr>
               <a:t>Has fewer options than a Group Policy</a:t>
@@ -7047,7 +7041,7 @@
               <a:defRPr/>
             </a:pPr>
             <a:r>
-              <a:rPr lang="en-US" altLang="en-US" dirty="0" smtClean="0">
+              <a:rPr lang="en-US" altLang="en-US" dirty="0">
                 <a:ea typeface="+mn-ea"/>
               </a:rPr>
               <a:t>Used to configure settings for systems not part of AD</a:t>
@@ -7057,7 +7051,7 @@
             <a:pPr>
               <a:defRPr/>
             </a:pPr>
-            <a:endParaRPr lang="en-US" altLang="en-US" dirty="0" smtClean="0">
+            <a:endParaRPr lang="en-US" altLang="en-US" dirty="0">
               <a:ea typeface="+mn-ea"/>
             </a:endParaRPr>
           </a:p>
@@ -7078,14 +7072,14 @@
           <a:ln/>
           <a:extLst>
             <a:ext uri="{909E8E84-426E-40dd-AFC4-6F175D3DCCD1}">
-              <a14:hiddenFill xmlns:a14="http://schemas.microsoft.com/office/drawing/2010/main">
+              <a14:hiddenFill xmlns:a14="http://schemas.microsoft.com/office/drawing/2010/main" xmlns="">
                 <a:solidFill>
                   <a:srgbClr val="FFFFFF"/>
                 </a:solidFill>
               </a14:hiddenFill>
             </a:ext>
             <a:ext uri="{91240B29-F687-4f45-9708-019B960494DF}">
-              <a14:hiddenLine xmlns:a14="http://schemas.microsoft.com/office/drawing/2010/main" w="9525">
+              <a14:hiddenLine xmlns:a14="http://schemas.microsoft.com/office/drawing/2010/main" xmlns="" w="9525">
                 <a:solidFill>
                   <a:srgbClr val="000000"/>
                 </a:solidFill>
@@ -7282,14 +7276,14 @@
           <a:ln/>
           <a:extLst>
             <a:ext uri="{909E8E84-426E-40dd-AFC4-6F175D3DCCD1}">
-              <a14:hiddenFill xmlns:a14="http://schemas.microsoft.com/office/drawing/2010/main">
+              <a14:hiddenFill xmlns:a14="http://schemas.microsoft.com/office/drawing/2010/main" xmlns="">
                 <a:solidFill>
                   <a:srgbClr val="FFFFFF"/>
                 </a:solidFill>
               </a14:hiddenFill>
             </a:ext>
             <a:ext uri="{91240B29-F687-4f45-9708-019B960494DF}">
-              <a14:hiddenLine xmlns:a14="http://schemas.microsoft.com/office/drawing/2010/main" w="9525">
+              <a14:hiddenLine xmlns:a14="http://schemas.microsoft.com/office/drawing/2010/main" xmlns="" w="9525">
                 <a:solidFill>
                   <a:srgbClr val="000000"/>
                 </a:solidFill>
@@ -7305,46 +7299,46 @@
           <a:lstStyle/>
           <a:p>
             <a:r>
-              <a:rPr lang="en-US" smtClean="0"/>
+              <a:rPr lang="en-US"/>
               <a:t>Account Restrictions</a:t>
             </a:r>
           </a:p>
           <a:p>
-            <a:endParaRPr lang="en-US" smtClean="0"/>
-          </a:p>
-          <a:p>
-            <a:r>
-              <a:rPr lang="en-US" smtClean="0"/>
+            <a:endParaRPr lang="en-US"/>
+          </a:p>
+          <a:p>
+            <a:r>
+              <a:rPr lang="en-US"/>
               <a:t>Time of day restrictions</a:t>
             </a:r>
           </a:p>
           <a:p>
             <a:pPr lvl="1"/>
             <a:r>
-              <a:rPr lang="en-US" smtClean="0"/>
+              <a:rPr lang="en-US"/>
               <a:t>Limits the time of day a user may log onto a system</a:t>
             </a:r>
           </a:p>
           <a:p>
             <a:pPr lvl="1"/>
             <a:r>
-              <a:rPr lang="en-US" smtClean="0"/>
+              <a:rPr lang="en-US"/>
               <a:t>Time blocks for permitted access are chosen</a:t>
             </a:r>
           </a:p>
           <a:p>
             <a:pPr lvl="1"/>
             <a:r>
-              <a:rPr lang="en-US" smtClean="0"/>
+              <a:rPr lang="en-US"/>
               <a:t>Can be set on individual systems</a:t>
             </a:r>
           </a:p>
           <a:p>
-            <a:endParaRPr lang="en-US" smtClean="0"/>
-          </a:p>
-          <a:p>
-            <a:r>
-              <a:rPr lang="en-US" smtClean="0"/>
+            <a:endParaRPr lang="en-US"/>
+          </a:p>
+          <a:p>
+            <a:r>
+              <a:rPr lang="en-US"/>
               <a:t>Figure 11-5  Time-of-day restrictions setting specific times and days</a:t>
             </a:r>
           </a:p>
@@ -7365,14 +7359,14 @@
           <a:ln/>
           <a:extLst>
             <a:ext uri="{909E8E84-426E-40dd-AFC4-6F175D3DCCD1}">
-              <a14:hiddenFill xmlns:a14="http://schemas.microsoft.com/office/drawing/2010/main">
+              <a14:hiddenFill xmlns:a14="http://schemas.microsoft.com/office/drawing/2010/main" xmlns="">
                 <a:solidFill>
                   <a:srgbClr val="FFFFFF"/>
                 </a:solidFill>
               </a14:hiddenFill>
             </a:ext>
             <a:ext uri="{91240B29-F687-4f45-9708-019B960494DF}">
-              <a14:hiddenLine xmlns:a14="http://schemas.microsoft.com/office/drawing/2010/main" w="9525">
+              <a14:hiddenLine xmlns:a14="http://schemas.microsoft.com/office/drawing/2010/main" xmlns="" w="9525">
                 <a:solidFill>
                   <a:srgbClr val="000000"/>
                 </a:solidFill>
@@ -7569,14 +7563,14 @@
           <a:ln/>
           <a:extLst>
             <a:ext uri="{909E8E84-426E-40dd-AFC4-6F175D3DCCD1}">
-              <a14:hiddenFill xmlns:a14="http://schemas.microsoft.com/office/drawing/2010/main">
+              <a14:hiddenFill xmlns:a14="http://schemas.microsoft.com/office/drawing/2010/main" xmlns="">
                 <a:solidFill>
                   <a:srgbClr val="FFFFFF"/>
                 </a:solidFill>
               </a14:hiddenFill>
             </a:ext>
             <a:ext uri="{91240B29-F687-4f45-9708-019B960494DF}">
-              <a14:hiddenLine xmlns:a14="http://schemas.microsoft.com/office/drawing/2010/main" w="9525">
+              <a14:hiddenLine xmlns:a14="http://schemas.microsoft.com/office/drawing/2010/main" xmlns="" w="9525">
                 <a:solidFill>
                   <a:srgbClr val="000000"/>
                 </a:solidFill>
@@ -7592,16 +7586,16 @@
           <a:lstStyle/>
           <a:p>
             <a:r>
-              <a:rPr lang="en-US" smtClean="0"/>
+              <a:rPr lang="en-US"/>
               <a:t>Account Restrictions</a:t>
             </a:r>
           </a:p>
           <a:p>
-            <a:endParaRPr lang="en-US" smtClean="0"/>
-          </a:p>
-          <a:p>
-            <a:r>
-              <a:rPr lang="en-US" smtClean="0"/>
+            <a:endParaRPr lang="en-US"/>
+          </a:p>
+          <a:p>
+            <a:r>
+              <a:rPr lang="en-US"/>
               <a:t>Figure 6-11  Time-of-day restrictions using GUI</a:t>
             </a:r>
           </a:p>
@@ -7622,14 +7616,14 @@
           <a:ln/>
           <a:extLst>
             <a:ext uri="{909E8E84-426E-40dd-AFC4-6F175D3DCCD1}">
-              <a14:hiddenFill xmlns:a14="http://schemas.microsoft.com/office/drawing/2010/main">
+              <a14:hiddenFill xmlns:a14="http://schemas.microsoft.com/office/drawing/2010/main" xmlns="">
                 <a:solidFill>
                   <a:srgbClr val="FFFFFF"/>
                 </a:solidFill>
               </a14:hiddenFill>
             </a:ext>
             <a:ext uri="{91240B29-F687-4f45-9708-019B960494DF}">
-              <a14:hiddenLine xmlns:a14="http://schemas.microsoft.com/office/drawing/2010/main" w="9525">
+              <a14:hiddenLine xmlns:a14="http://schemas.microsoft.com/office/drawing/2010/main" xmlns="" w="9525">
                 <a:solidFill>
                   <a:srgbClr val="000000"/>
                 </a:solidFill>
@@ -7825,14 +7819,14 @@
           <a:ln/>
           <a:extLst>
             <a:ext uri="{909E8E84-426E-40dd-AFC4-6F175D3DCCD1}">
-              <a14:hiddenFill xmlns:a14="http://schemas.microsoft.com/office/drawing/2010/main">
+              <a14:hiddenFill xmlns:a14="http://schemas.microsoft.com/office/drawing/2010/main" xmlns="">
                 <a:solidFill>
                   <a:srgbClr val="FFFFFF"/>
                 </a:solidFill>
               </a14:hiddenFill>
             </a:ext>
             <a:ext uri="{91240B29-F687-4f45-9708-019B960494DF}">
-              <a14:hiddenLine xmlns:a14="http://schemas.microsoft.com/office/drawing/2010/main" w="9525">
+              <a14:hiddenLine xmlns:a14="http://schemas.microsoft.com/office/drawing/2010/main" xmlns="" w="9525">
                 <a:solidFill>
                   <a:srgbClr val="000000"/>
                 </a:solidFill>
@@ -7851,7 +7845,7 @@
               <a:defRPr/>
             </a:pPr>
             <a:r>
-              <a:rPr lang="en-US" altLang="en-US" dirty="0" smtClean="0">
+              <a:rPr lang="en-US" altLang="en-US" dirty="0">
                 <a:ea typeface="+mn-ea"/>
               </a:rPr>
               <a:t>Account Restrictions</a:t>
@@ -7863,7 +7857,7 @@
               <a:buChar char="•"/>
               <a:defRPr/>
             </a:pPr>
-            <a:endParaRPr lang="en-US" altLang="en-US" dirty="0" smtClean="0">
+            <a:endParaRPr lang="en-US" altLang="en-US" dirty="0">
               <a:ea typeface="+mn-ea"/>
             </a:endParaRPr>
           </a:p>
@@ -7874,7 +7868,7 @@
               <a:defRPr/>
             </a:pPr>
             <a:r>
-              <a:rPr lang="en-US" altLang="en-US" dirty="0" smtClean="0">
+              <a:rPr lang="en-US" altLang="en-US" dirty="0">
                 <a:ea typeface="+mn-ea"/>
               </a:rPr>
               <a:t>Account expiration</a:t>
@@ -7887,7 +7881,7 @@
               <a:defRPr/>
             </a:pPr>
             <a:r>
-              <a:rPr lang="en-US" altLang="en-US" dirty="0" smtClean="0">
+              <a:rPr lang="en-US" altLang="en-US" dirty="0">
                 <a:ea typeface="+mn-ea"/>
               </a:rPr>
               <a:t>Orphaned accounts: accounts that remain active after an employee has left the organization</a:t>
@@ -7900,7 +7894,7 @@
               <a:defRPr/>
             </a:pPr>
             <a:r>
-              <a:rPr lang="en-US" altLang="en-US" dirty="0" smtClean="0">
+              <a:rPr lang="en-US" altLang="en-US" dirty="0">
                 <a:ea typeface="+mn-ea"/>
               </a:rPr>
               <a:t>Dormant accounts: not accessed for a lengthy period of time</a:t>
@@ -7913,7 +7907,7 @@
               <a:defRPr/>
             </a:pPr>
             <a:r>
-              <a:rPr lang="en-US" altLang="en-US" dirty="0" smtClean="0">
+              <a:rPr lang="en-US" altLang="en-US" dirty="0">
                 <a:ea typeface="+mn-ea"/>
               </a:rPr>
               <a:t>Recommendations for dealing with orphaned or dormant accounts</a:t>
@@ -7926,7 +7920,7 @@
               <a:defRPr/>
             </a:pPr>
             <a:r>
-              <a:rPr lang="en-US" altLang="en-US" dirty="0" smtClean="0">
+              <a:rPr lang="en-US" altLang="en-US" dirty="0">
                 <a:ea typeface="+mn-ea"/>
               </a:rPr>
               <a:t>Establish a formal process</a:t>
@@ -7939,7 +7933,7 @@
               <a:defRPr/>
             </a:pPr>
             <a:r>
-              <a:rPr lang="en-US" altLang="en-US" dirty="0" smtClean="0">
+              <a:rPr lang="en-US" altLang="en-US" dirty="0">
                 <a:ea typeface="+mn-ea"/>
               </a:rPr>
               <a:t>Terminate access immediately</a:t>
@@ -7952,7 +7946,7 @@
               <a:defRPr/>
             </a:pPr>
             <a:r>
-              <a:rPr lang="en-US" altLang="en-US" dirty="0" smtClean="0">
+              <a:rPr lang="en-US" altLang="en-US" dirty="0">
                 <a:ea typeface="+mn-ea"/>
               </a:rPr>
               <a:t>Monitor logs</a:t>
@@ -7964,7 +7958,7 @@
               <a:buChar char="•"/>
               <a:defRPr/>
             </a:pPr>
-            <a:endParaRPr lang="en-US" altLang="en-US" dirty="0" smtClean="0">
+            <a:endParaRPr lang="en-US" altLang="en-US" dirty="0">
               <a:ea typeface="+mn-ea"/>
             </a:endParaRPr>
           </a:p>
@@ -7972,7 +7966,7 @@
             <a:pPr>
               <a:defRPr/>
             </a:pPr>
-            <a:endParaRPr lang="en-US" altLang="en-US" dirty="0" smtClean="0">
+            <a:endParaRPr lang="en-US" altLang="en-US" dirty="0">
               <a:ea typeface="+mn-ea"/>
             </a:endParaRPr>
           </a:p>
@@ -7993,14 +7987,14 @@
           <a:ln/>
           <a:extLst>
             <a:ext uri="{909E8E84-426E-40dd-AFC4-6F175D3DCCD1}">
-              <a14:hiddenFill xmlns:a14="http://schemas.microsoft.com/office/drawing/2010/main">
+              <a14:hiddenFill xmlns:a14="http://schemas.microsoft.com/office/drawing/2010/main" xmlns="">
                 <a:solidFill>
                   <a:srgbClr val="FFFFFF"/>
                 </a:solidFill>
               </a14:hiddenFill>
             </a:ext>
             <a:ext uri="{91240B29-F687-4f45-9708-019B960494DF}">
-              <a14:hiddenLine xmlns:a14="http://schemas.microsoft.com/office/drawing/2010/main" w="9525">
+              <a14:hiddenLine xmlns:a14="http://schemas.microsoft.com/office/drawing/2010/main" xmlns="" w="9525">
                 <a:solidFill>
                   <a:srgbClr val="000000"/>
                 </a:solidFill>
@@ -8197,14 +8191,14 @@
           <a:ln/>
           <a:extLst>
             <a:ext uri="{909E8E84-426E-40dd-AFC4-6F175D3DCCD1}">
-              <a14:hiddenFill xmlns:a14="http://schemas.microsoft.com/office/drawing/2010/main">
+              <a14:hiddenFill xmlns:a14="http://schemas.microsoft.com/office/drawing/2010/main" xmlns="">
                 <a:solidFill>
                   <a:srgbClr val="FFFFFF"/>
                 </a:solidFill>
               </a14:hiddenFill>
             </a:ext>
             <a:ext uri="{91240B29-F687-4f45-9708-019B960494DF}">
-              <a14:hiddenLine xmlns:a14="http://schemas.microsoft.com/office/drawing/2010/main" w="9525">
+              <a14:hiddenLine xmlns:a14="http://schemas.microsoft.com/office/drawing/2010/main" xmlns="" w="9525">
                 <a:solidFill>
                   <a:srgbClr val="000000"/>
                 </a:solidFill>
@@ -8220,7 +8214,7 @@
           <a:lstStyle/>
           <a:p>
             <a:r>
-              <a:rPr lang="en-US" smtClean="0"/>
+              <a:rPr lang="en-US"/>
               <a:t>Account Restrictions</a:t>
             </a:r>
           </a:p>
@@ -8229,7 +8223,7 @@
               <a:buFontTx/>
               <a:buChar char="•"/>
             </a:pPr>
-            <a:endParaRPr lang="en-US" smtClean="0"/>
+            <a:endParaRPr lang="en-US"/>
           </a:p>
           <a:p>
             <a:pPr>
@@ -8237,15 +8231,15 @@
               <a:buChar char="•"/>
             </a:pPr>
             <a:r>
-              <a:rPr lang="en-US" smtClean="0"/>
+              <a:rPr lang="en-US"/>
               <a:t>Orphaned accounts remain a problem in today</a:t>
             </a:r>
             <a:r>
-              <a:rPr lang="en-US" altLang="en-US" smtClean="0"/>
+              <a:rPr lang="en-US" altLang="en-US"/>
               <a:t>’</a:t>
             </a:r>
             <a:r>
-              <a:rPr lang="en-US" smtClean="0"/>
+              <a:rPr lang="en-US"/>
               <a:t>s organizations</a:t>
             </a:r>
           </a:p>
@@ -8255,7 +8249,7 @@
               <a:buChar char="•"/>
             </a:pPr>
             <a:r>
-              <a:rPr lang="en-US" smtClean="0"/>
+              <a:rPr lang="en-US"/>
               <a:t>Account expiration </a:t>
             </a:r>
           </a:p>
@@ -8265,15 +8259,15 @@
               <a:buChar char="•"/>
             </a:pPr>
             <a:r>
-              <a:rPr lang="en-US" smtClean="0"/>
+              <a:rPr lang="en-US"/>
               <a:t>Sets a user</a:t>
             </a:r>
             <a:r>
-              <a:rPr lang="en-US" altLang="en-US" smtClean="0"/>
+              <a:rPr lang="en-US" altLang="en-US"/>
               <a:t>’</a:t>
             </a:r>
             <a:r>
-              <a:rPr lang="en-US" smtClean="0"/>
+              <a:rPr lang="en-US"/>
               <a:t>s account to expire</a:t>
             </a:r>
           </a:p>
@@ -8283,7 +8277,7 @@
               <a:buChar char="•"/>
             </a:pPr>
             <a:r>
-              <a:rPr lang="en-US" smtClean="0"/>
+              <a:rPr lang="en-US"/>
               <a:t>Password expiration sets a time when user must create a new password</a:t>
             </a:r>
           </a:p>
@@ -8293,7 +8287,7 @@
               <a:buChar char="•"/>
             </a:pPr>
             <a:r>
-              <a:rPr lang="en-US" smtClean="0"/>
+              <a:rPr lang="en-US"/>
               <a:t>Different from account expiration</a:t>
             </a:r>
           </a:p>
@@ -8303,12 +8297,12 @@
               <a:buChar char="•"/>
             </a:pPr>
             <a:r>
-              <a:rPr lang="en-US" smtClean="0"/>
+              <a:rPr lang="en-US"/>
               <a:t>Account expiration can be a set date, or a number of days of inactivity</a:t>
             </a:r>
           </a:p>
           <a:p>
-            <a:endParaRPr lang="en-US" smtClean="0"/>
+            <a:endParaRPr lang="en-US"/>
           </a:p>
         </p:txBody>
       </p:sp>
@@ -8327,14 +8321,14 @@
           <a:ln/>
           <a:extLst>
             <a:ext uri="{909E8E84-426E-40dd-AFC4-6F175D3DCCD1}">
-              <a14:hiddenFill xmlns:a14="http://schemas.microsoft.com/office/drawing/2010/main">
+              <a14:hiddenFill xmlns:a14="http://schemas.microsoft.com/office/drawing/2010/main" xmlns="">
                 <a:solidFill>
                   <a:srgbClr val="FFFFFF"/>
                 </a:solidFill>
               </a14:hiddenFill>
             </a:ext>
             <a:ext uri="{91240B29-F687-4f45-9708-019B960494DF}">
-              <a14:hiddenLine xmlns:a14="http://schemas.microsoft.com/office/drawing/2010/main" w="9525">
+              <a14:hiddenLine xmlns:a14="http://schemas.microsoft.com/office/drawing/2010/main" xmlns="" w="9525">
                 <a:solidFill>
                   <a:srgbClr val="000000"/>
                 </a:solidFill>
@@ -8531,14 +8525,14 @@
           <a:ln/>
           <a:extLst>
             <a:ext uri="{909E8E84-426E-40dd-AFC4-6F175D3DCCD1}">
-              <a14:hiddenFill xmlns:a14="http://schemas.microsoft.com/office/drawing/2010/main">
+              <a14:hiddenFill xmlns:a14="http://schemas.microsoft.com/office/drawing/2010/main" xmlns="">
                 <a:solidFill>
                   <a:srgbClr val="FFFFFF"/>
                 </a:solidFill>
               </a14:hiddenFill>
             </a:ext>
             <a:ext uri="{91240B29-F687-4f45-9708-019B960494DF}">
-              <a14:hiddenLine xmlns:a14="http://schemas.microsoft.com/office/drawing/2010/main" w="9525">
+              <a14:hiddenLine xmlns:a14="http://schemas.microsoft.com/office/drawing/2010/main" xmlns="" w="9525">
                 <a:solidFill>
                   <a:srgbClr val="000000"/>
                 </a:solidFill>
@@ -8554,16 +8548,16 @@
           <a:lstStyle/>
           <a:p>
             <a:r>
-              <a:rPr lang="en-US" smtClean="0"/>
+              <a:rPr lang="en-US"/>
               <a:t>Access Control Terminology</a:t>
             </a:r>
           </a:p>
           <a:p>
-            <a:endParaRPr lang="en-US" smtClean="0"/>
-          </a:p>
-          <a:p>
-            <a:r>
-              <a:rPr lang="en-US" smtClean="0"/>
+            <a:endParaRPr lang="en-US"/>
+          </a:p>
+          <a:p>
+            <a:r>
+              <a:rPr lang="en-US"/>
               <a:t>Table 11-1  Basic steps in access control</a:t>
             </a:r>
           </a:p>
@@ -8584,14 +8578,14 @@
           <a:ln/>
           <a:extLst>
             <a:ext uri="{909E8E84-426E-40dd-AFC4-6F175D3DCCD1}">
-              <a14:hiddenFill xmlns:a14="http://schemas.microsoft.com/office/drawing/2010/main">
+              <a14:hiddenFill xmlns:a14="http://schemas.microsoft.com/office/drawing/2010/main" xmlns="">
                 <a:solidFill>
                   <a:srgbClr val="FFFFFF"/>
                 </a:solidFill>
               </a14:hiddenFill>
             </a:ext>
             <a:ext uri="{91240B29-F687-4f45-9708-019B960494DF}">
-              <a14:hiddenLine xmlns:a14="http://schemas.microsoft.com/office/drawing/2010/main" w="9525">
+              <a14:hiddenLine xmlns:a14="http://schemas.microsoft.com/office/drawing/2010/main" xmlns="" w="9525">
                 <a:solidFill>
                   <a:srgbClr val="000000"/>
                 </a:solidFill>
@@ -8787,14 +8781,14 @@
           <a:ln/>
           <a:extLst>
             <a:ext uri="{909E8E84-426E-40dd-AFC4-6F175D3DCCD1}">
-              <a14:hiddenFill xmlns:a14="http://schemas.microsoft.com/office/drawing/2010/main">
+              <a14:hiddenFill xmlns:a14="http://schemas.microsoft.com/office/drawing/2010/main" xmlns="">
                 <a:solidFill>
                   <a:srgbClr val="FFFFFF"/>
                 </a:solidFill>
               </a14:hiddenFill>
             </a:ext>
             <a:ext uri="{91240B29-F687-4f45-9708-019B960494DF}">
-              <a14:hiddenLine xmlns:a14="http://schemas.microsoft.com/office/drawing/2010/main" w="9525">
+              <a14:hiddenLine xmlns:a14="http://schemas.microsoft.com/office/drawing/2010/main" xmlns="" w="9525">
                 <a:solidFill>
                   <a:srgbClr val="000000"/>
                 </a:solidFill>
@@ -8813,7 +8807,7 @@
               <a:defRPr/>
             </a:pPr>
             <a:r>
-              <a:rPr lang="en-US" altLang="en-US" dirty="0" smtClean="0">
+              <a:rPr lang="en-US" altLang="en-US" dirty="0">
                 <a:ea typeface="+mn-ea"/>
               </a:rPr>
               <a:t>Authentication Services</a:t>
@@ -8823,7 +8817,7 @@
             <a:pPr>
               <a:defRPr/>
             </a:pPr>
-            <a:endParaRPr lang="en-US" altLang="en-US" dirty="0" smtClean="0">
+            <a:endParaRPr lang="en-US" altLang="en-US" dirty="0">
               <a:ea typeface="+mn-ea"/>
             </a:endParaRPr>
           </a:p>
@@ -8834,7 +8828,7 @@
               <a:defRPr/>
             </a:pPr>
             <a:r>
-              <a:rPr lang="en-US" altLang="en-US" dirty="0" smtClean="0">
+              <a:rPr lang="en-US" altLang="en-US" dirty="0">
                 <a:ea typeface="+mn-ea"/>
               </a:rPr>
               <a:t>Authentication</a:t>
@@ -8847,7 +8841,7 @@
               <a:defRPr/>
             </a:pPr>
             <a:r>
-              <a:rPr lang="en-US" altLang="en-US" dirty="0" smtClean="0">
+              <a:rPr lang="en-US" altLang="en-US" dirty="0">
                 <a:ea typeface="+mn-ea"/>
               </a:rPr>
               <a:t>Process of verifying credentials</a:t>
@@ -8860,7 +8854,7 @@
               <a:defRPr/>
             </a:pPr>
             <a:r>
-              <a:rPr lang="en-US" altLang="en-US" dirty="0" smtClean="0">
+              <a:rPr lang="en-US" altLang="en-US" dirty="0">
                 <a:ea typeface="+mn-ea"/>
               </a:rPr>
               <a:t>Authentication services provided on a network</a:t>
@@ -8873,7 +8867,7 @@
               <a:defRPr/>
             </a:pPr>
             <a:r>
-              <a:rPr lang="en-US" altLang="en-US" dirty="0" smtClean="0">
+              <a:rPr lang="en-US" altLang="en-US" dirty="0">
                 <a:ea typeface="+mn-ea"/>
               </a:rPr>
               <a:t>Dedicated authentication server</a:t>
@@ -8886,7 +8880,7 @@
               <a:defRPr/>
             </a:pPr>
             <a:r>
-              <a:rPr lang="en-US" altLang="en-US" dirty="0" smtClean="0">
+              <a:rPr lang="en-US" altLang="en-US" dirty="0">
                 <a:ea typeface="+mn-ea"/>
               </a:rPr>
               <a:t>A server that performs authentication, authorization, and accounting is called a AAA server</a:t>
@@ -8899,7 +8893,7 @@
               <a:defRPr/>
             </a:pPr>
             <a:r>
-              <a:rPr lang="en-US" altLang="en-US" dirty="0" smtClean="0">
+              <a:rPr lang="en-US" altLang="en-US" dirty="0">
                 <a:ea typeface="+mn-ea"/>
               </a:rPr>
               <a:t>Common types of authentication and AAA servers</a:t>
@@ -8912,7 +8906,7 @@
               <a:defRPr/>
             </a:pPr>
             <a:r>
-              <a:rPr lang="en-US" altLang="en-US" dirty="0" smtClean="0">
+              <a:rPr lang="en-US" altLang="en-US" dirty="0">
                 <a:ea typeface="+mn-ea"/>
               </a:rPr>
               <a:t>RADIUS, Kerberos, Terminal Access Control Access Control Systems (TACACS), generic servers built on the Lightweight Directory Access Protocol (LDAP), Security Assertion and Markup Language (SAML)</a:t>
@@ -8922,7 +8916,7 @@
             <a:pPr>
               <a:defRPr/>
             </a:pPr>
-            <a:endParaRPr lang="en-US" altLang="en-US" dirty="0" smtClean="0">
+            <a:endParaRPr lang="en-US" altLang="en-US" dirty="0">
               <a:ea typeface="+mn-ea"/>
             </a:endParaRPr>
           </a:p>
@@ -8943,14 +8937,14 @@
           <a:ln/>
           <a:extLst>
             <a:ext uri="{909E8E84-426E-40dd-AFC4-6F175D3DCCD1}">
-              <a14:hiddenFill xmlns:a14="http://schemas.microsoft.com/office/drawing/2010/main">
+              <a14:hiddenFill xmlns:a14="http://schemas.microsoft.com/office/drawing/2010/main" xmlns="">
                 <a:solidFill>
                   <a:srgbClr val="FFFFFF"/>
                 </a:solidFill>
               </a14:hiddenFill>
             </a:ext>
             <a:ext uri="{91240B29-F687-4f45-9708-019B960494DF}">
-              <a14:hiddenLine xmlns:a14="http://schemas.microsoft.com/office/drawing/2010/main" w="9525">
+              <a14:hiddenLine xmlns:a14="http://schemas.microsoft.com/office/drawing/2010/main" xmlns="" w="9525">
                 <a:solidFill>
                   <a:srgbClr val="000000"/>
                 </a:solidFill>
@@ -9146,14 +9140,14 @@
           <a:ln/>
           <a:extLst>
             <a:ext uri="{909E8E84-426E-40dd-AFC4-6F175D3DCCD1}">
-              <a14:hiddenFill xmlns:a14="http://schemas.microsoft.com/office/drawing/2010/main">
+              <a14:hiddenFill xmlns:a14="http://schemas.microsoft.com/office/drawing/2010/main" xmlns="">
                 <a:solidFill>
                   <a:srgbClr val="FFFFFF"/>
                 </a:solidFill>
               </a14:hiddenFill>
             </a:ext>
             <a:ext uri="{91240B29-F687-4f45-9708-019B960494DF}">
-              <a14:hiddenLine xmlns:a14="http://schemas.microsoft.com/office/drawing/2010/main" w="9525">
+              <a14:hiddenLine xmlns:a14="http://schemas.microsoft.com/office/drawing/2010/main" xmlns="" w="9525">
                 <a:solidFill>
                   <a:srgbClr val="000000"/>
                 </a:solidFill>
@@ -9172,7 +9166,7 @@
               <a:defRPr/>
             </a:pPr>
             <a:r>
-              <a:rPr lang="en-US" altLang="en-US" dirty="0" smtClean="0">
+              <a:rPr lang="en-US" altLang="en-US" dirty="0">
                 <a:ea typeface="+mn-ea"/>
               </a:rPr>
               <a:t>RADIUS</a:t>
@@ -9184,7 +9178,7 @@
               <a:buChar char="•"/>
               <a:defRPr/>
             </a:pPr>
-            <a:endParaRPr lang="en-US" altLang="en-US" dirty="0" smtClean="0">
+            <a:endParaRPr lang="en-US" altLang="en-US" dirty="0">
               <a:ea typeface="+mn-ea"/>
             </a:endParaRPr>
           </a:p>
@@ -9195,7 +9189,7 @@
               <a:defRPr/>
             </a:pPr>
             <a:r>
-              <a:rPr lang="en-US" altLang="en-US" dirty="0" smtClean="0">
+              <a:rPr lang="en-US" altLang="en-US" dirty="0">
                 <a:ea typeface="+mn-ea"/>
               </a:rPr>
               <a:t>Remote Authentication Dial In User Service</a:t>
@@ -9208,7 +9202,7 @@
               <a:defRPr/>
             </a:pPr>
             <a:r>
-              <a:rPr lang="en-US" altLang="en-US" dirty="0" smtClean="0">
+              <a:rPr lang="en-US" altLang="en-US" dirty="0">
                 <a:ea typeface="+mn-ea"/>
               </a:rPr>
               <a:t>Developed in 1992</a:t>
@@ -9221,7 +9215,7 @@
               <a:defRPr/>
             </a:pPr>
             <a:r>
-              <a:rPr lang="en-US" altLang="en-US" dirty="0" smtClean="0">
+              <a:rPr lang="en-US" altLang="en-US" dirty="0">
                 <a:ea typeface="+mn-ea"/>
               </a:rPr>
               <a:t>Became an industry standard</a:t>
@@ -9234,7 +9228,7 @@
               <a:defRPr/>
             </a:pPr>
             <a:r>
-              <a:rPr lang="en-US" altLang="en-US" dirty="0" smtClean="0">
+              <a:rPr lang="en-US" altLang="en-US" dirty="0">
                 <a:ea typeface="+mn-ea"/>
               </a:rPr>
               <a:t>Suitable for high volume service control applications</a:t>
@@ -9247,7 +9241,7 @@
               <a:defRPr/>
             </a:pPr>
             <a:r>
-              <a:rPr lang="en-US" altLang="en-US" dirty="0" smtClean="0">
+              <a:rPr lang="en-US" altLang="en-US" dirty="0">
                 <a:ea typeface="+mn-ea"/>
               </a:rPr>
               <a:t>Such as dial-in access to corporate network</a:t>
@@ -9260,7 +9254,7 @@
               <a:defRPr/>
             </a:pPr>
             <a:r>
-              <a:rPr lang="en-US" altLang="en-US" dirty="0" smtClean="0">
+              <a:rPr lang="en-US" altLang="en-US" dirty="0">
                 <a:ea typeface="+mn-ea"/>
               </a:rPr>
               <a:t>Still in use today</a:t>
@@ -9273,7 +9267,7 @@
               <a:defRPr/>
             </a:pPr>
             <a:r>
-              <a:rPr lang="en-US" altLang="en-US" dirty="0" smtClean="0">
+              <a:rPr lang="en-US" altLang="en-US" dirty="0">
                 <a:ea typeface="+mn-ea"/>
               </a:rPr>
               <a:t>RADIUS client</a:t>
@@ -9286,7 +9280,7 @@
               <a:defRPr/>
             </a:pPr>
             <a:r>
-              <a:rPr lang="en-US" altLang="en-US" dirty="0" smtClean="0">
+              <a:rPr lang="en-US" altLang="en-US" dirty="0">
                 <a:ea typeface="+mn-ea"/>
               </a:rPr>
               <a:t>Typically a device such as a wireless AP</a:t>
@@ -9299,7 +9293,7 @@
               <a:defRPr/>
             </a:pPr>
             <a:r>
-              <a:rPr lang="en-US" altLang="en-US" dirty="0" smtClean="0">
+              <a:rPr lang="en-US" altLang="en-US" dirty="0">
                 <a:ea typeface="+mn-ea"/>
               </a:rPr>
               <a:t>Responsible for sending user credentials and connection parameters to the RADIUS server</a:t>
@@ -9309,7 +9303,7 @@
             <a:pPr>
               <a:defRPr/>
             </a:pPr>
-            <a:endParaRPr lang="en-US" altLang="en-US" dirty="0" smtClean="0">
+            <a:endParaRPr lang="en-US" altLang="en-US" dirty="0">
               <a:ea typeface="+mn-ea"/>
             </a:endParaRPr>
           </a:p>
@@ -9330,14 +9324,14 @@
           <a:ln/>
           <a:extLst>
             <a:ext uri="{909E8E84-426E-40dd-AFC4-6F175D3DCCD1}">
-              <a14:hiddenFill xmlns:a14="http://schemas.microsoft.com/office/drawing/2010/main">
+              <a14:hiddenFill xmlns:a14="http://schemas.microsoft.com/office/drawing/2010/main" xmlns="">
                 <a:solidFill>
                   <a:srgbClr val="FFFFFF"/>
                 </a:solidFill>
               </a14:hiddenFill>
             </a:ext>
             <a:ext uri="{91240B29-F687-4f45-9708-019B960494DF}">
-              <a14:hiddenLine xmlns:a14="http://schemas.microsoft.com/office/drawing/2010/main" w="9525">
+              <a14:hiddenLine xmlns:a14="http://schemas.microsoft.com/office/drawing/2010/main" xmlns="" w="9525">
                 <a:solidFill>
                   <a:srgbClr val="000000"/>
                 </a:solidFill>
@@ -9534,14 +9528,14 @@
           <a:ln/>
           <a:extLst>
             <a:ext uri="{909E8E84-426E-40dd-AFC4-6F175D3DCCD1}">
-              <a14:hiddenFill xmlns:a14="http://schemas.microsoft.com/office/drawing/2010/main">
+              <a14:hiddenFill xmlns:a14="http://schemas.microsoft.com/office/drawing/2010/main" xmlns="">
                 <a:solidFill>
                   <a:srgbClr val="FFFFFF"/>
                 </a:solidFill>
               </a14:hiddenFill>
             </a:ext>
             <a:ext uri="{91240B29-F687-4f45-9708-019B960494DF}">
-              <a14:hiddenLine xmlns:a14="http://schemas.microsoft.com/office/drawing/2010/main" w="9525">
+              <a14:hiddenLine xmlns:a14="http://schemas.microsoft.com/office/drawing/2010/main" xmlns="" w="9525">
                 <a:solidFill>
                   <a:srgbClr val="000000"/>
                 </a:solidFill>
@@ -9557,16 +9551,16 @@
           <a:lstStyle/>
           <a:p>
             <a:r>
-              <a:rPr lang="en-US" smtClean="0"/>
+              <a:rPr lang="en-US"/>
               <a:t>RADIUS</a:t>
             </a:r>
           </a:p>
           <a:p>
-            <a:endParaRPr lang="en-US" smtClean="0"/>
-          </a:p>
-          <a:p>
-            <a:r>
-              <a:rPr lang="en-US" smtClean="0"/>
+            <a:endParaRPr lang="en-US"/>
+          </a:p>
+          <a:p>
+            <a:r>
+              <a:rPr lang="en-US"/>
               <a:t>Figure 11-7  RADIUS authentication</a:t>
             </a:r>
           </a:p>
@@ -9587,14 +9581,14 @@
           <a:ln/>
           <a:extLst>
             <a:ext uri="{909E8E84-426E-40dd-AFC4-6F175D3DCCD1}">
-              <a14:hiddenFill xmlns:a14="http://schemas.microsoft.com/office/drawing/2010/main">
+              <a14:hiddenFill xmlns:a14="http://schemas.microsoft.com/office/drawing/2010/main" xmlns="">
                 <a:solidFill>
                   <a:srgbClr val="FFFFFF"/>
                 </a:solidFill>
               </a14:hiddenFill>
             </a:ext>
             <a:ext uri="{91240B29-F687-4f45-9708-019B960494DF}">
-              <a14:hiddenLine xmlns:a14="http://schemas.microsoft.com/office/drawing/2010/main" w="9525">
+              <a14:hiddenLine xmlns:a14="http://schemas.microsoft.com/office/drawing/2010/main" xmlns="" w="9525">
                 <a:solidFill>
                   <a:srgbClr val="000000"/>
                 </a:solidFill>
@@ -9790,14 +9784,14 @@
           <a:ln/>
           <a:extLst>
             <a:ext uri="{909E8E84-426E-40dd-AFC4-6F175D3DCCD1}">
-              <a14:hiddenFill xmlns:a14="http://schemas.microsoft.com/office/drawing/2010/main">
+              <a14:hiddenFill xmlns:a14="http://schemas.microsoft.com/office/drawing/2010/main" xmlns="">
                 <a:solidFill>
                   <a:srgbClr val="FFFFFF"/>
                 </a:solidFill>
               </a14:hiddenFill>
             </a:ext>
             <a:ext uri="{91240B29-F687-4f45-9708-019B960494DF}">
-              <a14:hiddenLine xmlns:a14="http://schemas.microsoft.com/office/drawing/2010/main" w="9525">
+              <a14:hiddenLine xmlns:a14="http://schemas.microsoft.com/office/drawing/2010/main" xmlns="" w="9525">
                 <a:solidFill>
                   <a:srgbClr val="000000"/>
                 </a:solidFill>
@@ -9816,7 +9810,7 @@
               <a:defRPr/>
             </a:pPr>
             <a:r>
-              <a:rPr lang="en-US" altLang="en-US" dirty="0" smtClean="0">
+              <a:rPr lang="en-US" altLang="en-US" dirty="0">
                 <a:ea typeface="+mn-ea"/>
               </a:rPr>
               <a:t>RADIUS </a:t>
@@ -9828,7 +9822,7 @@
               <a:buChar char="•"/>
               <a:defRPr/>
             </a:pPr>
-            <a:endParaRPr lang="en-US" altLang="en-US" dirty="0" smtClean="0">
+            <a:endParaRPr lang="en-US" altLang="en-US" dirty="0">
               <a:ea typeface="+mn-ea"/>
             </a:endParaRPr>
           </a:p>
@@ -9839,7 +9833,7 @@
               <a:defRPr/>
             </a:pPr>
             <a:r>
-              <a:rPr lang="en-US" altLang="en-US" dirty="0" smtClean="0">
+              <a:rPr lang="en-US" altLang="en-US" dirty="0">
                 <a:ea typeface="+mn-ea"/>
               </a:rPr>
               <a:t>RADIUS user profiles are stored in a central database that all remote servers can share</a:t>
@@ -9852,7 +9846,7 @@
               <a:defRPr/>
             </a:pPr>
             <a:r>
-              <a:rPr lang="en-US" altLang="en-US" dirty="0" smtClean="0">
+              <a:rPr lang="en-US" altLang="en-US" dirty="0">
                 <a:ea typeface="+mn-ea"/>
               </a:rPr>
               <a:t>Advantages of a central service</a:t>
@@ -9865,7 +9859,7 @@
               <a:defRPr/>
             </a:pPr>
             <a:r>
-              <a:rPr lang="en-US" altLang="en-US" dirty="0" smtClean="0">
+              <a:rPr lang="en-US" altLang="en-US" dirty="0">
                 <a:ea typeface="+mn-ea"/>
               </a:rPr>
               <a:t>Increases security due to a single administered network point</a:t>
@@ -9878,7 +9872,7 @@
               <a:defRPr/>
             </a:pPr>
             <a:r>
-              <a:rPr lang="en-US" altLang="en-US" dirty="0" smtClean="0">
+              <a:rPr lang="en-US" altLang="en-US" dirty="0">
                 <a:ea typeface="+mn-ea"/>
               </a:rPr>
               <a:t>Easier to track usage for billing and keeping network statistics</a:t>
@@ -9888,7 +9882,7 @@
             <a:pPr>
               <a:defRPr/>
             </a:pPr>
-            <a:endParaRPr lang="en-US" altLang="en-US" dirty="0" smtClean="0">
+            <a:endParaRPr lang="en-US" altLang="en-US" dirty="0">
               <a:ea typeface="+mn-ea"/>
             </a:endParaRPr>
           </a:p>
@@ -9909,14 +9903,14 @@
           <a:ln/>
           <a:extLst>
             <a:ext uri="{909E8E84-426E-40dd-AFC4-6F175D3DCCD1}">
-              <a14:hiddenFill xmlns:a14="http://schemas.microsoft.com/office/drawing/2010/main">
+              <a14:hiddenFill xmlns:a14="http://schemas.microsoft.com/office/drawing/2010/main" xmlns="">
                 <a:solidFill>
                   <a:srgbClr val="FFFFFF"/>
                 </a:solidFill>
               </a14:hiddenFill>
             </a:ext>
             <a:ext uri="{91240B29-F687-4f45-9708-019B960494DF}">
-              <a14:hiddenLine xmlns:a14="http://schemas.microsoft.com/office/drawing/2010/main" w="9525">
+              <a14:hiddenLine xmlns:a14="http://schemas.microsoft.com/office/drawing/2010/main" xmlns="" w="9525">
                 <a:solidFill>
                   <a:srgbClr val="000000"/>
                 </a:solidFill>
@@ -10113,14 +10107,14 @@
           <a:ln/>
           <a:extLst>
             <a:ext uri="{909E8E84-426E-40dd-AFC4-6F175D3DCCD1}">
-              <a14:hiddenFill xmlns:a14="http://schemas.microsoft.com/office/drawing/2010/main">
+              <a14:hiddenFill xmlns:a14="http://schemas.microsoft.com/office/drawing/2010/main" xmlns="">
                 <a:solidFill>
                   <a:srgbClr val="FFFFFF"/>
                 </a:solidFill>
               </a14:hiddenFill>
             </a:ext>
             <a:ext uri="{91240B29-F687-4f45-9708-019B960494DF}">
-              <a14:hiddenLine xmlns:a14="http://schemas.microsoft.com/office/drawing/2010/main" w="9525">
+              <a14:hiddenLine xmlns:a14="http://schemas.microsoft.com/office/drawing/2010/main" xmlns="" w="9525">
                 <a:solidFill>
                   <a:srgbClr val="000000"/>
                 </a:solidFill>
@@ -10136,7 +10130,7 @@
           <a:lstStyle/>
           <a:p>
             <a:r>
-              <a:rPr lang="en-US" smtClean="0"/>
+              <a:rPr lang="en-US"/>
               <a:t>Kerberos</a:t>
             </a:r>
           </a:p>
@@ -10145,7 +10139,7 @@
               <a:buFontTx/>
               <a:buChar char="•"/>
             </a:pPr>
-            <a:endParaRPr lang="en-US" smtClean="0"/>
+            <a:endParaRPr lang="en-US"/>
           </a:p>
           <a:p>
             <a:pPr>
@@ -10153,7 +10147,7 @@
               <a:buChar char="•"/>
             </a:pPr>
             <a:r>
-              <a:rPr lang="en-US" smtClean="0"/>
+              <a:rPr lang="en-US"/>
               <a:t>Authentication system developed at MIT</a:t>
             </a:r>
           </a:p>
@@ -10163,7 +10157,7 @@
               <a:buChar char="•"/>
             </a:pPr>
             <a:r>
-              <a:rPr lang="en-US" smtClean="0"/>
+              <a:rPr lang="en-US"/>
               <a:t>Uses encryption and authentication for security</a:t>
             </a:r>
           </a:p>
@@ -10173,7 +10167,7 @@
               <a:buChar char="•"/>
             </a:pPr>
             <a:r>
-              <a:rPr lang="en-US" smtClean="0"/>
+              <a:rPr lang="en-US"/>
               <a:t>Most often used in educational and government settings</a:t>
             </a:r>
           </a:p>
@@ -10183,15 +10177,15 @@
               <a:buChar char="•"/>
             </a:pPr>
             <a:r>
-              <a:rPr lang="en-US" smtClean="0"/>
+              <a:rPr lang="en-US"/>
               <a:t>Works like using a driver</a:t>
             </a:r>
             <a:r>
-              <a:rPr lang="en-US" altLang="en-US" smtClean="0"/>
+              <a:rPr lang="en-US" altLang="en-US"/>
               <a:t>’</a:t>
             </a:r>
             <a:r>
-              <a:rPr lang="en-US" smtClean="0"/>
+              <a:rPr lang="en-US"/>
               <a:t>s license to cash a check</a:t>
             </a:r>
           </a:p>
@@ -10201,7 +10195,7 @@
               <a:buChar char="•"/>
             </a:pPr>
             <a:r>
-              <a:rPr lang="en-US" smtClean="0"/>
+              <a:rPr lang="en-US"/>
               <a:t>Kerberos ticket characteristics:</a:t>
             </a:r>
           </a:p>
@@ -10211,7 +10205,7 @@
               <a:buChar char="•"/>
             </a:pPr>
             <a:r>
-              <a:rPr lang="en-US" smtClean="0"/>
+              <a:rPr lang="en-US"/>
               <a:t>Difficult to copy</a:t>
             </a:r>
           </a:p>
@@ -10221,7 +10215,7 @@
               <a:buChar char="•"/>
             </a:pPr>
             <a:r>
-              <a:rPr lang="en-US" smtClean="0"/>
+              <a:rPr lang="en-US"/>
               <a:t>Contains information linking it to the user</a:t>
             </a:r>
           </a:p>
@@ -10231,7 +10225,7 @@
               <a:buChar char="•"/>
             </a:pPr>
             <a:r>
-              <a:rPr lang="en-US" smtClean="0"/>
+              <a:rPr lang="en-US"/>
               <a:t>User presents ticket to network for a service</a:t>
             </a:r>
           </a:p>
@@ -10241,12 +10235,12 @@
               <a:buChar char="•"/>
             </a:pPr>
             <a:r>
-              <a:rPr lang="en-US" smtClean="0"/>
+              <a:rPr lang="en-US"/>
               <a:t>Expires in a few hours or a day</a:t>
             </a:r>
           </a:p>
           <a:p>
-            <a:endParaRPr lang="en-US" smtClean="0"/>
+            <a:endParaRPr lang="en-US"/>
           </a:p>
         </p:txBody>
       </p:sp>
@@ -10265,14 +10259,14 @@
           <a:ln/>
           <a:extLst>
             <a:ext uri="{909E8E84-426E-40dd-AFC4-6F175D3DCCD1}">
-              <a14:hiddenFill xmlns:a14="http://schemas.microsoft.com/office/drawing/2010/main">
+              <a14:hiddenFill xmlns:a14="http://schemas.microsoft.com/office/drawing/2010/main" xmlns="">
                 <a:solidFill>
                   <a:srgbClr val="FFFFFF"/>
                 </a:solidFill>
               </a14:hiddenFill>
             </a:ext>
             <a:ext uri="{91240B29-F687-4f45-9708-019B960494DF}">
-              <a14:hiddenLine xmlns:a14="http://schemas.microsoft.com/office/drawing/2010/main" w="9525">
+              <a14:hiddenLine xmlns:a14="http://schemas.microsoft.com/office/drawing/2010/main" xmlns="" w="9525">
                 <a:solidFill>
                   <a:srgbClr val="000000"/>
                 </a:solidFill>
@@ -10468,14 +10462,14 @@
           <a:ln/>
           <a:extLst>
             <a:ext uri="{909E8E84-426E-40dd-AFC4-6F175D3DCCD1}">
-              <a14:hiddenFill xmlns:a14="http://schemas.microsoft.com/office/drawing/2010/main">
+              <a14:hiddenFill xmlns:a14="http://schemas.microsoft.com/office/drawing/2010/main" xmlns="">
                 <a:solidFill>
                   <a:srgbClr val="FFFFFF"/>
                 </a:solidFill>
               </a14:hiddenFill>
             </a:ext>
             <a:ext uri="{91240B29-F687-4f45-9708-019B960494DF}">
-              <a14:hiddenLine xmlns:a14="http://schemas.microsoft.com/office/drawing/2010/main" w="9525">
+              <a14:hiddenLine xmlns:a14="http://schemas.microsoft.com/office/drawing/2010/main" xmlns="" w="9525">
                 <a:solidFill>
                   <a:srgbClr val="000000"/>
                 </a:solidFill>
@@ -10494,7 +10488,7 @@
               <a:defRPr/>
             </a:pPr>
             <a:r>
-              <a:rPr lang="en-US" altLang="en-US" dirty="0" smtClean="0">
+              <a:rPr lang="en-US" altLang="en-US" dirty="0">
                 <a:ea typeface="+mn-ea"/>
               </a:rPr>
               <a:t>Terminal Access Control Access Control System (TACACS)</a:t>
@@ -10506,7 +10500,7 @@
               <a:buChar char="•"/>
               <a:defRPr/>
             </a:pPr>
-            <a:endParaRPr lang="en-US" altLang="en-US" dirty="0" smtClean="0">
+            <a:endParaRPr lang="en-US" altLang="en-US" dirty="0">
               <a:ea typeface="+mn-ea"/>
             </a:endParaRPr>
           </a:p>
@@ -10517,7 +10511,7 @@
               <a:defRPr/>
             </a:pPr>
             <a:r>
-              <a:rPr lang="en-US" altLang="en-US" dirty="0" smtClean="0">
+              <a:rPr lang="en-US" altLang="en-US" dirty="0">
                 <a:ea typeface="+mn-ea"/>
               </a:rPr>
               <a:t>Authentication service similar to RADIUS</a:t>
@@ -10530,7 +10524,7 @@
               <a:defRPr/>
             </a:pPr>
             <a:r>
-              <a:rPr lang="en-US" altLang="en-US" dirty="0" smtClean="0">
+              <a:rPr lang="en-US" altLang="en-US" dirty="0">
                 <a:ea typeface="+mn-ea"/>
               </a:rPr>
               <a:t>Commonly used on UNIX devices</a:t>
@@ -10543,7 +10537,7 @@
               <a:defRPr/>
             </a:pPr>
             <a:r>
-              <a:rPr lang="en-US" altLang="en-US" dirty="0" smtClean="0">
+              <a:rPr lang="en-US" altLang="en-US" dirty="0">
                 <a:ea typeface="+mn-ea"/>
               </a:rPr>
               <a:t>Communicates by forwarding user authentication information to a centralized server</a:t>
@@ -10556,7 +10550,7 @@
               <a:defRPr/>
             </a:pPr>
             <a:r>
-              <a:rPr lang="en-US" altLang="en-US" dirty="0" smtClean="0">
+              <a:rPr lang="en-US" altLang="en-US" dirty="0">
                 <a:ea typeface="+mn-ea"/>
               </a:rPr>
               <a:t>The current version is TACACS+</a:t>
@@ -10568,7 +10562,7 @@
               <a:buChar char="•"/>
               <a:defRPr/>
             </a:pPr>
-            <a:endParaRPr lang="en-US" altLang="en-US" dirty="0" smtClean="0">
+            <a:endParaRPr lang="en-US" altLang="en-US" dirty="0">
               <a:ea typeface="+mn-ea"/>
             </a:endParaRPr>
           </a:p>
@@ -10576,7 +10570,7 @@
             <a:pPr>
               <a:defRPr/>
             </a:pPr>
-            <a:endParaRPr lang="en-US" altLang="en-US" dirty="0" smtClean="0">
+            <a:endParaRPr lang="en-US" altLang="en-US" dirty="0">
               <a:ea typeface="+mn-ea"/>
             </a:endParaRPr>
           </a:p>
@@ -10597,14 +10591,14 @@
           <a:ln/>
           <a:extLst>
             <a:ext uri="{909E8E84-426E-40dd-AFC4-6F175D3DCCD1}">
-              <a14:hiddenFill xmlns:a14="http://schemas.microsoft.com/office/drawing/2010/main">
+              <a14:hiddenFill xmlns:a14="http://schemas.microsoft.com/office/drawing/2010/main" xmlns="">
                 <a:solidFill>
                   <a:srgbClr val="FFFFFF"/>
                 </a:solidFill>
               </a14:hiddenFill>
             </a:ext>
             <a:ext uri="{91240B29-F687-4f45-9708-019B960494DF}">
-              <a14:hiddenLine xmlns:a14="http://schemas.microsoft.com/office/drawing/2010/main" w="9525">
+              <a14:hiddenLine xmlns:a14="http://schemas.microsoft.com/office/drawing/2010/main" xmlns="" w="9525">
                 <a:solidFill>
                   <a:srgbClr val="000000"/>
                 </a:solidFill>
@@ -10801,14 +10795,14 @@
           <a:ln/>
           <a:extLst>
             <a:ext uri="{909E8E84-426E-40dd-AFC4-6F175D3DCCD1}">
-              <a14:hiddenFill xmlns:a14="http://schemas.microsoft.com/office/drawing/2010/main">
+              <a14:hiddenFill xmlns:a14="http://schemas.microsoft.com/office/drawing/2010/main" xmlns="">
                 <a:solidFill>
                   <a:srgbClr val="FFFFFF"/>
                 </a:solidFill>
               </a14:hiddenFill>
             </a:ext>
             <a:ext uri="{91240B29-F687-4f45-9708-019B960494DF}">
-              <a14:hiddenLine xmlns:a14="http://schemas.microsoft.com/office/drawing/2010/main" w="9525">
+              <a14:hiddenLine xmlns:a14="http://schemas.microsoft.com/office/drawing/2010/main" xmlns="" w="9525">
                 <a:solidFill>
                   <a:srgbClr val="000000"/>
                 </a:solidFill>
@@ -10824,16 +10818,16 @@
           <a:lstStyle/>
           <a:p>
             <a:r>
-              <a:rPr lang="en-US" smtClean="0"/>
+              <a:rPr lang="en-US"/>
               <a:t>Terminal Access Control Access Control System (TACACS)</a:t>
             </a:r>
           </a:p>
           <a:p>
-            <a:endParaRPr lang="en-US" smtClean="0"/>
-          </a:p>
-          <a:p>
-            <a:r>
-              <a:rPr lang="en-US" smtClean="0"/>
+            <a:endParaRPr lang="en-US"/>
+          </a:p>
+          <a:p>
+            <a:r>
+              <a:rPr lang="en-US"/>
               <a:t>Table 11-5  Comparison of RADIUS and TACAS+</a:t>
             </a:r>
           </a:p>
@@ -10854,14 +10848,14 @@
           <a:ln/>
           <a:extLst>
             <a:ext uri="{909E8E84-426E-40dd-AFC4-6F175D3DCCD1}">
-              <a14:hiddenFill xmlns:a14="http://schemas.microsoft.com/office/drawing/2010/main">
+              <a14:hiddenFill xmlns:a14="http://schemas.microsoft.com/office/drawing/2010/main" xmlns="">
                 <a:solidFill>
                   <a:srgbClr val="FFFFFF"/>
                 </a:solidFill>
               </a14:hiddenFill>
             </a:ext>
             <a:ext uri="{91240B29-F687-4f45-9708-019B960494DF}">
-              <a14:hiddenLine xmlns:a14="http://schemas.microsoft.com/office/drawing/2010/main" w="9525">
+              <a14:hiddenLine xmlns:a14="http://schemas.microsoft.com/office/drawing/2010/main" xmlns="" w="9525">
                 <a:solidFill>
                   <a:srgbClr val="000000"/>
                 </a:solidFill>
@@ -11058,14 +11052,14 @@
           <a:ln/>
           <a:extLst>
             <a:ext uri="{909E8E84-426E-40dd-AFC4-6F175D3DCCD1}">
-              <a14:hiddenFill xmlns:a14="http://schemas.microsoft.com/office/drawing/2010/main">
+              <a14:hiddenFill xmlns:a14="http://schemas.microsoft.com/office/drawing/2010/main" xmlns="">
                 <a:solidFill>
                   <a:srgbClr val="FFFFFF"/>
                 </a:solidFill>
               </a14:hiddenFill>
             </a:ext>
             <a:ext uri="{91240B29-F687-4f45-9708-019B960494DF}">
-              <a14:hiddenLine xmlns:a14="http://schemas.microsoft.com/office/drawing/2010/main" w="9525">
+              <a14:hiddenLine xmlns:a14="http://schemas.microsoft.com/office/drawing/2010/main" xmlns="" w="9525">
                 <a:solidFill>
                   <a:srgbClr val="000000"/>
                 </a:solidFill>
@@ -11081,12 +11075,12 @@
           <a:lstStyle/>
           <a:p>
             <a:r>
-              <a:rPr lang="en-US" smtClean="0"/>
+              <a:rPr lang="en-US"/>
               <a:t>Lightweight Directory Access Protocol (LDAP)</a:t>
             </a:r>
           </a:p>
           <a:p>
-            <a:endParaRPr lang="en-US" smtClean="0"/>
+            <a:endParaRPr lang="en-US"/>
           </a:p>
           <a:p>
             <a:pPr>
@@ -11094,7 +11088,7 @@
               <a:buChar char="•"/>
             </a:pPr>
             <a:r>
-              <a:rPr lang="en-US" smtClean="0"/>
+              <a:rPr lang="en-US"/>
               <a:t>A directory service is a database stored on a network</a:t>
             </a:r>
           </a:p>
@@ -11104,7 +11098,7 @@
               <a:buChar char="•"/>
             </a:pPr>
             <a:r>
-              <a:rPr lang="en-US" smtClean="0"/>
+              <a:rPr lang="en-US"/>
               <a:t>Contains information about users and network devices</a:t>
             </a:r>
           </a:p>
@@ -11114,15 +11108,15 @@
               <a:buChar char="•"/>
             </a:pPr>
             <a:r>
-              <a:rPr lang="en-US" smtClean="0"/>
+              <a:rPr lang="en-US"/>
               <a:t>Keeps track of network resources and user</a:t>
             </a:r>
             <a:r>
-              <a:rPr lang="en-US" altLang="en-US" smtClean="0"/>
+              <a:rPr lang="en-US" altLang="en-US"/>
               <a:t>’</a:t>
             </a:r>
             <a:r>
-              <a:rPr lang="en-US" smtClean="0"/>
+              <a:rPr lang="en-US"/>
               <a:t>s privileges to those resources</a:t>
             </a:r>
           </a:p>
@@ -11132,7 +11126,7 @@
               <a:buChar char="•"/>
             </a:pPr>
             <a:r>
-              <a:rPr lang="en-US" smtClean="0"/>
+              <a:rPr lang="en-US"/>
               <a:t>Grants or denies access based on its information</a:t>
             </a:r>
           </a:p>
@@ -11142,7 +11136,7 @@
               <a:buChar char="•"/>
             </a:pPr>
             <a:r>
-              <a:rPr lang="en-US" smtClean="0"/>
+              <a:rPr lang="en-US"/>
               <a:t>Standard for directory services</a:t>
             </a:r>
           </a:p>
@@ -11152,12 +11146,12 @@
               <a:buChar char="•"/>
             </a:pPr>
             <a:r>
-              <a:rPr lang="en-US" smtClean="0"/>
+              <a:rPr lang="en-US"/>
               <a:t>X.500</a:t>
             </a:r>
           </a:p>
           <a:p>
-            <a:endParaRPr lang="en-US" smtClean="0"/>
+            <a:endParaRPr lang="en-US"/>
           </a:p>
         </p:txBody>
       </p:sp>
@@ -11176,14 +11170,14 @@
           <a:ln/>
           <a:extLst>
             <a:ext uri="{909E8E84-426E-40dd-AFC4-6F175D3DCCD1}">
-              <a14:hiddenFill xmlns:a14="http://schemas.microsoft.com/office/drawing/2010/main">
+              <a14:hiddenFill xmlns:a14="http://schemas.microsoft.com/office/drawing/2010/main" xmlns="">
                 <a:solidFill>
                   <a:srgbClr val="FFFFFF"/>
                 </a:solidFill>
               </a14:hiddenFill>
             </a:ext>
             <a:ext uri="{91240B29-F687-4f45-9708-019B960494DF}">
-              <a14:hiddenLine xmlns:a14="http://schemas.microsoft.com/office/drawing/2010/main" w="9525">
+              <a14:hiddenLine xmlns:a14="http://schemas.microsoft.com/office/drawing/2010/main" xmlns="" w="9525">
                 <a:solidFill>
                   <a:srgbClr val="000000"/>
                 </a:solidFill>
@@ -11379,14 +11373,14 @@
           <a:ln/>
           <a:extLst>
             <a:ext uri="{909E8E84-426E-40dd-AFC4-6F175D3DCCD1}">
-              <a14:hiddenFill xmlns:a14="http://schemas.microsoft.com/office/drawing/2010/main">
+              <a14:hiddenFill xmlns:a14="http://schemas.microsoft.com/office/drawing/2010/main" xmlns="">
                 <a:solidFill>
                   <a:srgbClr val="FFFFFF"/>
                 </a:solidFill>
               </a14:hiddenFill>
             </a:ext>
             <a:ext uri="{91240B29-F687-4f45-9708-019B960494DF}">
-              <a14:hiddenLine xmlns:a14="http://schemas.microsoft.com/office/drawing/2010/main" w="9525">
+              <a14:hiddenLine xmlns:a14="http://schemas.microsoft.com/office/drawing/2010/main" xmlns="" w="9525">
                 <a:solidFill>
                   <a:srgbClr val="000000"/>
                 </a:solidFill>
@@ -11405,7 +11399,7 @@
               <a:defRPr/>
             </a:pPr>
             <a:r>
-              <a:rPr lang="en-US" altLang="en-US" dirty="0" smtClean="0">
+              <a:rPr lang="en-US" altLang="en-US" dirty="0">
                 <a:ea typeface="+mn-ea"/>
               </a:rPr>
               <a:t>Lightweight Directory Access Protocol</a:t>
@@ -11415,7 +11409,7 @@
             <a:pPr>
               <a:defRPr/>
             </a:pPr>
-            <a:endParaRPr lang="en-US" altLang="en-US" dirty="0" smtClean="0">
+            <a:endParaRPr lang="en-US" altLang="en-US" dirty="0">
               <a:ea typeface="+mn-ea"/>
             </a:endParaRPr>
           </a:p>
@@ -11426,7 +11420,7 @@
               <a:defRPr/>
             </a:pPr>
             <a:r>
-              <a:rPr lang="en-US" altLang="en-US" dirty="0" smtClean="0">
+              <a:rPr lang="en-US" altLang="en-US" dirty="0">
                 <a:ea typeface="+mn-ea"/>
               </a:rPr>
               <a:t>X.500 standard defines protocol for client application to access the DAP</a:t>
@@ -11439,7 +11433,7 @@
               <a:defRPr/>
             </a:pPr>
             <a:r>
-              <a:rPr lang="en-US" altLang="en-US" dirty="0" smtClean="0">
+              <a:rPr lang="en-US" altLang="en-US" dirty="0">
                 <a:ea typeface="+mn-ea"/>
               </a:rPr>
               <a:t>LDAP</a:t>
@@ -11452,7 +11446,7 @@
               <a:defRPr/>
             </a:pPr>
             <a:r>
-              <a:rPr lang="en-US" altLang="en-US" dirty="0" smtClean="0">
+              <a:rPr lang="en-US" altLang="en-US" dirty="0">
                 <a:ea typeface="+mn-ea"/>
               </a:rPr>
               <a:t>A simpler subset of DAP</a:t>
@@ -11465,7 +11459,7 @@
               <a:defRPr/>
             </a:pPr>
             <a:r>
-              <a:rPr lang="en-US" altLang="en-US" dirty="0" smtClean="0">
+              <a:rPr lang="en-US" altLang="en-US" dirty="0">
                 <a:ea typeface="+mn-ea"/>
               </a:rPr>
               <a:t>Designed to run over TCP/IP</a:t>
@@ -11478,7 +11472,7 @@
               <a:defRPr/>
             </a:pPr>
             <a:r>
-              <a:rPr lang="en-US" altLang="en-US" dirty="0" smtClean="0">
+              <a:rPr lang="en-US" altLang="en-US" dirty="0">
                 <a:ea typeface="+mn-ea"/>
               </a:rPr>
               <a:t>Encodes protocol elements in simpler way than X.500</a:t>
@@ -11491,7 +11485,7 @@
               <a:defRPr/>
             </a:pPr>
             <a:r>
-              <a:rPr lang="en-US" altLang="en-US" dirty="0" smtClean="0">
+              <a:rPr lang="en-US" altLang="en-US" dirty="0">
                 <a:ea typeface="+mn-ea"/>
               </a:rPr>
               <a:t>LDAP traffic is transmitted in cleartext</a:t>
@@ -11504,7 +11498,7 @@
               <a:defRPr/>
             </a:pPr>
             <a:r>
-              <a:rPr lang="en-US" altLang="en-US" dirty="0" smtClean="0">
+              <a:rPr lang="en-US" altLang="en-US" dirty="0">
                 <a:ea typeface="+mn-ea"/>
               </a:rPr>
               <a:t>Can be made secure by using SSL or TLS</a:t>
@@ -11517,25 +11511,25 @@
               <a:defRPr/>
             </a:pPr>
             <a:r>
-              <a:rPr lang="en-US" altLang="en-US" dirty="0" smtClean="0">
+              <a:rPr lang="en-US" altLang="en-US" dirty="0">
                 <a:ea typeface="+mn-ea"/>
               </a:rPr>
               <a:t>Known as </a:t>
             </a:r>
             <a:r>
-              <a:rPr lang="en-US" altLang="en-US" b="1" dirty="0" smtClean="0">
+              <a:rPr lang="en-US" altLang="en-US" b="1" dirty="0">
                 <a:ea typeface="+mn-ea"/>
               </a:rPr>
               <a:t>Secure LDAP </a:t>
             </a:r>
             <a:r>
-              <a:rPr lang="en-US" altLang="en-US" dirty="0" smtClean="0">
+              <a:rPr lang="en-US" altLang="en-US" dirty="0">
                 <a:ea typeface="+mn-ea"/>
               </a:rPr>
               <a:t>or </a:t>
             </a:r>
             <a:r>
-              <a:rPr lang="en-US" altLang="en-US" i="1" dirty="0" smtClean="0">
+              <a:rPr lang="en-US" altLang="en-US" i="1" dirty="0">
                 <a:ea typeface="+mn-ea"/>
               </a:rPr>
               <a:t>LDAP over SSL (LDAPS)</a:t>
@@ -11545,7 +11539,7 @@
             <a:pPr>
               <a:defRPr/>
             </a:pPr>
-            <a:endParaRPr lang="en-US" altLang="en-US" dirty="0" smtClean="0">
+            <a:endParaRPr lang="en-US" altLang="en-US" dirty="0">
               <a:ea typeface="+mn-ea"/>
             </a:endParaRPr>
           </a:p>
@@ -11566,14 +11560,14 @@
           <a:ln/>
           <a:extLst>
             <a:ext uri="{909E8E84-426E-40dd-AFC4-6F175D3DCCD1}">
-              <a14:hiddenFill xmlns:a14="http://schemas.microsoft.com/office/drawing/2010/main">
+              <a14:hiddenFill xmlns:a14="http://schemas.microsoft.com/office/drawing/2010/main" xmlns="">
                 <a:solidFill>
                   <a:srgbClr val="FFFFFF"/>
                 </a:solidFill>
               </a14:hiddenFill>
             </a:ext>
             <a:ext uri="{91240B29-F687-4f45-9708-019B960494DF}">
-              <a14:hiddenLine xmlns:a14="http://schemas.microsoft.com/office/drawing/2010/main" w="9525">
+              <a14:hiddenLine xmlns:a14="http://schemas.microsoft.com/office/drawing/2010/main" xmlns="" w="9525">
                 <a:solidFill>
                   <a:srgbClr val="000000"/>
                 </a:solidFill>
@@ -11769,14 +11763,14 @@
           <a:ln/>
           <a:extLst>
             <a:ext uri="{909E8E84-426E-40dd-AFC4-6F175D3DCCD1}">
-              <a14:hiddenFill xmlns:a14="http://schemas.microsoft.com/office/drawing/2010/main">
+              <a14:hiddenFill xmlns:a14="http://schemas.microsoft.com/office/drawing/2010/main" xmlns="">
                 <a:solidFill>
                   <a:srgbClr val="FFFFFF"/>
                 </a:solidFill>
               </a14:hiddenFill>
             </a:ext>
             <a:ext uri="{91240B29-F687-4f45-9708-019B960494DF}">
-              <a14:hiddenLine xmlns:a14="http://schemas.microsoft.com/office/drawing/2010/main" w="9525">
+              <a14:hiddenLine xmlns:a14="http://schemas.microsoft.com/office/drawing/2010/main" xmlns="" w="9525">
                 <a:solidFill>
                   <a:srgbClr val="000000"/>
                 </a:solidFill>
@@ -11795,7 +11789,7 @@
               <a:defRPr/>
             </a:pPr>
             <a:r>
-              <a:rPr lang="en-US" altLang="en-US" dirty="0" smtClean="0">
+              <a:rPr lang="en-US" altLang="en-US" dirty="0">
                 <a:ea typeface="+mn-ea"/>
               </a:rPr>
               <a:t>Lightweight Directory Access Protocol</a:t>
@@ -11807,7 +11801,7 @@
               <a:buChar char="•"/>
               <a:defRPr/>
             </a:pPr>
-            <a:endParaRPr lang="en-US" altLang="en-US" dirty="0" smtClean="0">
+            <a:endParaRPr lang="en-US" altLang="en-US" dirty="0">
               <a:ea typeface="+mn-ea"/>
             </a:endParaRPr>
           </a:p>
@@ -11818,7 +11812,7 @@
               <a:defRPr/>
             </a:pPr>
             <a:r>
-              <a:rPr lang="en-US" altLang="en-US" dirty="0" smtClean="0">
+              <a:rPr lang="en-US" altLang="en-US" dirty="0">
                 <a:ea typeface="+mn-ea"/>
               </a:rPr>
               <a:t>Weakness of LDAP</a:t>
@@ -11831,13 +11825,13 @@
               <a:defRPr/>
             </a:pPr>
             <a:r>
-              <a:rPr lang="en-US" altLang="en-US" dirty="0" smtClean="0">
+              <a:rPr lang="en-US" altLang="en-US" dirty="0">
                 <a:ea typeface="+mn-ea"/>
               </a:rPr>
               <a:t>Can be subject to </a:t>
             </a:r>
             <a:r>
-              <a:rPr lang="en-US" altLang="en-US" b="1" dirty="0" smtClean="0">
+              <a:rPr lang="en-US" altLang="en-US" b="1" dirty="0">
                 <a:ea typeface="+mn-ea"/>
               </a:rPr>
               <a:t>LDAP injection attacks</a:t>
@@ -11850,7 +11844,7 @@
               <a:defRPr/>
             </a:pPr>
             <a:r>
-              <a:rPr lang="en-US" altLang="en-US" dirty="0" smtClean="0">
+              <a:rPr lang="en-US" altLang="en-US" dirty="0">
                 <a:ea typeface="+mn-ea"/>
               </a:rPr>
               <a:t>Similar to SQL injection attacks</a:t>
@@ -11863,7 +11857,7 @@
               <a:defRPr/>
             </a:pPr>
             <a:r>
-              <a:rPr lang="en-US" altLang="en-US" dirty="0" smtClean="0">
+              <a:rPr lang="en-US" altLang="en-US" dirty="0">
                 <a:ea typeface="+mn-ea"/>
               </a:rPr>
               <a:t>Occurs when user input is not properly filtered</a:t>
@@ -11873,7 +11867,7 @@
             <a:pPr>
               <a:defRPr/>
             </a:pPr>
-            <a:endParaRPr lang="en-US" altLang="en-US" dirty="0" smtClean="0">
+            <a:endParaRPr lang="en-US" altLang="en-US" dirty="0">
               <a:ea typeface="+mn-ea"/>
             </a:endParaRPr>
           </a:p>
@@ -11894,14 +11888,14 @@
           <a:ln/>
           <a:extLst>
             <a:ext uri="{909E8E84-426E-40dd-AFC4-6F175D3DCCD1}">
-              <a14:hiddenFill xmlns:a14="http://schemas.microsoft.com/office/drawing/2010/main">
+              <a14:hiddenFill xmlns:a14="http://schemas.microsoft.com/office/drawing/2010/main" xmlns="">
                 <a:solidFill>
                   <a:srgbClr val="FFFFFF"/>
                 </a:solidFill>
               </a14:hiddenFill>
             </a:ext>
             <a:ext uri="{91240B29-F687-4f45-9708-019B960494DF}">
-              <a14:hiddenLine xmlns:a14="http://schemas.microsoft.com/office/drawing/2010/main" w="9525">
+              <a14:hiddenLine xmlns:a14="http://schemas.microsoft.com/office/drawing/2010/main" xmlns="" w="9525">
                 <a:solidFill>
                   <a:srgbClr val="000000"/>
                 </a:solidFill>
@@ -12097,14 +12091,14 @@
           <a:ln/>
           <a:extLst>
             <a:ext uri="{909E8E84-426E-40dd-AFC4-6F175D3DCCD1}">
-              <a14:hiddenFill xmlns:a14="http://schemas.microsoft.com/office/drawing/2010/main">
+              <a14:hiddenFill xmlns:a14="http://schemas.microsoft.com/office/drawing/2010/main" xmlns="">
                 <a:solidFill>
                   <a:srgbClr val="FFFFFF"/>
                 </a:solidFill>
               </a14:hiddenFill>
             </a:ext>
             <a:ext uri="{91240B29-F687-4f45-9708-019B960494DF}">
-              <a14:hiddenLine xmlns:a14="http://schemas.microsoft.com/office/drawing/2010/main" w="9525">
+              <a14:hiddenLine xmlns:a14="http://schemas.microsoft.com/office/drawing/2010/main" xmlns="" w="9525">
                 <a:solidFill>
                   <a:srgbClr val="000000"/>
                 </a:solidFill>
@@ -12123,7 +12117,7 @@
               <a:defRPr/>
             </a:pPr>
             <a:r>
-              <a:rPr lang="en-US" altLang="en-US" dirty="0" smtClean="0">
+              <a:rPr lang="en-US" altLang="en-US" dirty="0">
                 <a:ea typeface="+mn-ea"/>
               </a:rPr>
               <a:t>Access Control Terminology</a:t>
@@ -12133,7 +12127,7 @@
             <a:pPr>
               <a:defRPr/>
             </a:pPr>
-            <a:endParaRPr lang="en-US" altLang="en-US" dirty="0" smtClean="0">
+            <a:endParaRPr lang="en-US" altLang="en-US" dirty="0">
               <a:ea typeface="+mn-ea"/>
             </a:endParaRPr>
           </a:p>
@@ -12144,7 +12138,7 @@
               <a:defRPr/>
             </a:pPr>
             <a:r>
-              <a:rPr lang="en-US" altLang="en-US" dirty="0" smtClean="0">
+              <a:rPr lang="en-US" altLang="en-US" dirty="0">
                 <a:ea typeface="+mn-ea"/>
               </a:rPr>
               <a:t>Object</a:t>
@@ -12157,7 +12151,7 @@
               <a:defRPr/>
             </a:pPr>
             <a:r>
-              <a:rPr lang="en-US" altLang="en-US" dirty="0" smtClean="0">
+              <a:rPr lang="en-US" altLang="en-US" dirty="0">
                 <a:ea typeface="+mn-ea"/>
               </a:rPr>
               <a:t>A specific resource</a:t>
@@ -12170,7 +12164,7 @@
               <a:defRPr/>
             </a:pPr>
             <a:r>
-              <a:rPr lang="en-US" altLang="en-US" dirty="0" smtClean="0">
+              <a:rPr lang="en-US" altLang="en-US" dirty="0">
                 <a:ea typeface="+mn-ea"/>
               </a:rPr>
               <a:t>Example: file or hardware device</a:t>
@@ -12183,7 +12177,7 @@
               <a:defRPr/>
             </a:pPr>
             <a:r>
-              <a:rPr lang="en-US" altLang="en-US" dirty="0" smtClean="0">
+              <a:rPr lang="en-US" altLang="en-US" dirty="0">
                 <a:ea typeface="+mn-ea"/>
               </a:rPr>
               <a:t>Subject</a:t>
@@ -12196,7 +12190,7 @@
               <a:defRPr/>
             </a:pPr>
             <a:r>
-              <a:rPr lang="en-US" altLang="en-US" dirty="0" smtClean="0">
+              <a:rPr lang="en-US" altLang="en-US" dirty="0">
                 <a:ea typeface="+mn-ea"/>
               </a:rPr>
               <a:t>A user or process functioning on behalf of a user</a:t>
@@ -12209,7 +12203,7 @@
               <a:defRPr/>
             </a:pPr>
             <a:r>
-              <a:rPr lang="en-US" altLang="en-US" dirty="0" smtClean="0">
+              <a:rPr lang="en-US" altLang="en-US" dirty="0">
                 <a:ea typeface="+mn-ea"/>
               </a:rPr>
               <a:t>Example: computer user</a:t>
@@ -12222,7 +12216,7 @@
               <a:defRPr/>
             </a:pPr>
             <a:r>
-              <a:rPr lang="en-US" altLang="en-US" dirty="0" smtClean="0">
+              <a:rPr lang="en-US" altLang="en-US" dirty="0">
                 <a:ea typeface="+mn-ea"/>
               </a:rPr>
               <a:t>Operation</a:t>
@@ -12235,7 +12229,7 @@
               <a:defRPr/>
             </a:pPr>
             <a:r>
-              <a:rPr lang="en-US" altLang="en-US" dirty="0" smtClean="0">
+              <a:rPr lang="en-US" altLang="en-US" dirty="0">
                 <a:ea typeface="+mn-ea"/>
               </a:rPr>
               <a:t>The action taken by the subject over an object</a:t>
@@ -12248,7 +12242,7 @@
               <a:defRPr/>
             </a:pPr>
             <a:r>
-              <a:rPr lang="en-US" altLang="en-US" dirty="0" smtClean="0">
+              <a:rPr lang="en-US" altLang="en-US" dirty="0">
                 <a:ea typeface="+mn-ea"/>
               </a:rPr>
               <a:t>Example: deleting a file</a:t>
@@ -12258,7 +12252,7 @@
             <a:pPr>
               <a:defRPr/>
             </a:pPr>
-            <a:endParaRPr lang="en-US" altLang="en-US" dirty="0" smtClean="0">
+            <a:endParaRPr lang="en-US" altLang="en-US" dirty="0">
               <a:ea typeface="+mn-ea"/>
             </a:endParaRPr>
           </a:p>
@@ -12279,14 +12273,14 @@
           <a:ln/>
           <a:extLst>
             <a:ext uri="{909E8E84-426E-40dd-AFC4-6F175D3DCCD1}">
-              <a14:hiddenFill xmlns:a14="http://schemas.microsoft.com/office/drawing/2010/main">
+              <a14:hiddenFill xmlns:a14="http://schemas.microsoft.com/office/drawing/2010/main" xmlns="">
                 <a:solidFill>
                   <a:srgbClr val="FFFFFF"/>
                 </a:solidFill>
               </a14:hiddenFill>
             </a:ext>
             <a:ext uri="{91240B29-F687-4f45-9708-019B960494DF}">
-              <a14:hiddenLine xmlns:a14="http://schemas.microsoft.com/office/drawing/2010/main" w="9525">
+              <a14:hiddenLine xmlns:a14="http://schemas.microsoft.com/office/drawing/2010/main" xmlns="" w="9525">
                 <a:solidFill>
                   <a:srgbClr val="000000"/>
                 </a:solidFill>
@@ -12483,14 +12477,14 @@
           <a:ln/>
           <a:extLst>
             <a:ext uri="{909E8E84-426E-40dd-AFC4-6F175D3DCCD1}">
-              <a14:hiddenFill xmlns:a14="http://schemas.microsoft.com/office/drawing/2010/main">
+              <a14:hiddenFill xmlns:a14="http://schemas.microsoft.com/office/drawing/2010/main" xmlns="">
                 <a:solidFill>
                   <a:srgbClr val="FFFFFF"/>
                 </a:solidFill>
               </a14:hiddenFill>
             </a:ext>
             <a:ext uri="{91240B29-F687-4f45-9708-019B960494DF}">
-              <a14:hiddenLine xmlns:a14="http://schemas.microsoft.com/office/drawing/2010/main" w="9525">
+              <a14:hiddenLine xmlns:a14="http://schemas.microsoft.com/office/drawing/2010/main" xmlns="" w="9525">
                 <a:solidFill>
                   <a:srgbClr val="000000"/>
                 </a:solidFill>
@@ -12506,12 +12500,12 @@
           <a:lstStyle/>
           <a:p>
             <a:r>
-              <a:rPr lang="en-US" smtClean="0"/>
+              <a:rPr lang="en-US"/>
               <a:t>Security Assertion Markup Language (SAML)</a:t>
             </a:r>
           </a:p>
           <a:p>
-            <a:endParaRPr lang="en-US" smtClean="0"/>
+            <a:endParaRPr lang="en-US"/>
           </a:p>
           <a:p>
             <a:pPr>
@@ -12519,7 +12513,7 @@
               <a:buChar char="•"/>
             </a:pPr>
             <a:r>
-              <a:rPr lang="en-US" smtClean="0"/>
+              <a:rPr lang="en-US"/>
               <a:t>SAML</a:t>
             </a:r>
           </a:p>
@@ -12529,7 +12523,7 @@
               <a:buChar char="•"/>
             </a:pPr>
             <a:r>
-              <a:rPr lang="en-US" smtClean="0"/>
+              <a:rPr lang="en-US"/>
               <a:t>An Extensible Markup Language (XML) standard that allows secure web domains to exchange user authentication and authorization data</a:t>
             </a:r>
           </a:p>
@@ -12539,23 +12533,23 @@
               <a:buChar char="•"/>
             </a:pPr>
             <a:r>
-              <a:rPr lang="en-US" smtClean="0"/>
+              <a:rPr lang="en-US"/>
               <a:t>Allows a user</a:t>
             </a:r>
             <a:r>
-              <a:rPr lang="en-US" altLang="en-US" smtClean="0"/>
+              <a:rPr lang="en-US" altLang="en-US"/>
               <a:t>’</a:t>
             </a:r>
             <a:r>
-              <a:rPr lang="en-US" smtClean="0"/>
+              <a:rPr lang="en-US"/>
               <a:t>s login credentials to be stored with a single identity provider instead of being stored on each web service provider</a:t>
             </a:r>
             <a:r>
-              <a:rPr lang="en-US" altLang="en-US" smtClean="0"/>
+              <a:rPr lang="en-US" altLang="en-US"/>
               <a:t>’</a:t>
             </a:r>
             <a:r>
-              <a:rPr lang="en-US" smtClean="0"/>
+              <a:rPr lang="en-US"/>
               <a:t>s server</a:t>
             </a:r>
           </a:p>
@@ -12565,12 +12559,12 @@
               <a:buChar char="•"/>
             </a:pPr>
             <a:r>
-              <a:rPr lang="en-US" smtClean="0"/>
+              <a:rPr lang="en-US"/>
               <a:t>Used extensively for online e-commerce business-to-business (B2B)  and business-to-customer (B2C) transactions</a:t>
             </a:r>
           </a:p>
           <a:p>
-            <a:endParaRPr lang="en-US" smtClean="0"/>
+            <a:endParaRPr lang="en-US"/>
           </a:p>
         </p:txBody>
       </p:sp>
@@ -12589,14 +12583,14 @@
           <a:ln/>
           <a:extLst>
             <a:ext uri="{909E8E84-426E-40dd-AFC4-6F175D3DCCD1}">
-              <a14:hiddenFill xmlns:a14="http://schemas.microsoft.com/office/drawing/2010/main">
+              <a14:hiddenFill xmlns:a14="http://schemas.microsoft.com/office/drawing/2010/main" xmlns="">
                 <a:solidFill>
                   <a:srgbClr val="FFFFFF"/>
                 </a:solidFill>
               </a14:hiddenFill>
             </a:ext>
             <a:ext uri="{91240B29-F687-4f45-9708-019B960494DF}">
-              <a14:hiddenLine xmlns:a14="http://schemas.microsoft.com/office/drawing/2010/main" w="9525">
+              <a14:hiddenLine xmlns:a14="http://schemas.microsoft.com/office/drawing/2010/main" xmlns="" w="9525">
                 <a:solidFill>
                   <a:srgbClr val="000000"/>
                 </a:solidFill>
@@ -12793,14 +12787,14 @@
           <a:ln/>
           <a:extLst>
             <a:ext uri="{909E8E84-426E-40dd-AFC4-6F175D3DCCD1}">
-              <a14:hiddenFill xmlns:a14="http://schemas.microsoft.com/office/drawing/2010/main">
+              <a14:hiddenFill xmlns:a14="http://schemas.microsoft.com/office/drawing/2010/main" xmlns="">
                 <a:solidFill>
                   <a:srgbClr val="FFFFFF"/>
                 </a:solidFill>
               </a14:hiddenFill>
             </a:ext>
             <a:ext uri="{91240B29-F687-4f45-9708-019B960494DF}">
-              <a14:hiddenLine xmlns:a14="http://schemas.microsoft.com/office/drawing/2010/main" w="9525">
+              <a14:hiddenLine xmlns:a14="http://schemas.microsoft.com/office/drawing/2010/main" xmlns="" w="9525">
                 <a:solidFill>
                   <a:srgbClr val="000000"/>
                 </a:solidFill>
@@ -12816,16 +12810,16 @@
           <a:lstStyle/>
           <a:p>
             <a:r>
-              <a:rPr lang="en-US" smtClean="0"/>
+              <a:rPr lang="en-US"/>
               <a:t>Security Assertion Markup Language (SAML)</a:t>
             </a:r>
           </a:p>
           <a:p>
-            <a:endParaRPr lang="en-US" smtClean="0"/>
-          </a:p>
-          <a:p>
-            <a:r>
-              <a:rPr lang="en-US" smtClean="0"/>
+            <a:endParaRPr lang="en-US"/>
+          </a:p>
+          <a:p>
+            <a:r>
+              <a:rPr lang="en-US"/>
               <a:t>Figure 11-8  SAML transaction</a:t>
             </a:r>
           </a:p>
@@ -12846,14 +12840,14 @@
           <a:ln/>
           <a:extLst>
             <a:ext uri="{909E8E84-426E-40dd-AFC4-6F175D3DCCD1}">
-              <a14:hiddenFill xmlns:a14="http://schemas.microsoft.com/office/drawing/2010/main">
+              <a14:hiddenFill xmlns:a14="http://schemas.microsoft.com/office/drawing/2010/main" xmlns="">
                 <a:solidFill>
                   <a:srgbClr val="FFFFFF"/>
                 </a:solidFill>
               </a14:hiddenFill>
             </a:ext>
             <a:ext uri="{91240B29-F687-4f45-9708-019B960494DF}">
-              <a14:hiddenLine xmlns:a14="http://schemas.microsoft.com/office/drawing/2010/main" w="9525">
+              <a14:hiddenLine xmlns:a14="http://schemas.microsoft.com/office/drawing/2010/main" xmlns="" w="9525">
                 <a:solidFill>
                   <a:srgbClr val="000000"/>
                 </a:solidFill>
@@ -13050,14 +13044,14 @@
           <a:ln/>
           <a:extLst>
             <a:ext uri="{909E8E84-426E-40dd-AFC4-6F175D3DCCD1}">
-              <a14:hiddenFill xmlns:a14="http://schemas.microsoft.com/office/drawing/2010/main">
+              <a14:hiddenFill xmlns:a14="http://schemas.microsoft.com/office/drawing/2010/main" xmlns="">
                 <a:solidFill>
                   <a:srgbClr val="FFFFFF"/>
                 </a:solidFill>
               </a14:hiddenFill>
             </a:ext>
             <a:ext uri="{91240B29-F687-4f45-9708-019B960494DF}">
-              <a14:hiddenLine xmlns:a14="http://schemas.microsoft.com/office/drawing/2010/main" w="9525">
+              <a14:hiddenLine xmlns:a14="http://schemas.microsoft.com/office/drawing/2010/main" xmlns="" w="9525">
                 <a:solidFill>
                   <a:srgbClr val="000000"/>
                 </a:solidFill>
@@ -13073,16 +13067,16 @@
           <a:lstStyle/>
           <a:p>
             <a:r>
-              <a:rPr lang="en-US" smtClean="0"/>
+              <a:rPr lang="en-US"/>
               <a:t>Access Control Terminology</a:t>
             </a:r>
           </a:p>
           <a:p>
-            <a:endParaRPr lang="en-US" smtClean="0"/>
-          </a:p>
-          <a:p>
-            <a:r>
-              <a:rPr lang="en-US" smtClean="0"/>
+            <a:endParaRPr lang="en-US"/>
+          </a:p>
+          <a:p>
+            <a:r>
+              <a:rPr lang="en-US"/>
               <a:t>Table 11-2  Roles in access control</a:t>
             </a:r>
           </a:p>
@@ -13103,14 +13097,14 @@
           <a:ln/>
           <a:extLst>
             <a:ext uri="{909E8E84-426E-40dd-AFC4-6F175D3DCCD1}">
-              <a14:hiddenFill xmlns:a14="http://schemas.microsoft.com/office/drawing/2010/main">
+              <a14:hiddenFill xmlns:a14="http://schemas.microsoft.com/office/drawing/2010/main" xmlns="">
                 <a:solidFill>
                   <a:srgbClr val="FFFFFF"/>
                 </a:solidFill>
               </a14:hiddenFill>
             </a:ext>
             <a:ext uri="{91240B29-F687-4f45-9708-019B960494DF}">
-              <a14:hiddenLine xmlns:a14="http://schemas.microsoft.com/office/drawing/2010/main" w="9525">
+              <a14:hiddenLine xmlns:a14="http://schemas.microsoft.com/office/drawing/2010/main" xmlns="" w="9525">
                 <a:solidFill>
                   <a:srgbClr val="000000"/>
                 </a:solidFill>
@@ -13307,14 +13301,14 @@
           <a:ln/>
           <a:extLst>
             <a:ext uri="{909E8E84-426E-40dd-AFC4-6F175D3DCCD1}">
-              <a14:hiddenFill xmlns:a14="http://schemas.microsoft.com/office/drawing/2010/main">
+              <a14:hiddenFill xmlns:a14="http://schemas.microsoft.com/office/drawing/2010/main" xmlns="">
                 <a:solidFill>
                   <a:srgbClr val="FFFFFF"/>
                 </a:solidFill>
               </a14:hiddenFill>
             </a:ext>
             <a:ext uri="{91240B29-F687-4f45-9708-019B960494DF}">
-              <a14:hiddenLine xmlns:a14="http://schemas.microsoft.com/office/drawing/2010/main" w="9525">
+              <a14:hiddenLine xmlns:a14="http://schemas.microsoft.com/office/drawing/2010/main" xmlns="" w="9525">
                 <a:solidFill>
                   <a:srgbClr val="000000"/>
                 </a:solidFill>
@@ -13330,16 +13324,16 @@
           <a:lstStyle/>
           <a:p>
             <a:r>
-              <a:rPr lang="en-US" smtClean="0"/>
+              <a:rPr lang="en-US"/>
               <a:t>Access Control Terminology</a:t>
             </a:r>
           </a:p>
           <a:p>
-            <a:endParaRPr lang="en-US" smtClean="0"/>
-          </a:p>
-          <a:p>
-            <a:r>
-              <a:rPr lang="en-US" smtClean="0"/>
+            <a:endParaRPr lang="en-US"/>
+          </a:p>
+          <a:p>
+            <a:r>
+              <a:rPr lang="en-US"/>
               <a:t>Figure 11-1  Technical access control process and terminology</a:t>
             </a:r>
           </a:p>
@@ -13360,14 +13354,14 @@
           <a:ln/>
           <a:extLst>
             <a:ext uri="{909E8E84-426E-40dd-AFC4-6F175D3DCCD1}">
-              <a14:hiddenFill xmlns:a14="http://schemas.microsoft.com/office/drawing/2010/main">
+              <a14:hiddenFill xmlns:a14="http://schemas.microsoft.com/office/drawing/2010/main" xmlns="">
                 <a:solidFill>
                   <a:srgbClr val="FFFFFF"/>
                 </a:solidFill>
               </a14:hiddenFill>
             </a:ext>
             <a:ext uri="{91240B29-F687-4f45-9708-019B960494DF}">
-              <a14:hiddenLine xmlns:a14="http://schemas.microsoft.com/office/drawing/2010/main" w="9525">
+              <a14:hiddenLine xmlns:a14="http://schemas.microsoft.com/office/drawing/2010/main" xmlns="" w="9525">
                 <a:solidFill>
                   <a:srgbClr val="000000"/>
                 </a:solidFill>
@@ -13563,14 +13557,14 @@
           <a:ln/>
           <a:extLst>
             <a:ext uri="{909E8E84-426E-40dd-AFC4-6F175D3DCCD1}">
-              <a14:hiddenFill xmlns:a14="http://schemas.microsoft.com/office/drawing/2010/main">
+              <a14:hiddenFill xmlns:a14="http://schemas.microsoft.com/office/drawing/2010/main" xmlns="">
                 <a:solidFill>
                   <a:srgbClr val="FFFFFF"/>
                 </a:solidFill>
               </a14:hiddenFill>
             </a:ext>
             <a:ext uri="{91240B29-F687-4f45-9708-019B960494DF}">
-              <a14:hiddenLine xmlns:a14="http://schemas.microsoft.com/office/drawing/2010/main" w="9525">
+              <a14:hiddenLine xmlns:a14="http://schemas.microsoft.com/office/drawing/2010/main" xmlns="" w="9525">
                 <a:solidFill>
                   <a:srgbClr val="000000"/>
                 </a:solidFill>
@@ -13589,7 +13583,7 @@
               <a:defRPr/>
             </a:pPr>
             <a:r>
-              <a:rPr lang="en-US" altLang="en-US" dirty="0" smtClean="0">
+              <a:rPr lang="en-US" altLang="en-US" dirty="0">
                 <a:ea typeface="+mn-ea"/>
               </a:rPr>
               <a:t>Access Control Models</a:t>
@@ -13601,7 +13595,7 @@
               <a:buChar char="•"/>
               <a:defRPr/>
             </a:pPr>
-            <a:endParaRPr lang="en-US" altLang="en-US" dirty="0" smtClean="0">
+            <a:endParaRPr lang="en-US" altLang="en-US" dirty="0">
               <a:ea typeface="+mn-ea"/>
             </a:endParaRPr>
           </a:p>
@@ -13612,7 +13606,7 @@
               <a:defRPr/>
             </a:pPr>
             <a:r>
-              <a:rPr lang="en-US" altLang="en-US" dirty="0" smtClean="0">
+              <a:rPr lang="en-US" altLang="en-US" dirty="0">
                 <a:ea typeface="+mn-ea"/>
               </a:rPr>
               <a:t>Access control model</a:t>
@@ -13625,7 +13619,7 @@
               <a:defRPr/>
             </a:pPr>
             <a:r>
-              <a:rPr lang="en-US" altLang="en-US" dirty="0" smtClean="0">
+              <a:rPr lang="en-US" altLang="en-US" dirty="0">
                 <a:ea typeface="+mn-ea"/>
               </a:rPr>
               <a:t>Standards that provide a predefined framework for hardware or software developers</a:t>
@@ -13638,7 +13632,7 @@
               <a:defRPr/>
             </a:pPr>
             <a:r>
-              <a:rPr lang="en-US" altLang="en-US" dirty="0" smtClean="0">
+              <a:rPr lang="en-US" altLang="en-US" dirty="0">
                 <a:ea typeface="+mn-ea"/>
               </a:rPr>
               <a:t>Use the appropriate model to configure the necessary level of control</a:t>
@@ -13651,7 +13645,7 @@
               <a:defRPr/>
             </a:pPr>
             <a:r>
-              <a:rPr lang="en-US" altLang="en-US" dirty="0" smtClean="0">
+              <a:rPr lang="en-US" altLang="en-US" dirty="0">
                 <a:ea typeface="+mn-ea"/>
               </a:rPr>
               <a:t>Four major access control models</a:t>
@@ -13664,7 +13658,7 @@
               <a:defRPr/>
             </a:pPr>
             <a:r>
-              <a:rPr lang="en-US" altLang="en-US" dirty="0" smtClean="0">
+              <a:rPr lang="en-US" altLang="en-US" dirty="0">
                 <a:ea typeface="+mn-ea"/>
               </a:rPr>
               <a:t>Discretionary Access Control (DAC)</a:t>
@@ -13677,7 +13671,7 @@
               <a:defRPr/>
             </a:pPr>
             <a:r>
-              <a:rPr lang="en-US" altLang="en-US" dirty="0" smtClean="0">
+              <a:rPr lang="en-US" altLang="en-US" dirty="0">
                 <a:ea typeface="+mn-ea"/>
               </a:rPr>
               <a:t>Mandatory Access Control (MAC)</a:t>
@@ -13690,7 +13684,7 @@
               <a:defRPr/>
             </a:pPr>
             <a:r>
-              <a:rPr lang="en-US" altLang="en-US" dirty="0" smtClean="0">
+              <a:rPr lang="en-US" altLang="en-US" dirty="0">
                 <a:ea typeface="+mn-ea"/>
               </a:rPr>
               <a:t>Role Based Access Control (RBAC)</a:t>
@@ -13703,7 +13697,7 @@
               <a:defRPr/>
             </a:pPr>
             <a:r>
-              <a:rPr lang="en-US" altLang="en-US" dirty="0" smtClean="0">
+              <a:rPr lang="en-US" altLang="en-US" dirty="0">
                 <a:ea typeface="+mn-ea"/>
               </a:rPr>
               <a:t>Rule Based Access Control (RBAC)</a:t>
@@ -13715,7 +13709,7 @@
               <a:buChar char="•"/>
               <a:defRPr/>
             </a:pPr>
-            <a:endParaRPr lang="en-US" altLang="en-US" dirty="0" smtClean="0">
+            <a:endParaRPr lang="en-US" altLang="en-US" dirty="0">
               <a:ea typeface="+mn-ea"/>
             </a:endParaRPr>
           </a:p>
@@ -13725,7 +13719,7 @@
               <a:buChar char="•"/>
               <a:defRPr/>
             </a:pPr>
-            <a:endParaRPr lang="en-US" altLang="en-US" dirty="0" smtClean="0">
+            <a:endParaRPr lang="en-US" altLang="en-US" dirty="0">
               <a:ea typeface="+mn-ea"/>
             </a:endParaRPr>
           </a:p>
@@ -13733,7 +13727,7 @@
             <a:pPr>
               <a:defRPr/>
             </a:pPr>
-            <a:endParaRPr lang="en-US" altLang="en-US" dirty="0" smtClean="0">
+            <a:endParaRPr lang="en-US" altLang="en-US" dirty="0">
               <a:ea typeface="+mn-ea"/>
             </a:endParaRPr>
           </a:p>
@@ -13754,14 +13748,14 @@
           <a:ln/>
           <a:extLst>
             <a:ext uri="{909E8E84-426E-40dd-AFC4-6F175D3DCCD1}">
-              <a14:hiddenFill xmlns:a14="http://schemas.microsoft.com/office/drawing/2010/main">
+              <a14:hiddenFill xmlns:a14="http://schemas.microsoft.com/office/drawing/2010/main" xmlns="">
                 <a:solidFill>
                   <a:srgbClr val="FFFFFF"/>
                 </a:solidFill>
               </a14:hiddenFill>
             </a:ext>
             <a:ext uri="{91240B29-F687-4f45-9708-019B960494DF}">
-              <a14:hiddenLine xmlns:a14="http://schemas.microsoft.com/office/drawing/2010/main" w="9525">
+              <a14:hiddenLine xmlns:a14="http://schemas.microsoft.com/office/drawing/2010/main" xmlns="" w="9525">
                 <a:solidFill>
                   <a:srgbClr val="000000"/>
                 </a:solidFill>
@@ -13957,14 +13951,14 @@
           <a:ln/>
           <a:extLst>
             <a:ext uri="{909E8E84-426E-40dd-AFC4-6F175D3DCCD1}">
-              <a14:hiddenFill xmlns:a14="http://schemas.microsoft.com/office/drawing/2010/main">
+              <a14:hiddenFill xmlns:a14="http://schemas.microsoft.com/office/drawing/2010/main" xmlns="">
                 <a:solidFill>
                   <a:srgbClr val="FFFFFF"/>
                 </a:solidFill>
               </a14:hiddenFill>
             </a:ext>
             <a:ext uri="{91240B29-F687-4f45-9708-019B960494DF}">
-              <a14:hiddenLine xmlns:a14="http://schemas.microsoft.com/office/drawing/2010/main" w="9525">
+              <a14:hiddenLine xmlns:a14="http://schemas.microsoft.com/office/drawing/2010/main" xmlns="" w="9525">
                 <a:solidFill>
                   <a:srgbClr val="000000"/>
                 </a:solidFill>
@@ -13983,7 +13977,7 @@
               <a:defRPr/>
             </a:pPr>
             <a:r>
-              <a:rPr lang="en-US" altLang="en-US" dirty="0" smtClean="0">
+              <a:rPr lang="en-US" altLang="en-US" dirty="0">
                 <a:ea typeface="+mn-ea"/>
               </a:rPr>
               <a:t>Access Control Models</a:t>
@@ -13995,7 +13989,7 @@
               <a:buChar char="•"/>
               <a:defRPr/>
             </a:pPr>
-            <a:endParaRPr lang="en-US" altLang="en-US" dirty="0" smtClean="0">
+            <a:endParaRPr lang="en-US" altLang="en-US" dirty="0">
               <a:ea typeface="+mn-ea"/>
             </a:endParaRPr>
           </a:p>
@@ -14006,7 +14000,7 @@
               <a:defRPr/>
             </a:pPr>
             <a:r>
-              <a:rPr lang="en-US" altLang="en-US" dirty="0" smtClean="0">
+              <a:rPr lang="en-US" altLang="en-US" dirty="0">
                 <a:ea typeface="+mn-ea"/>
               </a:rPr>
               <a:t>Discretionary Access Control (DAC)</a:t>
@@ -14019,7 +14013,7 @@
               <a:defRPr/>
             </a:pPr>
             <a:r>
-              <a:rPr lang="en-US" altLang="en-US" dirty="0" smtClean="0">
+              <a:rPr lang="en-US" altLang="en-US" dirty="0">
                 <a:ea typeface="+mn-ea"/>
               </a:rPr>
               <a:t>Least restrictive model</a:t>
@@ -14032,7 +14026,7 @@
               <a:defRPr/>
             </a:pPr>
             <a:r>
-              <a:rPr lang="en-US" altLang="en-US" dirty="0" smtClean="0">
+              <a:rPr lang="en-US" altLang="en-US" dirty="0">
                 <a:ea typeface="+mn-ea"/>
               </a:rPr>
               <a:t>Every object has an owner</a:t>
@@ -14045,7 +14039,7 @@
               <a:defRPr/>
             </a:pPr>
             <a:r>
-              <a:rPr lang="en-US" altLang="en-US" dirty="0" smtClean="0">
+              <a:rPr lang="en-US" altLang="en-US" dirty="0">
                 <a:ea typeface="+mn-ea"/>
               </a:rPr>
               <a:t>Owners have total control over their objects</a:t>
@@ -14058,7 +14052,7 @@
               <a:defRPr/>
             </a:pPr>
             <a:r>
-              <a:rPr lang="en-US" altLang="en-US" dirty="0" smtClean="0">
+              <a:rPr lang="en-US" altLang="en-US" dirty="0">
                 <a:ea typeface="+mn-ea"/>
               </a:rPr>
               <a:t>Owners can give permissions to other subjects over their objects</a:t>
@@ -14071,7 +14065,7 @@
               <a:defRPr/>
             </a:pPr>
             <a:r>
-              <a:rPr lang="en-US" altLang="en-US" dirty="0" smtClean="0">
+              <a:rPr lang="en-US" altLang="en-US" dirty="0">
                 <a:ea typeface="+mn-ea"/>
               </a:rPr>
               <a:t>Used on operating systems such as most types of UNIX and Microsoft Windows</a:t>
@@ -14081,7 +14075,7 @@
             <a:pPr>
               <a:defRPr/>
             </a:pPr>
-            <a:endParaRPr lang="en-US" altLang="en-US" dirty="0" smtClean="0">
+            <a:endParaRPr lang="en-US" altLang="en-US" dirty="0">
               <a:ea typeface="+mn-ea"/>
             </a:endParaRPr>
           </a:p>
@@ -14102,14 +14096,14 @@
           <a:ln/>
           <a:extLst>
             <a:ext uri="{909E8E84-426E-40dd-AFC4-6F175D3DCCD1}">
-              <a14:hiddenFill xmlns:a14="http://schemas.microsoft.com/office/drawing/2010/main">
+              <a14:hiddenFill xmlns:a14="http://schemas.microsoft.com/office/drawing/2010/main" xmlns="">
                 <a:solidFill>
                   <a:srgbClr val="FFFFFF"/>
                 </a:solidFill>
               </a14:hiddenFill>
             </a:ext>
             <a:ext uri="{91240B29-F687-4f45-9708-019B960494DF}">
-              <a14:hiddenLine xmlns:a14="http://schemas.microsoft.com/office/drawing/2010/main" w="9525">
+              <a14:hiddenLine xmlns:a14="http://schemas.microsoft.com/office/drawing/2010/main" xmlns="" w="9525">
                 <a:solidFill>
                   <a:srgbClr val="000000"/>
                 </a:solidFill>
@@ -14306,14 +14300,14 @@
           <a:ln/>
           <a:extLst>
             <a:ext uri="{909E8E84-426E-40dd-AFC4-6F175D3DCCD1}">
-              <a14:hiddenFill xmlns:a14="http://schemas.microsoft.com/office/drawing/2010/main">
+              <a14:hiddenFill xmlns:a14="http://schemas.microsoft.com/office/drawing/2010/main" xmlns="">
                 <a:solidFill>
                   <a:srgbClr val="FFFFFF"/>
                 </a:solidFill>
               </a14:hiddenFill>
             </a:ext>
             <a:ext uri="{91240B29-F687-4f45-9708-019B960494DF}">
-              <a14:hiddenLine xmlns:a14="http://schemas.microsoft.com/office/drawing/2010/main" w="9525">
+              <a14:hiddenLine xmlns:a14="http://schemas.microsoft.com/office/drawing/2010/main" xmlns="" w="9525">
                 <a:solidFill>
                   <a:srgbClr val="000000"/>
                 </a:solidFill>
@@ -14329,16 +14323,16 @@
           <a:lstStyle/>
           <a:p>
             <a:r>
-              <a:rPr lang="en-US" smtClean="0"/>
+              <a:rPr lang="en-US"/>
               <a:t>Access Control Models</a:t>
             </a:r>
           </a:p>
           <a:p>
-            <a:endParaRPr lang="en-US" smtClean="0"/>
-          </a:p>
-          <a:p>
-            <a:r>
-              <a:rPr lang="en-US" smtClean="0"/>
+            <a:endParaRPr lang="en-US"/>
+          </a:p>
+          <a:p>
+            <a:r>
+              <a:rPr lang="en-US"/>
               <a:t>Figure 11-2  Windows Discretionary Access Control (DAC)</a:t>
             </a:r>
           </a:p>
@@ -14359,14 +14353,14 @@
           <a:ln/>
           <a:extLst>
             <a:ext uri="{909E8E84-426E-40dd-AFC4-6F175D3DCCD1}">
-              <a14:hiddenFill xmlns:a14="http://schemas.microsoft.com/office/drawing/2010/main">
+              <a14:hiddenFill xmlns:a14="http://schemas.microsoft.com/office/drawing/2010/main" xmlns="">
                 <a:solidFill>
                   <a:srgbClr val="FFFFFF"/>
                 </a:solidFill>
               </a14:hiddenFill>
             </a:ext>
             <a:ext uri="{91240B29-F687-4f45-9708-019B960494DF}">
-              <a14:hiddenLine xmlns:a14="http://schemas.microsoft.com/office/drawing/2010/main" w="9525">
+              <a14:hiddenLine xmlns:a14="http://schemas.microsoft.com/office/drawing/2010/main" xmlns="" w="9525">
                 <a:solidFill>
                   <a:srgbClr val="000000"/>
                 </a:solidFill>
@@ -14776,10 +14770,9 @@
           <a:lstStyle/>
           <a:p>
             <a:r>
-              <a:rPr lang="en-US" smtClean="0"/>
+              <a:rPr lang="en-US"/>
               <a:t>Click to edit Master title style</a:t>
             </a:r>
-            <a:endParaRPr lang="en-US"/>
           </a:p>
         </p:txBody>
       </p:sp>
@@ -14800,38 +14793,37 @@
           <a:p>
             <a:pPr lvl="0"/>
             <a:r>
-              <a:rPr lang="en-US" smtClean="0"/>
+              <a:rPr lang="en-US"/>
               <a:t>Click to edit Master text styles</a:t>
             </a:r>
           </a:p>
           <a:p>
             <a:pPr lvl="1"/>
             <a:r>
-              <a:rPr lang="en-US" smtClean="0"/>
+              <a:rPr lang="en-US"/>
               <a:t>Second level</a:t>
             </a:r>
           </a:p>
           <a:p>
             <a:pPr lvl="2"/>
             <a:r>
-              <a:rPr lang="en-US" smtClean="0"/>
+              <a:rPr lang="en-US"/>
               <a:t>Third level</a:t>
             </a:r>
           </a:p>
           <a:p>
             <a:pPr lvl="3"/>
             <a:r>
-              <a:rPr lang="en-US" smtClean="0"/>
+              <a:rPr lang="en-US"/>
               <a:t>Fourth level</a:t>
             </a:r>
           </a:p>
           <a:p>
             <a:pPr lvl="4"/>
             <a:r>
-              <a:rPr lang="en-US" smtClean="0"/>
+              <a:rPr lang="en-US"/>
               <a:t>Fifth level</a:t>
             </a:r>
-            <a:endParaRPr lang="en-US"/>
           </a:p>
         </p:txBody>
       </p:sp>
@@ -14947,10 +14939,9 @@
           <a:lstStyle/>
           <a:p>
             <a:r>
-              <a:rPr lang="en-US" smtClean="0"/>
+              <a:rPr lang="en-US"/>
               <a:t>Click to edit Master title style</a:t>
             </a:r>
-            <a:endParaRPr lang="en-US"/>
           </a:p>
         </p:txBody>
       </p:sp>
@@ -14976,38 +14967,37 @@
           <a:p>
             <a:pPr lvl="0"/>
             <a:r>
-              <a:rPr lang="en-US" smtClean="0"/>
+              <a:rPr lang="en-US"/>
               <a:t>Click to edit Master text styles</a:t>
             </a:r>
           </a:p>
           <a:p>
             <a:pPr lvl="1"/>
             <a:r>
-              <a:rPr lang="en-US" smtClean="0"/>
+              <a:rPr lang="en-US"/>
               <a:t>Second level</a:t>
             </a:r>
           </a:p>
           <a:p>
             <a:pPr lvl="2"/>
             <a:r>
-              <a:rPr lang="en-US" smtClean="0"/>
+              <a:rPr lang="en-US"/>
               <a:t>Third level</a:t>
             </a:r>
           </a:p>
           <a:p>
             <a:pPr lvl="3"/>
             <a:r>
-              <a:rPr lang="en-US" smtClean="0"/>
+              <a:rPr lang="en-US"/>
               <a:t>Fourth level</a:t>
             </a:r>
           </a:p>
           <a:p>
             <a:pPr lvl="4"/>
             <a:r>
-              <a:rPr lang="en-US" smtClean="0"/>
+              <a:rPr lang="en-US"/>
               <a:t>Fifth level</a:t>
             </a:r>
-            <a:endParaRPr lang="en-US"/>
           </a:p>
         </p:txBody>
       </p:sp>
@@ -15123,10 +15113,9 @@
           <a:lstStyle/>
           <a:p>
             <a:r>
-              <a:rPr lang="en-US" smtClean="0"/>
+              <a:rPr lang="en-US"/>
               <a:t>Click to edit Master title style</a:t>
             </a:r>
-            <a:endParaRPr lang="en-US"/>
           </a:p>
         </p:txBody>
       </p:sp>
@@ -15188,10 +15177,9 @@
           </a:lstStyle>
           <a:p>
             <a:r>
-              <a:rPr lang="en-US" smtClean="0"/>
+              <a:rPr lang="en-US"/>
               <a:t>Click to edit Master subtitle style</a:t>
             </a:r>
-            <a:endParaRPr lang="en-US"/>
           </a:p>
         </p:txBody>
       </p:sp>
@@ -15330,10 +15318,9 @@
           <a:lstStyle/>
           <a:p>
             <a:r>
-              <a:rPr lang="en-US" smtClean="0"/>
+              <a:rPr lang="en-US"/>
               <a:t>Click to edit Master title style</a:t>
             </a:r>
-            <a:endParaRPr lang="en-US"/>
           </a:p>
         </p:txBody>
       </p:sp>
@@ -15354,38 +15341,37 @@
           <a:p>
             <a:pPr lvl="0"/>
             <a:r>
-              <a:rPr lang="en-US" smtClean="0"/>
+              <a:rPr lang="en-US"/>
               <a:t>Click to edit Master text styles</a:t>
             </a:r>
           </a:p>
           <a:p>
             <a:pPr lvl="1"/>
             <a:r>
-              <a:rPr lang="en-US" smtClean="0"/>
+              <a:rPr lang="en-US"/>
               <a:t>Second level</a:t>
             </a:r>
           </a:p>
           <a:p>
             <a:pPr lvl="2"/>
             <a:r>
-              <a:rPr lang="en-US" smtClean="0"/>
+              <a:rPr lang="en-US"/>
               <a:t>Third level</a:t>
             </a:r>
           </a:p>
           <a:p>
             <a:pPr lvl="3"/>
             <a:r>
-              <a:rPr lang="en-US" smtClean="0"/>
+              <a:rPr lang="en-US"/>
               <a:t>Fourth level</a:t>
             </a:r>
           </a:p>
           <a:p>
             <a:pPr lvl="4"/>
             <a:r>
-              <a:rPr lang="en-US" smtClean="0"/>
+              <a:rPr lang="en-US"/>
               <a:t>Fifth level</a:t>
             </a:r>
-            <a:endParaRPr lang="en-US"/>
           </a:p>
         </p:txBody>
       </p:sp>
@@ -15533,10 +15519,9 @@
           </a:lstStyle>
           <a:p>
             <a:r>
-              <a:rPr lang="en-US" smtClean="0"/>
+              <a:rPr lang="en-US"/>
               <a:t>Click to edit Master title style</a:t>
             </a:r>
-            <a:endParaRPr lang="en-US"/>
           </a:p>
         </p:txBody>
       </p:sp>
@@ -15599,7 +15584,7 @@
           <a:p>
             <a:pPr lvl="0"/>
             <a:r>
-              <a:rPr lang="en-US" smtClean="0"/>
+              <a:rPr lang="en-US"/>
               <a:t>Click to edit Master text styles</a:t>
             </a:r>
           </a:p>
@@ -15740,10 +15725,9 @@
           <a:lstStyle/>
           <a:p>
             <a:r>
-              <a:rPr lang="en-US" smtClean="0"/>
+              <a:rPr lang="en-US"/>
               <a:t>Click to edit Master title style</a:t>
             </a:r>
-            <a:endParaRPr lang="en-US"/>
           </a:p>
         </p:txBody>
       </p:sp>
@@ -15797,38 +15781,37 @@
           <a:p>
             <a:pPr lvl="0"/>
             <a:r>
-              <a:rPr lang="en-US" smtClean="0"/>
+              <a:rPr lang="en-US"/>
               <a:t>Click to edit Master text styles</a:t>
             </a:r>
           </a:p>
           <a:p>
             <a:pPr lvl="1"/>
             <a:r>
-              <a:rPr lang="en-US" smtClean="0"/>
+              <a:rPr lang="en-US"/>
               <a:t>Second level</a:t>
             </a:r>
           </a:p>
           <a:p>
             <a:pPr lvl="2"/>
             <a:r>
-              <a:rPr lang="en-US" smtClean="0"/>
+              <a:rPr lang="en-US"/>
               <a:t>Third level</a:t>
             </a:r>
           </a:p>
           <a:p>
             <a:pPr lvl="3"/>
             <a:r>
-              <a:rPr lang="en-US" smtClean="0"/>
+              <a:rPr lang="en-US"/>
               <a:t>Fourth level</a:t>
             </a:r>
           </a:p>
           <a:p>
             <a:pPr lvl="4"/>
             <a:r>
-              <a:rPr lang="en-US" smtClean="0"/>
+              <a:rPr lang="en-US"/>
               <a:t>Fifth level</a:t>
             </a:r>
-            <a:endParaRPr lang="en-US"/>
           </a:p>
         </p:txBody>
       </p:sp>
@@ -15882,38 +15865,37 @@
           <a:p>
             <a:pPr lvl="0"/>
             <a:r>
-              <a:rPr lang="en-US" smtClean="0"/>
+              <a:rPr lang="en-US"/>
               <a:t>Click to edit Master text styles</a:t>
             </a:r>
           </a:p>
           <a:p>
             <a:pPr lvl="1"/>
             <a:r>
-              <a:rPr lang="en-US" smtClean="0"/>
+              <a:rPr lang="en-US"/>
               <a:t>Second level</a:t>
             </a:r>
           </a:p>
           <a:p>
             <a:pPr lvl="2"/>
             <a:r>
-              <a:rPr lang="en-US" smtClean="0"/>
+              <a:rPr lang="en-US"/>
               <a:t>Third level</a:t>
             </a:r>
           </a:p>
           <a:p>
             <a:pPr lvl="3"/>
             <a:r>
-              <a:rPr lang="en-US" smtClean="0"/>
+              <a:rPr lang="en-US"/>
               <a:t>Fourth level</a:t>
             </a:r>
           </a:p>
           <a:p>
             <a:pPr lvl="4"/>
             <a:r>
-              <a:rPr lang="en-US" smtClean="0"/>
+              <a:rPr lang="en-US"/>
               <a:t>Fifth level</a:t>
             </a:r>
-            <a:endParaRPr lang="en-US"/>
           </a:p>
         </p:txBody>
       </p:sp>
@@ -16061,10 +16043,9 @@
           </a:lstStyle>
           <a:p>
             <a:r>
-              <a:rPr lang="en-US" smtClean="0"/>
+              <a:rPr lang="en-US"/>
               <a:t>Click to edit Master title style</a:t>
             </a:r>
-            <a:endParaRPr lang="en-US"/>
           </a:p>
         </p:txBody>
       </p:sp>
@@ -16127,7 +16108,7 @@
           <a:p>
             <a:pPr lvl="0"/>
             <a:r>
-              <a:rPr lang="en-US" smtClean="0"/>
+              <a:rPr lang="en-US"/>
               <a:t>Click to edit Master text styles</a:t>
             </a:r>
           </a:p>
@@ -16183,38 +16164,37 @@
           <a:p>
             <a:pPr lvl="0"/>
             <a:r>
-              <a:rPr lang="en-US" smtClean="0"/>
+              <a:rPr lang="en-US"/>
               <a:t>Click to edit Master text styles</a:t>
             </a:r>
           </a:p>
           <a:p>
             <a:pPr lvl="1"/>
             <a:r>
-              <a:rPr lang="en-US" smtClean="0"/>
+              <a:rPr lang="en-US"/>
               <a:t>Second level</a:t>
             </a:r>
           </a:p>
           <a:p>
             <a:pPr lvl="2"/>
             <a:r>
-              <a:rPr lang="en-US" smtClean="0"/>
+              <a:rPr lang="en-US"/>
               <a:t>Third level</a:t>
             </a:r>
           </a:p>
           <a:p>
             <a:pPr lvl="3"/>
             <a:r>
-              <a:rPr lang="en-US" smtClean="0"/>
+              <a:rPr lang="en-US"/>
               <a:t>Fourth level</a:t>
             </a:r>
           </a:p>
           <a:p>
             <a:pPr lvl="4"/>
             <a:r>
-              <a:rPr lang="en-US" smtClean="0"/>
+              <a:rPr lang="en-US"/>
               <a:t>Fifth level</a:t>
             </a:r>
-            <a:endParaRPr lang="en-US"/>
           </a:p>
         </p:txBody>
       </p:sp>
@@ -16277,7 +16257,7 @@
           <a:p>
             <a:pPr lvl="0"/>
             <a:r>
-              <a:rPr lang="en-US" smtClean="0"/>
+              <a:rPr lang="en-US"/>
               <a:t>Click to edit Master text styles</a:t>
             </a:r>
           </a:p>
@@ -16333,38 +16313,37 @@
           <a:p>
             <a:pPr lvl="0"/>
             <a:r>
-              <a:rPr lang="en-US" smtClean="0"/>
+              <a:rPr lang="en-US"/>
               <a:t>Click to edit Master text styles</a:t>
             </a:r>
           </a:p>
           <a:p>
             <a:pPr lvl="1"/>
             <a:r>
-              <a:rPr lang="en-US" smtClean="0"/>
+              <a:rPr lang="en-US"/>
               <a:t>Second level</a:t>
             </a:r>
           </a:p>
           <a:p>
             <a:pPr lvl="2"/>
             <a:r>
-              <a:rPr lang="en-US" smtClean="0"/>
+              <a:rPr lang="en-US"/>
               <a:t>Third level</a:t>
             </a:r>
           </a:p>
           <a:p>
             <a:pPr lvl="3"/>
             <a:r>
-              <a:rPr lang="en-US" smtClean="0"/>
+              <a:rPr lang="en-US"/>
               <a:t>Fourth level</a:t>
             </a:r>
           </a:p>
           <a:p>
             <a:pPr lvl="4"/>
             <a:r>
-              <a:rPr lang="en-US" smtClean="0"/>
+              <a:rPr lang="en-US"/>
               <a:t>Fifth level</a:t>
             </a:r>
-            <a:endParaRPr lang="en-US"/>
           </a:p>
         </p:txBody>
       </p:sp>
@@ -16503,10 +16482,9 @@
           <a:lstStyle/>
           <a:p>
             <a:r>
-              <a:rPr lang="en-US" smtClean="0"/>
+              <a:rPr lang="en-US"/>
               <a:t>Click to edit Master title style</a:t>
             </a:r>
-            <a:endParaRPr lang="en-US"/>
           </a:p>
         </p:txBody>
       </p:sp>
@@ -16773,10 +16751,9 @@
           </a:lstStyle>
           <a:p>
             <a:r>
-              <a:rPr lang="en-US" smtClean="0"/>
+              <a:rPr lang="en-US"/>
               <a:t>Click to edit Master title style</a:t>
             </a:r>
-            <a:endParaRPr lang="en-US"/>
           </a:p>
         </p:txBody>
       </p:sp>
@@ -16830,38 +16807,37 @@
           <a:p>
             <a:pPr lvl="0"/>
             <a:r>
-              <a:rPr lang="en-US" smtClean="0"/>
+              <a:rPr lang="en-US"/>
               <a:t>Click to edit Master text styles</a:t>
             </a:r>
           </a:p>
           <a:p>
             <a:pPr lvl="1"/>
             <a:r>
-              <a:rPr lang="en-US" smtClean="0"/>
+              <a:rPr lang="en-US"/>
               <a:t>Second level</a:t>
             </a:r>
           </a:p>
           <a:p>
             <a:pPr lvl="2"/>
             <a:r>
-              <a:rPr lang="en-US" smtClean="0"/>
+              <a:rPr lang="en-US"/>
               <a:t>Third level</a:t>
             </a:r>
           </a:p>
           <a:p>
             <a:pPr lvl="3"/>
             <a:r>
-              <a:rPr lang="en-US" smtClean="0"/>
+              <a:rPr lang="en-US"/>
               <a:t>Fourth level</a:t>
             </a:r>
           </a:p>
           <a:p>
             <a:pPr lvl="4"/>
             <a:r>
-              <a:rPr lang="en-US" smtClean="0"/>
+              <a:rPr lang="en-US"/>
               <a:t>Fifth level</a:t>
             </a:r>
-            <a:endParaRPr lang="en-US"/>
           </a:p>
         </p:txBody>
       </p:sp>
@@ -16924,7 +16900,7 @@
           <a:p>
             <a:pPr lvl="0"/>
             <a:r>
-              <a:rPr lang="en-US" smtClean="0"/>
+              <a:rPr lang="en-US"/>
               <a:t>Click to edit Master text styles</a:t>
             </a:r>
           </a:p>
@@ -17071,14 +17047,14 @@
           </a:ln>
           <a:extLst>
             <a:ext uri="{909E8E84-426E-40dd-AFC4-6F175D3DCCD1}">
-              <a14:hiddenFill xmlns:a14="http://schemas.microsoft.com/office/drawing/2010/main">
+              <a14:hiddenFill xmlns:a14="http://schemas.microsoft.com/office/drawing/2010/main" xmlns="">
                 <a:solidFill>
                   <a:srgbClr val="FFFFFF"/>
                 </a:solidFill>
               </a14:hiddenFill>
             </a:ext>
             <a:ext uri="{91240B29-F687-4f45-9708-019B960494DF}">
-              <a14:hiddenLine xmlns:a14="http://schemas.microsoft.com/office/drawing/2010/main" w="9525">
+              <a14:hiddenLine xmlns:a14="http://schemas.microsoft.com/office/drawing/2010/main" xmlns="" w="9525">
                 <a:solidFill>
                   <a:srgbClr val="000000"/>
                 </a:solidFill>
@@ -17230,10 +17206,9 @@
           <a:lstStyle/>
           <a:p>
             <a:r>
-              <a:rPr lang="en-US" dirty="0" smtClean="0"/>
+              <a:rPr lang="en-US" dirty="0"/>
               <a:t>Click to edit Master title style</a:t>
             </a:r>
-            <a:endParaRPr lang="en-US" dirty="0"/>
           </a:p>
         </p:txBody>
       </p:sp>
@@ -17254,38 +17229,37 @@
           <a:p>
             <a:pPr lvl="0"/>
             <a:r>
-              <a:rPr lang="en-US" smtClean="0"/>
+              <a:rPr lang="en-US"/>
               <a:t>Click to edit Master text styles</a:t>
             </a:r>
           </a:p>
           <a:p>
             <a:pPr lvl="1"/>
             <a:r>
-              <a:rPr lang="en-US" smtClean="0"/>
+              <a:rPr lang="en-US"/>
               <a:t>Second level</a:t>
             </a:r>
           </a:p>
           <a:p>
             <a:pPr lvl="2"/>
             <a:r>
-              <a:rPr lang="en-US" smtClean="0"/>
+              <a:rPr lang="en-US"/>
               <a:t>Third level</a:t>
             </a:r>
           </a:p>
           <a:p>
             <a:pPr lvl="3"/>
             <a:r>
-              <a:rPr lang="en-US" smtClean="0"/>
+              <a:rPr lang="en-US"/>
               <a:t>Fourth level</a:t>
             </a:r>
           </a:p>
           <a:p>
             <a:pPr lvl="4"/>
             <a:r>
-              <a:rPr lang="en-US" smtClean="0"/>
+              <a:rPr lang="en-US"/>
               <a:t>Fifth level</a:t>
             </a:r>
-            <a:endParaRPr lang="en-US"/>
           </a:p>
         </p:txBody>
       </p:sp>
@@ -17411,10 +17385,9 @@
           </a:lstStyle>
           <a:p>
             <a:r>
-              <a:rPr lang="en-US" smtClean="0"/>
+              <a:rPr lang="en-US"/>
               <a:t>Click to edit Master title style</a:t>
             </a:r>
-            <a:endParaRPr lang="en-US"/>
           </a:p>
         </p:txBody>
       </p:sp>
@@ -17476,7 +17449,7 @@
           </a:lstStyle>
           <a:p>
             <a:pPr lvl="0"/>
-            <a:endParaRPr lang="en-US" noProof="0" dirty="0" smtClean="0"/>
+            <a:endParaRPr lang="en-US" noProof="0" dirty="0"/>
           </a:p>
         </p:txBody>
       </p:sp>
@@ -17539,7 +17512,7 @@
           <a:p>
             <a:pPr lvl="0"/>
             <a:r>
-              <a:rPr lang="en-US" smtClean="0"/>
+              <a:rPr lang="en-US"/>
               <a:t>Click to edit Master text styles</a:t>
             </a:r>
           </a:p>
@@ -17680,10 +17653,9 @@
           <a:lstStyle/>
           <a:p>
             <a:r>
-              <a:rPr lang="en-US" smtClean="0"/>
+              <a:rPr lang="en-US"/>
               <a:t>Click to edit Master title style</a:t>
             </a:r>
-            <a:endParaRPr lang="en-US"/>
           </a:p>
         </p:txBody>
       </p:sp>
@@ -17704,38 +17676,37 @@
           <a:p>
             <a:pPr lvl="0"/>
             <a:r>
-              <a:rPr lang="en-US" smtClean="0"/>
+              <a:rPr lang="en-US"/>
               <a:t>Click to edit Master text styles</a:t>
             </a:r>
           </a:p>
           <a:p>
             <a:pPr lvl="1"/>
             <a:r>
-              <a:rPr lang="en-US" smtClean="0"/>
+              <a:rPr lang="en-US"/>
               <a:t>Second level</a:t>
             </a:r>
           </a:p>
           <a:p>
             <a:pPr lvl="2"/>
             <a:r>
-              <a:rPr lang="en-US" smtClean="0"/>
+              <a:rPr lang="en-US"/>
               <a:t>Third level</a:t>
             </a:r>
           </a:p>
           <a:p>
             <a:pPr lvl="3"/>
             <a:r>
-              <a:rPr lang="en-US" smtClean="0"/>
+              <a:rPr lang="en-US"/>
               <a:t>Fourth level</a:t>
             </a:r>
           </a:p>
           <a:p>
             <a:pPr lvl="4"/>
             <a:r>
-              <a:rPr lang="en-US" smtClean="0"/>
+              <a:rPr lang="en-US"/>
               <a:t>Fifth level</a:t>
             </a:r>
-            <a:endParaRPr lang="en-US"/>
           </a:p>
         </p:txBody>
       </p:sp>
@@ -17879,10 +17850,9 @@
           <a:lstStyle/>
           <a:p>
             <a:r>
-              <a:rPr lang="en-US" smtClean="0"/>
+              <a:rPr lang="en-US"/>
               <a:t>Click to edit Master title style</a:t>
             </a:r>
-            <a:endParaRPr lang="en-US"/>
           </a:p>
         </p:txBody>
       </p:sp>
@@ -17908,38 +17878,37 @@
           <a:p>
             <a:pPr lvl="0"/>
             <a:r>
-              <a:rPr lang="en-US" smtClean="0"/>
+              <a:rPr lang="en-US"/>
               <a:t>Click to edit Master text styles</a:t>
             </a:r>
           </a:p>
           <a:p>
             <a:pPr lvl="1"/>
             <a:r>
-              <a:rPr lang="en-US" smtClean="0"/>
+              <a:rPr lang="en-US"/>
               <a:t>Second level</a:t>
             </a:r>
           </a:p>
           <a:p>
             <a:pPr lvl="2"/>
             <a:r>
-              <a:rPr lang="en-US" smtClean="0"/>
+              <a:rPr lang="en-US"/>
               <a:t>Third level</a:t>
             </a:r>
           </a:p>
           <a:p>
             <a:pPr lvl="3"/>
             <a:r>
-              <a:rPr lang="en-US" smtClean="0"/>
+              <a:rPr lang="en-US"/>
               <a:t>Fourth level</a:t>
             </a:r>
           </a:p>
           <a:p>
             <a:pPr lvl="4"/>
             <a:r>
-              <a:rPr lang="en-US" smtClean="0"/>
+              <a:rPr lang="en-US"/>
               <a:t>Fifth level</a:t>
             </a:r>
-            <a:endParaRPr lang="en-US"/>
           </a:p>
         </p:txBody>
       </p:sp>
@@ -18087,10 +18056,9 @@
           </a:lstStyle>
           <a:p>
             <a:r>
-              <a:rPr lang="en-US" smtClean="0"/>
+              <a:rPr lang="en-US"/>
               <a:t>Click to edit Master title style</a:t>
             </a:r>
-            <a:endParaRPr lang="en-US"/>
           </a:p>
         </p:txBody>
       </p:sp>
@@ -18153,7 +18121,7 @@
           <a:p>
             <a:pPr lvl="0"/>
             <a:r>
-              <a:rPr lang="en-US" smtClean="0"/>
+              <a:rPr lang="en-US"/>
               <a:t>Click to edit Master text styles</a:t>
             </a:r>
           </a:p>
@@ -18266,10 +18234,9 @@
           <a:lstStyle/>
           <a:p>
             <a:r>
-              <a:rPr lang="en-US" smtClean="0"/>
+              <a:rPr lang="en-US"/>
               <a:t>Click to edit Master title style</a:t>
             </a:r>
-            <a:endParaRPr lang="en-US"/>
           </a:p>
         </p:txBody>
       </p:sp>
@@ -18323,38 +18290,37 @@
           <a:p>
             <a:pPr lvl="0"/>
             <a:r>
-              <a:rPr lang="en-US" smtClean="0"/>
+              <a:rPr lang="en-US"/>
               <a:t>Click to edit Master text styles</a:t>
             </a:r>
           </a:p>
           <a:p>
             <a:pPr lvl="1"/>
             <a:r>
-              <a:rPr lang="en-US" smtClean="0"/>
+              <a:rPr lang="en-US"/>
               <a:t>Second level</a:t>
             </a:r>
           </a:p>
           <a:p>
             <a:pPr lvl="2"/>
             <a:r>
-              <a:rPr lang="en-US" smtClean="0"/>
+              <a:rPr lang="en-US"/>
               <a:t>Third level</a:t>
             </a:r>
           </a:p>
           <a:p>
             <a:pPr lvl="3"/>
             <a:r>
-              <a:rPr lang="en-US" smtClean="0"/>
+              <a:rPr lang="en-US"/>
               <a:t>Fourth level</a:t>
             </a:r>
           </a:p>
           <a:p>
             <a:pPr lvl="4"/>
             <a:r>
-              <a:rPr lang="en-US" smtClean="0"/>
+              <a:rPr lang="en-US"/>
               <a:t>Fifth level</a:t>
             </a:r>
-            <a:endParaRPr lang="en-US"/>
           </a:p>
         </p:txBody>
       </p:sp>
@@ -18408,38 +18374,37 @@
           <a:p>
             <a:pPr lvl="0"/>
             <a:r>
-              <a:rPr lang="en-US" smtClean="0"/>
+              <a:rPr lang="en-US"/>
               <a:t>Click to edit Master text styles</a:t>
             </a:r>
           </a:p>
           <a:p>
             <a:pPr lvl="1"/>
             <a:r>
-              <a:rPr lang="en-US" smtClean="0"/>
+              <a:rPr lang="en-US"/>
               <a:t>Second level</a:t>
             </a:r>
           </a:p>
           <a:p>
             <a:pPr lvl="2"/>
             <a:r>
-              <a:rPr lang="en-US" smtClean="0"/>
+              <a:rPr lang="en-US"/>
               <a:t>Third level</a:t>
             </a:r>
           </a:p>
           <a:p>
             <a:pPr lvl="3"/>
             <a:r>
-              <a:rPr lang="en-US" smtClean="0"/>
+              <a:rPr lang="en-US"/>
               <a:t>Fourth level</a:t>
             </a:r>
           </a:p>
           <a:p>
             <a:pPr lvl="4"/>
             <a:r>
-              <a:rPr lang="en-US" smtClean="0"/>
+              <a:rPr lang="en-US"/>
               <a:t>Fifth level</a:t>
             </a:r>
-            <a:endParaRPr lang="en-US"/>
           </a:p>
         </p:txBody>
       </p:sp>
@@ -18559,10 +18524,9 @@
           </a:lstStyle>
           <a:p>
             <a:r>
-              <a:rPr lang="en-US" smtClean="0"/>
+              <a:rPr lang="en-US"/>
               <a:t>Click to edit Master title style</a:t>
             </a:r>
-            <a:endParaRPr lang="en-US"/>
           </a:p>
         </p:txBody>
       </p:sp>
@@ -18625,7 +18589,7 @@
           <a:p>
             <a:pPr lvl="0"/>
             <a:r>
-              <a:rPr lang="en-US" smtClean="0"/>
+              <a:rPr lang="en-US"/>
               <a:t>Click to edit Master text styles</a:t>
             </a:r>
           </a:p>
@@ -18681,38 +18645,37 @@
           <a:p>
             <a:pPr lvl="0"/>
             <a:r>
-              <a:rPr lang="en-US" smtClean="0"/>
+              <a:rPr lang="en-US"/>
               <a:t>Click to edit Master text styles</a:t>
             </a:r>
           </a:p>
           <a:p>
             <a:pPr lvl="1"/>
             <a:r>
-              <a:rPr lang="en-US" smtClean="0"/>
+              <a:rPr lang="en-US"/>
               <a:t>Second level</a:t>
             </a:r>
           </a:p>
           <a:p>
             <a:pPr lvl="2"/>
             <a:r>
-              <a:rPr lang="en-US" smtClean="0"/>
+              <a:rPr lang="en-US"/>
               <a:t>Third level</a:t>
             </a:r>
           </a:p>
           <a:p>
             <a:pPr lvl="3"/>
             <a:r>
-              <a:rPr lang="en-US" smtClean="0"/>
+              <a:rPr lang="en-US"/>
               <a:t>Fourth level</a:t>
             </a:r>
           </a:p>
           <a:p>
             <a:pPr lvl="4"/>
             <a:r>
-              <a:rPr lang="en-US" smtClean="0"/>
+              <a:rPr lang="en-US"/>
               <a:t>Fifth level</a:t>
             </a:r>
-            <a:endParaRPr lang="en-US"/>
           </a:p>
         </p:txBody>
       </p:sp>
@@ -18775,7 +18738,7 @@
           <a:p>
             <a:pPr lvl="0"/>
             <a:r>
-              <a:rPr lang="en-US" smtClean="0"/>
+              <a:rPr lang="en-US"/>
               <a:t>Click to edit Master text styles</a:t>
             </a:r>
           </a:p>
@@ -18831,38 +18794,37 @@
           <a:p>
             <a:pPr lvl="0"/>
             <a:r>
-              <a:rPr lang="en-US" smtClean="0"/>
+              <a:rPr lang="en-US"/>
               <a:t>Click to edit Master text styles</a:t>
             </a:r>
           </a:p>
           <a:p>
             <a:pPr lvl="1"/>
             <a:r>
-              <a:rPr lang="en-US" smtClean="0"/>
+              <a:rPr lang="en-US"/>
               <a:t>Second level</a:t>
             </a:r>
           </a:p>
           <a:p>
             <a:pPr lvl="2"/>
             <a:r>
-              <a:rPr lang="en-US" smtClean="0"/>
+              <a:rPr lang="en-US"/>
               <a:t>Third level</a:t>
             </a:r>
           </a:p>
           <a:p>
             <a:pPr lvl="3"/>
             <a:r>
-              <a:rPr lang="en-US" smtClean="0"/>
+              <a:rPr lang="en-US"/>
               <a:t>Fourth level</a:t>
             </a:r>
           </a:p>
           <a:p>
             <a:pPr lvl="4"/>
             <a:r>
-              <a:rPr lang="en-US" smtClean="0"/>
+              <a:rPr lang="en-US"/>
               <a:t>Fifth level</a:t>
             </a:r>
-            <a:endParaRPr lang="en-US"/>
           </a:p>
         </p:txBody>
       </p:sp>
@@ -18973,10 +18935,9 @@
           <a:lstStyle/>
           <a:p>
             <a:r>
-              <a:rPr lang="en-US" smtClean="0"/>
+              <a:rPr lang="en-US"/>
               <a:t>Click to edit Master title style</a:t>
             </a:r>
-            <a:endParaRPr lang="en-US"/>
           </a:p>
         </p:txBody>
       </p:sp>
@@ -19187,10 +19148,9 @@
           </a:lstStyle>
           <a:p>
             <a:r>
-              <a:rPr lang="en-US" smtClean="0"/>
+              <a:rPr lang="en-US"/>
               <a:t>Click to edit Master title style</a:t>
             </a:r>
-            <a:endParaRPr lang="en-US"/>
           </a:p>
         </p:txBody>
       </p:sp>
@@ -19244,38 +19204,37 @@
           <a:p>
             <a:pPr lvl="0"/>
             <a:r>
-              <a:rPr lang="en-US" smtClean="0"/>
+              <a:rPr lang="en-US"/>
               <a:t>Click to edit Master text styles</a:t>
             </a:r>
           </a:p>
           <a:p>
             <a:pPr lvl="1"/>
             <a:r>
-              <a:rPr lang="en-US" smtClean="0"/>
+              <a:rPr lang="en-US"/>
               <a:t>Second level</a:t>
             </a:r>
           </a:p>
           <a:p>
             <a:pPr lvl="2"/>
             <a:r>
-              <a:rPr lang="en-US" smtClean="0"/>
+              <a:rPr lang="en-US"/>
               <a:t>Third level</a:t>
             </a:r>
           </a:p>
           <a:p>
             <a:pPr lvl="3"/>
             <a:r>
-              <a:rPr lang="en-US" smtClean="0"/>
+              <a:rPr lang="en-US"/>
               <a:t>Fourth level</a:t>
             </a:r>
           </a:p>
           <a:p>
             <a:pPr lvl="4"/>
             <a:r>
-              <a:rPr lang="en-US" smtClean="0"/>
+              <a:rPr lang="en-US"/>
               <a:t>Fifth level</a:t>
             </a:r>
-            <a:endParaRPr lang="en-US"/>
           </a:p>
         </p:txBody>
       </p:sp>
@@ -19338,7 +19297,7 @@
           <a:p>
             <a:pPr lvl="0"/>
             <a:r>
-              <a:rPr lang="en-US" smtClean="0"/>
+              <a:rPr lang="en-US"/>
               <a:t>Click to edit Master text styles</a:t>
             </a:r>
           </a:p>
@@ -19460,10 +19419,9 @@
           </a:lstStyle>
           <a:p>
             <a:r>
-              <a:rPr lang="en-US" smtClean="0"/>
+              <a:rPr lang="en-US"/>
               <a:t>Click to edit Master title style</a:t>
             </a:r>
-            <a:endParaRPr lang="en-US"/>
           </a:p>
         </p:txBody>
       </p:sp>
@@ -19525,7 +19483,7 @@
           </a:lstStyle>
           <a:p>
             <a:pPr lvl="0"/>
-            <a:endParaRPr lang="en-US" noProof="0" dirty="0" smtClean="0"/>
+            <a:endParaRPr lang="en-US" noProof="0" dirty="0"/>
           </a:p>
         </p:txBody>
       </p:sp>
@@ -19588,7 +19546,7 @@
           <a:p>
             <a:pPr lvl="0"/>
             <a:r>
-              <a:rPr lang="en-US" smtClean="0"/>
+              <a:rPr lang="en-US"/>
               <a:t>Click to edit Master text styles</a:t>
             </a:r>
           </a:p>
@@ -19717,14 +19675,14 @@
           </a:ln>
           <a:extLst>
             <a:ext uri="{909E8E84-426E-40dd-AFC4-6F175D3DCCD1}">
-              <a14:hiddenFill xmlns:a14="http://schemas.microsoft.com/office/drawing/2010/main">
+              <a14:hiddenFill xmlns:a14="http://schemas.microsoft.com/office/drawing/2010/main" xmlns="">
                 <a:solidFill>
                   <a:srgbClr val="FFFFFF"/>
                 </a:solidFill>
               </a14:hiddenFill>
             </a:ext>
             <a:ext uri="{91240B29-F687-4f45-9708-019B960494DF}">
-              <a14:hiddenLine xmlns:a14="http://schemas.microsoft.com/office/drawing/2010/main" w="9525">
+              <a14:hiddenLine xmlns:a14="http://schemas.microsoft.com/office/drawing/2010/main" xmlns="" w="9525">
                 <a:solidFill>
                   <a:srgbClr val="000000"/>
                 </a:solidFill>
@@ -19745,7 +19703,7 @@
           <a:p>
             <a:pPr lvl="0"/>
             <a:r>
-              <a:rPr lang="en-US" smtClean="0"/>
+              <a:rPr lang="en-US"/>
               <a:t>Click to edit Master title style</a:t>
             </a:r>
           </a:p>
@@ -19775,14 +19733,14 @@
           </a:ln>
           <a:extLst>
             <a:ext uri="{909E8E84-426E-40dd-AFC4-6F175D3DCCD1}">
-              <a14:hiddenFill xmlns:a14="http://schemas.microsoft.com/office/drawing/2010/main">
+              <a14:hiddenFill xmlns:a14="http://schemas.microsoft.com/office/drawing/2010/main" xmlns="">
                 <a:solidFill>
                   <a:srgbClr val="FFFFFF"/>
                 </a:solidFill>
               </a14:hiddenFill>
             </a:ext>
             <a:ext uri="{91240B29-F687-4f45-9708-019B960494DF}">
-              <a14:hiddenLine xmlns:a14="http://schemas.microsoft.com/office/drawing/2010/main" w="9525">
+              <a14:hiddenLine xmlns:a14="http://schemas.microsoft.com/office/drawing/2010/main" xmlns="" w="9525">
                 <a:solidFill>
                   <a:srgbClr val="000000"/>
                 </a:solidFill>
@@ -19803,28 +19761,28 @@
           <a:p>
             <a:pPr lvl="0"/>
             <a:r>
-              <a:rPr lang="en-US" smtClean="0"/>
+              <a:rPr lang="en-US"/>
               <a:t>Click to edit Master text styles</a:t>
             </a:r>
           </a:p>
           <a:p>
             <a:pPr lvl="1"/>
             <a:r>
-              <a:rPr lang="en-US" smtClean="0"/>
+              <a:rPr lang="en-US"/>
               <a:t>Second level</a:t>
             </a:r>
           </a:p>
           <a:p>
             <a:pPr lvl="2"/>
             <a:r>
-              <a:rPr lang="en-US" smtClean="0"/>
+              <a:rPr lang="en-US"/>
               <a:t>Third level</a:t>
             </a:r>
           </a:p>
           <a:p>
             <a:pPr lvl="3"/>
             <a:r>
-              <a:rPr lang="en-US" smtClean="0"/>
+              <a:rPr lang="en-US"/>
               <a:t>Fourth level</a:t>
             </a:r>
           </a:p>
@@ -20385,14 +20343,14 @@
           </a:ln>
           <a:extLst>
             <a:ext uri="{909E8E84-426E-40dd-AFC4-6F175D3DCCD1}">
-              <a14:hiddenFill xmlns:a14="http://schemas.microsoft.com/office/drawing/2010/main">
+              <a14:hiddenFill xmlns:a14="http://schemas.microsoft.com/office/drawing/2010/main" xmlns="">
                 <a:solidFill>
                   <a:srgbClr val="FFFFFF"/>
                 </a:solidFill>
               </a14:hiddenFill>
             </a:ext>
             <a:ext uri="{91240B29-F687-4f45-9708-019B960494DF}">
-              <a14:hiddenLine xmlns:a14="http://schemas.microsoft.com/office/drawing/2010/main" w="9525">
+              <a14:hiddenLine xmlns:a14="http://schemas.microsoft.com/office/drawing/2010/main" xmlns="" w="9525">
                 <a:solidFill>
                   <a:srgbClr val="000000"/>
                 </a:solidFill>
@@ -20413,7 +20371,7 @@
           <a:p>
             <a:pPr lvl="0"/>
             <a:r>
-              <a:rPr lang="en-US" smtClean="0"/>
+              <a:rPr lang="en-US"/>
               <a:t>Click to edit Master title style</a:t>
             </a:r>
           </a:p>
@@ -20443,14 +20401,14 @@
           </a:ln>
           <a:extLst>
             <a:ext uri="{909E8E84-426E-40dd-AFC4-6F175D3DCCD1}">
-              <a14:hiddenFill xmlns:a14="http://schemas.microsoft.com/office/drawing/2010/main">
+              <a14:hiddenFill xmlns:a14="http://schemas.microsoft.com/office/drawing/2010/main" xmlns="">
                 <a:solidFill>
                   <a:srgbClr val="FFFFFF"/>
                 </a:solidFill>
               </a14:hiddenFill>
             </a:ext>
             <a:ext uri="{91240B29-F687-4f45-9708-019B960494DF}">
-              <a14:hiddenLine xmlns:a14="http://schemas.microsoft.com/office/drawing/2010/main" w="9525">
+              <a14:hiddenLine xmlns:a14="http://schemas.microsoft.com/office/drawing/2010/main" xmlns="" w="9525">
                 <a:solidFill>
                   <a:srgbClr val="000000"/>
                 </a:solidFill>
@@ -20471,28 +20429,28 @@
           <a:p>
             <a:pPr lvl="0"/>
             <a:r>
-              <a:rPr lang="en-US" smtClean="0"/>
+              <a:rPr lang="en-US"/>
               <a:t>Click to edit Master text styles</a:t>
             </a:r>
           </a:p>
           <a:p>
             <a:pPr lvl="1"/>
             <a:r>
-              <a:rPr lang="en-US" smtClean="0"/>
+              <a:rPr lang="en-US"/>
               <a:t>Second level</a:t>
             </a:r>
           </a:p>
           <a:p>
             <a:pPr lvl="2"/>
             <a:r>
-              <a:rPr lang="en-US" smtClean="0"/>
+              <a:rPr lang="en-US"/>
               <a:t>Third level</a:t>
             </a:r>
           </a:p>
           <a:p>
             <a:pPr lvl="3"/>
             <a:r>
-              <a:rPr lang="en-US" smtClean="0"/>
+              <a:rPr lang="en-US"/>
               <a:t>Fourth level</a:t>
             </a:r>
           </a:p>
@@ -21075,7 +21033,7 @@
           <a:lstStyle/>
           <a:p>
             <a:r>
-              <a:rPr lang="en-US" smtClean="0"/>
+              <a:rPr lang="en-US"/>
               <a:t>What Is Access Control?</a:t>
             </a:r>
           </a:p>
@@ -21097,56 +21055,56 @@
           <a:lstStyle/>
           <a:p>
             <a:r>
-              <a:rPr lang="en-US" dirty="0" smtClean="0"/>
+              <a:rPr lang="en-US" dirty="0"/>
               <a:t>Access Control</a:t>
             </a:r>
           </a:p>
           <a:p>
             <a:pPr lvl="1"/>
             <a:r>
-              <a:rPr lang="en-US" dirty="0" smtClean="0"/>
+              <a:rPr lang="en-US" dirty="0"/>
               <a:t>Granting or denying approval to use specific resources</a:t>
             </a:r>
           </a:p>
           <a:p>
             <a:r>
-              <a:rPr lang="en-US" dirty="0" smtClean="0"/>
+              <a:rPr lang="en-US" dirty="0"/>
               <a:t>Physical access control</a:t>
             </a:r>
           </a:p>
           <a:p>
             <a:pPr lvl="1"/>
             <a:r>
-              <a:rPr lang="en-US" dirty="0" smtClean="0"/>
+              <a:rPr lang="en-US" dirty="0"/>
               <a:t>Consists of fencing, hardware door locks, and mantraps to limit contact with devices</a:t>
             </a:r>
           </a:p>
           <a:p>
             <a:r>
-              <a:rPr lang="en-US" dirty="0" smtClean="0"/>
+              <a:rPr lang="en-US" dirty="0"/>
               <a:t>Technical access control</a:t>
             </a:r>
           </a:p>
           <a:p>
             <a:pPr lvl="1"/>
             <a:r>
-              <a:rPr lang="en-US" dirty="0" smtClean="0"/>
+              <a:rPr lang="en-US" dirty="0"/>
               <a:t>Consists of technology restrictions that limit users on computers from accessing data</a:t>
             </a:r>
           </a:p>
           <a:p>
             <a:r>
-              <a:rPr lang="en-US" dirty="0" smtClean="0"/>
+              <a:rPr lang="en-US" dirty="0"/>
               <a:t>There are four standard access control models</a:t>
             </a:r>
           </a:p>
           <a:p>
             <a:pPr lvl="1"/>
-            <a:endParaRPr lang="en-US" dirty="0" smtClean="0"/>
+            <a:endParaRPr lang="en-US" dirty="0"/>
           </a:p>
           <a:p>
             <a:pPr lvl="1"/>
-            <a:endParaRPr lang="en-US" dirty="0" smtClean="0"/>
+            <a:endParaRPr lang="en-US" dirty="0"/>
           </a:p>
         </p:txBody>
       </p:sp>
@@ -21158,7 +21116,7 @@
   <p:timing>
     <p:tnLst>
       <p:par>
-        <p:cTn xmlns:p14="http://schemas.microsoft.com/office/powerpoint/2010/main" id="1" dur="indefinite" restart="never" nodeType="tmRoot">
+        <p:cTn id="1" dur="indefinite" restart="never" nodeType="tmRoot">
           <p:childTnLst>
             <p:seq concurrent="1" nextAc="seek">
               <p:cTn id="2" dur="indefinite" nodeType="mainSeq">
@@ -21564,7 +21522,7 @@
           <a:lstStyle/>
           <a:p>
             <a:r>
-              <a:rPr lang="en-US" smtClean="0"/>
+              <a:rPr lang="en-US"/>
               <a:t>Access Control Models</a:t>
             </a:r>
           </a:p>
@@ -21586,93 +21544,93 @@
           <a:lstStyle/>
           <a:p>
             <a:r>
-              <a:rPr lang="en-US" dirty="0" err="1" smtClean="0"/>
+              <a:rPr lang="en-US" dirty="0" err="1"/>
               <a:t>DAC</a:t>
             </a:r>
             <a:r>
-              <a:rPr lang="en-US" dirty="0" smtClean="0"/>
+              <a:rPr lang="en-US" dirty="0"/>
               <a:t> weaknesses</a:t>
             </a:r>
           </a:p>
           <a:p>
             <a:pPr lvl="1"/>
             <a:r>
-              <a:rPr lang="en-US" dirty="0" smtClean="0"/>
+              <a:rPr lang="en-US" dirty="0"/>
               <a:t>Relies on decisions by end user to set proper security level</a:t>
             </a:r>
           </a:p>
           <a:p>
             <a:pPr lvl="2"/>
             <a:r>
-              <a:rPr lang="en-US" dirty="0" smtClean="0"/>
+              <a:rPr lang="en-US" dirty="0"/>
               <a:t>Incorrect permissions may be granted</a:t>
             </a:r>
           </a:p>
           <a:p>
             <a:pPr lvl="1"/>
             <a:r>
-              <a:rPr lang="en-US" dirty="0" smtClean="0"/>
+              <a:rPr lang="en-US" dirty="0"/>
               <a:t>Subject</a:t>
             </a:r>
             <a:r>
-              <a:rPr lang="en-US" altLang="en-US" dirty="0" smtClean="0"/>
+              <a:rPr lang="en-US" altLang="en-US" dirty="0"/>
               <a:t>’</a:t>
             </a:r>
             <a:r>
-              <a:rPr lang="en-US" dirty="0" smtClean="0"/>
+              <a:rPr lang="en-US" dirty="0"/>
               <a:t>s permissions will be </a:t>
             </a:r>
             <a:r>
-              <a:rPr lang="en-US" altLang="en-US" dirty="0" smtClean="0"/>
+              <a:rPr lang="en-US" altLang="en-US" dirty="0"/>
               <a:t>“</a:t>
             </a:r>
             <a:r>
-              <a:rPr lang="en-US" dirty="0" smtClean="0"/>
+              <a:rPr lang="en-US" dirty="0"/>
               <a:t>inherited</a:t>
             </a:r>
             <a:r>
-              <a:rPr lang="en-US" altLang="en-US" dirty="0" smtClean="0"/>
+              <a:rPr lang="en-US" altLang="en-US" dirty="0"/>
               <a:t>”</a:t>
             </a:r>
             <a:r>
-              <a:rPr lang="en-US" dirty="0" smtClean="0"/>
+              <a:rPr lang="en-US" dirty="0"/>
               <a:t> by any programs the subject executes</a:t>
             </a:r>
           </a:p>
           <a:p>
             <a:pPr lvl="1"/>
             <a:r>
-              <a:rPr lang="en-US" dirty="0" smtClean="0"/>
+              <a:rPr lang="en-US" dirty="0"/>
               <a:t>Malware downloaded onto a user</a:t>
             </a:r>
             <a:r>
-              <a:rPr lang="en-US" altLang="en-US" dirty="0" smtClean="0"/>
+              <a:rPr lang="en-US" altLang="en-US" dirty="0"/>
               <a:t>’</a:t>
             </a:r>
             <a:r>
-              <a:rPr lang="en-US" dirty="0" smtClean="0"/>
+              <a:rPr lang="en-US" dirty="0"/>
               <a:t>s computer that uses the </a:t>
             </a:r>
             <a:r>
-              <a:rPr lang="en-US" dirty="0" err="1" smtClean="0"/>
+              <a:rPr lang="en-US" dirty="0" err="1"/>
               <a:t>DAC</a:t>
             </a:r>
             <a:r>
-              <a:rPr lang="en-US" dirty="0" smtClean="0"/>
+              <a:rPr lang="en-US" dirty="0"/>
               <a:t> model would then run at the same high level as the user</a:t>
             </a:r>
             <a:r>
-              <a:rPr lang="en-US" altLang="en-US" dirty="0" smtClean="0"/>
+              <a:rPr lang="en-US" altLang="en-US" dirty="0"/>
               <a:t>’</a:t>
             </a:r>
             <a:r>
-              <a:rPr lang="en-US" dirty="0" smtClean="0"/>
+              <a:rPr lang="en-US" dirty="0"/>
               <a:t>s privileges</a:t>
             </a:r>
           </a:p>
           <a:p>
             <a:pPr lvl="1"/>
-            <a:endParaRPr lang="en-US" dirty="0" smtClean="0"/>
+            <a:endParaRPr lang="en-US" dirty="0"/>
           </a:p>
         </p:txBody>
       </p:sp>
@@ -21684,7 +21642,7 @@
   <p:timing>
     <p:tnLst>
       <p:par>
-        <p:cTn xmlns:p14="http://schemas.microsoft.com/office/powerpoint/2010/main" id="1" dur="indefinite" restart="never" nodeType="tmRoot">
+        <p:cTn id="1" dur="indefinite" restart="never" nodeType="tmRoot">
           <p:childTnLst>
             <p:seq concurrent="1" nextAc="seek">
               <p:cTn id="2" dur="indefinite" nodeType="mainSeq">
@@ -21992,7 +21950,7 @@
           <a:lstStyle/>
           <a:p>
             <a:r>
-              <a:rPr lang="en-US" smtClean="0"/>
+              <a:rPr lang="en-US"/>
               <a:t>Access Control Models</a:t>
             </a:r>
           </a:p>
@@ -22014,64 +21972,64 @@
           <a:lstStyle/>
           <a:p>
             <a:r>
-              <a:rPr lang="en-US" dirty="0" smtClean="0"/>
+              <a:rPr lang="en-US" dirty="0"/>
               <a:t>Mandatory Access Control (MAC)</a:t>
             </a:r>
           </a:p>
           <a:p>
             <a:pPr lvl="1"/>
             <a:r>
-              <a:rPr lang="en-US" dirty="0" smtClean="0"/>
+              <a:rPr lang="en-US" dirty="0"/>
               <a:t>Most restrictive access control model</a:t>
             </a:r>
           </a:p>
           <a:p>
             <a:pPr lvl="1"/>
             <a:r>
-              <a:rPr lang="en-US" dirty="0" smtClean="0"/>
+              <a:rPr lang="en-US" dirty="0"/>
               <a:t>Typically found in military settings</a:t>
             </a:r>
           </a:p>
           <a:p>
             <a:pPr lvl="1"/>
             <a:r>
-              <a:rPr lang="en-US" dirty="0" smtClean="0"/>
+              <a:rPr lang="en-US" dirty="0"/>
               <a:t>Two elements</a:t>
             </a:r>
           </a:p>
           <a:p>
             <a:pPr lvl="2"/>
             <a:r>
-              <a:rPr lang="en-US" i="1" dirty="0" smtClean="0"/>
+              <a:rPr lang="en-US" i="1" dirty="0"/>
               <a:t>Labels</a:t>
             </a:r>
             <a:r>
-              <a:rPr lang="en-US" dirty="0" smtClean="0"/>
+              <a:rPr lang="en-US" dirty="0"/>
               <a:t> - Every entity is an object and is assigned a classification label that represents the relative importance of the object</a:t>
             </a:r>
           </a:p>
           <a:p>
             <a:pPr lvl="3"/>
             <a:r>
-              <a:rPr lang="en-US" dirty="0" smtClean="0"/>
+              <a:rPr lang="en-US" dirty="0"/>
               <a:t>Subjects are assigned a privilege label (clearance)</a:t>
             </a:r>
           </a:p>
           <a:p>
             <a:pPr lvl="2"/>
             <a:r>
-              <a:rPr lang="en-US" i="1" dirty="0" smtClean="0"/>
+              <a:rPr lang="en-US" i="1" dirty="0"/>
               <a:t>Levels</a:t>
             </a:r>
             <a:r>
-              <a:rPr lang="en-US" dirty="0" smtClean="0"/>
+              <a:rPr lang="en-US" dirty="0"/>
               <a:t> - a hierarchy based on the labels is used </a:t>
             </a:r>
           </a:p>
           <a:p>
             <a:pPr lvl="3"/>
             <a:r>
-              <a:rPr lang="en-US" dirty="0" smtClean="0"/>
+              <a:rPr lang="en-US" dirty="0"/>
               <a:t>Top secret has a higher level than secret, which has a higher level than confidential</a:t>
             </a:r>
           </a:p>
@@ -22085,7 +22043,7 @@
   <p:timing>
     <p:tnLst>
       <p:par>
-        <p:cTn xmlns:p14="http://schemas.microsoft.com/office/powerpoint/2010/main" id="1" dur="indefinite" restart="never" nodeType="tmRoot">
+        <p:cTn id="1" dur="indefinite" restart="never" nodeType="tmRoot">
           <p:childTnLst>
             <p:seq concurrent="1" nextAc="seek">
               <p:cTn id="2" dur="indefinite" nodeType="mainSeq">
@@ -22540,7 +22498,7 @@
           <a:lstStyle/>
           <a:p>
             <a:r>
-              <a:rPr lang="en-US" smtClean="0"/>
+              <a:rPr lang="en-US"/>
               <a:t>Access Control Models</a:t>
             </a:r>
           </a:p>
@@ -22562,62 +22520,62 @@
           <a:lstStyle/>
           <a:p>
             <a:r>
-              <a:rPr lang="en-US" dirty="0" smtClean="0"/>
+              <a:rPr lang="en-US" dirty="0"/>
               <a:t>MAC grants permissions by matching object labels with subject labels</a:t>
             </a:r>
           </a:p>
           <a:p>
             <a:pPr lvl="1"/>
             <a:r>
-              <a:rPr lang="en-US" dirty="0" smtClean="0"/>
+              <a:rPr lang="en-US" dirty="0"/>
               <a:t>Labels indicate level of privilege</a:t>
             </a:r>
           </a:p>
           <a:p>
             <a:r>
-              <a:rPr lang="en-US" dirty="0" smtClean="0"/>
+              <a:rPr lang="en-US" dirty="0"/>
               <a:t>To determine if file may be opened:</a:t>
             </a:r>
           </a:p>
           <a:p>
             <a:pPr lvl="1"/>
             <a:r>
-              <a:rPr lang="en-US" dirty="0" smtClean="0"/>
+              <a:rPr lang="en-US" dirty="0"/>
               <a:t>Object and subject labels are compared</a:t>
             </a:r>
           </a:p>
           <a:p>
             <a:pPr lvl="1"/>
             <a:r>
-              <a:rPr lang="en-US" dirty="0" smtClean="0"/>
+              <a:rPr lang="en-US" dirty="0"/>
               <a:t>The subject must have equal or greater level than object to be granted access</a:t>
             </a:r>
           </a:p>
           <a:p>
             <a:r>
-              <a:rPr lang="en-US" dirty="0" smtClean="0"/>
+              <a:rPr lang="en-US" dirty="0"/>
               <a:t>Two major implementations of MAC</a:t>
             </a:r>
           </a:p>
           <a:p>
             <a:pPr lvl="1"/>
             <a:r>
-              <a:rPr lang="en-US" dirty="0" smtClean="0"/>
+              <a:rPr lang="en-US" dirty="0"/>
               <a:t>Lattice model</a:t>
             </a:r>
           </a:p>
           <a:p>
             <a:pPr lvl="1"/>
             <a:r>
-              <a:rPr lang="en-US" dirty="0" smtClean="0"/>
+              <a:rPr lang="en-US" dirty="0"/>
               <a:t>Bell-</a:t>
             </a:r>
             <a:r>
-              <a:rPr lang="en-US" dirty="0" err="1" smtClean="0"/>
+              <a:rPr lang="en-US" dirty="0" err="1"/>
               <a:t>LaPadula</a:t>
             </a:r>
             <a:r>
-              <a:rPr lang="en-US" dirty="0" smtClean="0"/>
+              <a:rPr lang="en-US" dirty="0"/>
               <a:t> model</a:t>
             </a:r>
           </a:p>
@@ -22631,7 +22589,7 @@
   <p:timing>
     <p:tnLst>
       <p:par>
-        <p:cTn xmlns:p14="http://schemas.microsoft.com/office/powerpoint/2010/main" id="1" dur="indefinite" restart="never" nodeType="tmRoot">
+        <p:cTn id="1" dur="indefinite" restart="never" nodeType="tmRoot">
           <p:childTnLst>
             <p:seq concurrent="1" nextAc="seek">
               <p:cTn id="2" dur="indefinite" nodeType="mainSeq">
@@ -23086,7 +23044,7 @@
           <a:lstStyle/>
           <a:p>
             <a:r>
-              <a:rPr lang="en-US" smtClean="0"/>
+              <a:rPr lang="en-US"/>
               <a:t>Access Control Models</a:t>
             </a:r>
           </a:p>
@@ -23108,58 +23066,58 @@
           <a:lstStyle/>
           <a:p>
             <a:r>
-              <a:rPr lang="en-US" dirty="0" smtClean="0"/>
+              <a:rPr lang="en-US" dirty="0"/>
               <a:t>Microsoft Windows uses a MAC implementation called </a:t>
             </a:r>
             <a:r>
-              <a:rPr lang="en-US" i="1" dirty="0" smtClean="0"/>
+              <a:rPr lang="en-US" i="1" dirty="0"/>
               <a:t>Mandatory Integrity Control (MIC)</a:t>
             </a:r>
           </a:p>
           <a:p>
             <a:pPr lvl="1"/>
             <a:r>
-              <a:rPr lang="en-US" dirty="0" smtClean="0"/>
+              <a:rPr lang="en-US" dirty="0"/>
               <a:t>A security identifier (SID) is issued to the user, group, or session</a:t>
             </a:r>
           </a:p>
           <a:p>
             <a:pPr lvl="1"/>
             <a:r>
-              <a:rPr lang="en-US" dirty="0" smtClean="0"/>
+              <a:rPr lang="en-US" dirty="0"/>
               <a:t>Each time a user logs in, the SID is retrieved from the database for that user</a:t>
             </a:r>
           </a:p>
           <a:p>
             <a:pPr lvl="1"/>
             <a:r>
-              <a:rPr lang="en-US" dirty="0" smtClean="0"/>
+              <a:rPr lang="en-US" dirty="0"/>
               <a:t>SID is used to identify user with subsequent interactions with Windows</a:t>
             </a:r>
           </a:p>
           <a:p>
             <a:pPr lvl="1"/>
             <a:r>
-              <a:rPr lang="en-US" dirty="0" smtClean="0"/>
+              <a:rPr lang="en-US" dirty="0"/>
               <a:t>Windows links the SID to an integrity level</a:t>
             </a:r>
           </a:p>
           <a:p>
             <a:pPr lvl="1"/>
             <a:r>
-              <a:rPr lang="en-US" i="1" dirty="0" smtClean="0"/>
+              <a:rPr lang="en-US" i="1" dirty="0"/>
               <a:t>User Access Control (</a:t>
             </a:r>
             <a:r>
-              <a:rPr lang="en-US" i="1" dirty="0" err="1" smtClean="0"/>
+              <a:rPr lang="en-US" i="1" dirty="0" err="1"/>
               <a:t>UAC</a:t>
             </a:r>
             <a:r>
-              <a:rPr lang="en-US" i="1" dirty="0" smtClean="0"/>
+              <a:rPr lang="en-US" i="1" dirty="0"/>
               <a:t>) </a:t>
             </a:r>
             <a:r>
-              <a:rPr lang="en-US" dirty="0" smtClean="0"/>
+              <a:rPr lang="en-US" dirty="0"/>
               <a:t>- a Windows feature that controls user access to resources</a:t>
             </a:r>
           </a:p>
@@ -23173,7 +23131,7 @@
   <p:timing>
     <p:tnLst>
       <p:par>
-        <p:cTn xmlns:p14="http://schemas.microsoft.com/office/powerpoint/2010/main" id="1" dur="indefinite" restart="never" nodeType="tmRoot">
+        <p:cTn id="1" dur="indefinite" restart="never" nodeType="tmRoot">
           <p:childTnLst>
             <p:seq concurrent="1" nextAc="seek">
               <p:cTn id="2" dur="indefinite" nodeType="mainSeq">
@@ -23530,7 +23488,7 @@
           <a:lstStyle/>
           <a:p>
             <a:r>
-              <a:rPr lang="en-US" smtClean="0"/>
+              <a:rPr lang="en-US"/>
               <a:t>Access Control Models</a:t>
             </a:r>
           </a:p>
@@ -23552,85 +23510,85 @@
           <a:lstStyle/>
           <a:p>
             <a:r>
-              <a:rPr lang="en-US" dirty="0" smtClean="0"/>
+              <a:rPr lang="en-US" dirty="0"/>
               <a:t>Role Based Access Control (</a:t>
             </a:r>
             <a:r>
-              <a:rPr lang="en-US" dirty="0" err="1" smtClean="0"/>
+              <a:rPr lang="en-US" dirty="0" err="1"/>
               <a:t>RBAC</a:t>
             </a:r>
             <a:r>
-              <a:rPr lang="en-US" dirty="0" smtClean="0"/>
+              <a:rPr lang="en-US" dirty="0"/>
               <a:t>)</a:t>
             </a:r>
           </a:p>
           <a:p>
             <a:pPr lvl="1"/>
             <a:r>
-              <a:rPr lang="en-US" dirty="0" smtClean="0"/>
+              <a:rPr lang="en-US" dirty="0"/>
               <a:t>Also called </a:t>
             </a:r>
             <a:r>
-              <a:rPr lang="en-US" i="1" dirty="0" smtClean="0"/>
+              <a:rPr lang="en-US" i="1" dirty="0"/>
               <a:t>Non-Discretionary Access Control</a:t>
             </a:r>
           </a:p>
           <a:p>
             <a:pPr lvl="1"/>
             <a:r>
-              <a:rPr lang="en-US" dirty="0" smtClean="0"/>
+              <a:rPr lang="en-US" dirty="0"/>
               <a:t>Access permissions are based on user</a:t>
             </a:r>
             <a:r>
-              <a:rPr lang="en-US" altLang="en-US" dirty="0" smtClean="0"/>
+              <a:rPr lang="en-US" altLang="en-US" dirty="0"/>
               <a:t>’</a:t>
             </a:r>
             <a:r>
-              <a:rPr lang="en-US" dirty="0" smtClean="0"/>
+              <a:rPr lang="en-US" dirty="0"/>
               <a:t>s job function</a:t>
             </a:r>
           </a:p>
           <a:p>
             <a:r>
-              <a:rPr lang="en-US" dirty="0" err="1" smtClean="0"/>
+              <a:rPr lang="en-US" dirty="0" err="1"/>
               <a:t>RBAC</a:t>
             </a:r>
             <a:r>
-              <a:rPr lang="en-US" dirty="0" smtClean="0"/>
+              <a:rPr lang="en-US" dirty="0"/>
               <a:t> assigns permissions to particular roles in an organization</a:t>
             </a:r>
           </a:p>
           <a:p>
             <a:pPr lvl="1"/>
             <a:r>
-              <a:rPr lang="en-US" dirty="0" smtClean="0"/>
+              <a:rPr lang="en-US" dirty="0"/>
               <a:t>Users are assigned to those roles</a:t>
             </a:r>
           </a:p>
           <a:p>
             <a:r>
-              <a:rPr lang="en-US" dirty="0" smtClean="0"/>
+              <a:rPr lang="en-US" dirty="0"/>
               <a:t>Rule Based Access Control (</a:t>
             </a:r>
             <a:r>
-              <a:rPr lang="en-US" dirty="0" err="1" smtClean="0"/>
+              <a:rPr lang="en-US" dirty="0" err="1"/>
               <a:t>RBAC</a:t>
             </a:r>
             <a:r>
-              <a:rPr lang="en-US" dirty="0" smtClean="0"/>
+              <a:rPr lang="en-US" dirty="0"/>
               <a:t>)</a:t>
             </a:r>
           </a:p>
           <a:p>
             <a:pPr lvl="1"/>
             <a:r>
-              <a:rPr lang="en-US" dirty="0" smtClean="0"/>
+              <a:rPr lang="en-US" dirty="0"/>
               <a:t>Dynamically assigns roles to subjects based on a set of rules defined by a custodian</a:t>
             </a:r>
           </a:p>
           <a:p>
             <a:pPr lvl="1"/>
-            <a:endParaRPr lang="en-US" dirty="0" smtClean="0"/>
+            <a:endParaRPr lang="en-US" dirty="0"/>
           </a:p>
         </p:txBody>
       </p:sp>
@@ -23642,7 +23600,7 @@
   <p:timing>
     <p:tnLst>
       <p:par>
-        <p:cTn xmlns:p14="http://schemas.microsoft.com/office/powerpoint/2010/main" id="1" dur="indefinite" restart="never" nodeType="tmRoot">
+        <p:cTn id="1" dur="indefinite" restart="never" nodeType="tmRoot">
           <p:childTnLst>
             <p:seq concurrent="1" nextAc="seek">
               <p:cTn id="2" dur="indefinite" nodeType="mainSeq">
@@ -24048,7 +24006,7 @@
           <a:lstStyle/>
           <a:p>
             <a:r>
-              <a:rPr lang="en-US" smtClean="0"/>
+              <a:rPr lang="en-US"/>
               <a:t>Access Control Models</a:t>
             </a:r>
           </a:p>
@@ -24070,57 +24028,57 @@
           <a:lstStyle/>
           <a:p>
             <a:r>
-              <a:rPr lang="en-US" dirty="0" smtClean="0"/>
+              <a:rPr lang="en-US" dirty="0"/>
               <a:t>Rule Based Access Control (cont</a:t>
             </a:r>
             <a:r>
-              <a:rPr lang="en-US" altLang="en-US" dirty="0" smtClean="0"/>
+              <a:rPr lang="en-US" altLang="en-US" dirty="0"/>
               <a:t>’</a:t>
             </a:r>
             <a:r>
-              <a:rPr lang="en-US" dirty="0" smtClean="0"/>
+              <a:rPr lang="en-US" dirty="0"/>
               <a:t>d.)</a:t>
             </a:r>
           </a:p>
           <a:p>
             <a:pPr lvl="1"/>
             <a:r>
-              <a:rPr lang="en-US" dirty="0" smtClean="0"/>
+              <a:rPr lang="en-US" dirty="0"/>
               <a:t>Each resource object contains access properties based on the rules</a:t>
             </a:r>
           </a:p>
           <a:p>
             <a:pPr lvl="1"/>
             <a:r>
-              <a:rPr lang="en-US" dirty="0" smtClean="0"/>
+              <a:rPr lang="en-US" dirty="0"/>
               <a:t>When user attempts access, system checks object</a:t>
             </a:r>
             <a:r>
-              <a:rPr lang="en-US" altLang="en-US" dirty="0" smtClean="0"/>
+              <a:rPr lang="en-US" altLang="en-US" dirty="0"/>
               <a:t>’</a:t>
             </a:r>
             <a:r>
-              <a:rPr lang="en-US" dirty="0" smtClean="0"/>
+              <a:rPr lang="en-US" dirty="0"/>
               <a:t>s rules to determine access permission</a:t>
             </a:r>
           </a:p>
           <a:p>
             <a:pPr lvl="1"/>
             <a:r>
-              <a:rPr lang="en-US" dirty="0" smtClean="0"/>
+              <a:rPr lang="en-US" dirty="0"/>
               <a:t>Often used for managing user access to one or more systems</a:t>
             </a:r>
           </a:p>
           <a:p>
             <a:pPr lvl="2"/>
             <a:r>
-              <a:rPr lang="en-US" dirty="0" smtClean="0"/>
+              <a:rPr lang="en-US" dirty="0"/>
               <a:t>Business changes may trigger application of the rules specifying access changes</a:t>
             </a:r>
           </a:p>
           <a:p>
             <a:pPr lvl="1"/>
-            <a:endParaRPr lang="en-US" dirty="0" smtClean="0"/>
+            <a:endParaRPr lang="en-US" dirty="0"/>
           </a:p>
         </p:txBody>
       </p:sp>
@@ -24132,7 +24090,7 @@
   <p:timing>
     <p:tnLst>
       <p:par>
-        <p:cTn xmlns:p14="http://schemas.microsoft.com/office/powerpoint/2010/main" id="1" dur="indefinite" restart="never" nodeType="tmRoot">
+        <p:cTn id="1" dur="indefinite" restart="never" nodeType="tmRoot">
           <p:childTnLst>
             <p:seq concurrent="1" nextAc="seek">
               <p:cTn id="2" dur="indefinite" nodeType="mainSeq">
@@ -24440,7 +24398,7 @@
           <a:lstStyle/>
           <a:p>
             <a:r>
-              <a:rPr lang="en-US" smtClean="0"/>
+              <a:rPr lang="en-US"/>
               <a:t>Access Control Models</a:t>
             </a:r>
           </a:p>
@@ -24475,13 +24433,6 @@
   <p:clrMapOvr>
     <a:masterClrMapping/>
   </p:clrMapOvr>
-  <p:timing>
-    <p:tnLst>
-      <p:par>
-        <p:cTn xmlns:p14="http://schemas.microsoft.com/office/powerpoint/2010/main" id="1" dur="indefinite" restart="never" nodeType="tmRoot"/>
-      </p:par>
-    </p:tnLst>
-  </p:timing>
 </p:sld>
 </file>
 
@@ -24518,7 +24469,7 @@
           <a:lstStyle/>
           <a:p>
             <a:r>
-              <a:rPr lang="en-US" smtClean="0"/>
+              <a:rPr lang="en-US"/>
               <a:t>Best Practices for Access Control</a:t>
             </a:r>
           </a:p>
@@ -24540,55 +24491,55 @@
           <a:lstStyle/>
           <a:p>
             <a:r>
-              <a:rPr lang="en-US" dirty="0" smtClean="0"/>
+              <a:rPr lang="en-US" dirty="0"/>
               <a:t>Establishing best practices for limiting access</a:t>
             </a:r>
           </a:p>
           <a:p>
             <a:pPr lvl="1"/>
             <a:r>
-              <a:rPr lang="en-US" dirty="0" smtClean="0"/>
+              <a:rPr lang="en-US" dirty="0"/>
               <a:t>Can help secure systems and data</a:t>
             </a:r>
           </a:p>
           <a:p>
             <a:r>
-              <a:rPr lang="en-US" dirty="0" smtClean="0"/>
+              <a:rPr lang="en-US" dirty="0"/>
               <a:t>Examples of best practices</a:t>
             </a:r>
           </a:p>
           <a:p>
             <a:pPr lvl="1"/>
             <a:r>
-              <a:rPr lang="en-US" dirty="0" smtClean="0"/>
+              <a:rPr lang="en-US" dirty="0"/>
               <a:t>Separation of duties</a:t>
             </a:r>
           </a:p>
           <a:p>
             <a:pPr lvl="1"/>
             <a:r>
-              <a:rPr lang="en-US" dirty="0" smtClean="0"/>
+              <a:rPr lang="en-US" dirty="0"/>
               <a:t>Job rotation</a:t>
             </a:r>
           </a:p>
           <a:p>
             <a:pPr lvl="1"/>
             <a:r>
-              <a:rPr lang="en-US" dirty="0" smtClean="0"/>
+              <a:rPr lang="en-US" dirty="0"/>
               <a:t>Least privilege</a:t>
             </a:r>
           </a:p>
           <a:p>
             <a:pPr lvl="1"/>
             <a:r>
-              <a:rPr lang="en-US" dirty="0" smtClean="0"/>
+              <a:rPr lang="en-US" dirty="0"/>
               <a:t>Implicit deny</a:t>
             </a:r>
           </a:p>
           <a:p>
             <a:pPr lvl="1"/>
             <a:r>
-              <a:rPr lang="en-US" dirty="0" smtClean="0"/>
+              <a:rPr lang="en-US" dirty="0"/>
               <a:t>Mandatory vacations</a:t>
             </a:r>
           </a:p>
@@ -24602,7 +24553,7 @@
   <p:timing>
     <p:tnLst>
       <p:par>
-        <p:cTn xmlns:p14="http://schemas.microsoft.com/office/powerpoint/2010/main" id="1" dur="indefinite" restart="never" nodeType="tmRoot">
+        <p:cTn id="1" dur="indefinite" restart="never" nodeType="tmRoot">
           <p:childTnLst>
             <p:seq concurrent="1" nextAc="seek">
               <p:cTn id="2" dur="indefinite" nodeType="mainSeq">
@@ -25057,10 +25008,9 @@
           <a:lstStyle/>
           <a:p>
             <a:r>
-              <a:rPr lang="en-US" dirty="0" smtClean="0"/>
+              <a:rPr lang="en-US" dirty="0"/>
               <a:t>Course survey!</a:t>
             </a:r>
-            <a:endParaRPr lang="en-US" dirty="0"/>
           </a:p>
         </p:txBody>
       </p:sp>
@@ -25079,23 +25029,22 @@
           <a:bodyPr/>
           <a:lstStyle/>
           <a:p>
-            <a:endParaRPr lang="en-US" dirty="0" smtClean="0"/>
-          </a:p>
-          <a:p>
             <a:endParaRPr lang="en-US" dirty="0"/>
           </a:p>
           <a:p>
-            <a:endParaRPr lang="en-US" dirty="0" smtClean="0"/>
+            <a:endParaRPr lang="en-US" dirty="0"/>
+          </a:p>
+          <a:p>
+            <a:endParaRPr lang="en-US" dirty="0"/>
           </a:p>
           <a:p>
             <a:pPr marL="0" indent="0">
               <a:buNone/>
             </a:pPr>
             <a:r>
-              <a:rPr lang="en-US" dirty="0" smtClean="0"/>
+              <a:rPr lang="en-US" dirty="0"/>
               <a:t>http://svy.mk/2eongaZ</a:t>
             </a:r>
-            <a:endParaRPr lang="en-US" dirty="0"/>
           </a:p>
         </p:txBody>
       </p:sp>
@@ -25109,13 +25058,6 @@
   <p:clrMapOvr>
     <a:masterClrMapping/>
   </p:clrMapOvr>
-  <p:timing>
-    <p:tnLst>
-      <p:par>
-        <p:cTn xmlns:p14="http://schemas.microsoft.com/office/powerpoint/2010/main" id="1" dur="indefinite" restart="never" nodeType="tmRoot"/>
-      </p:par>
-    </p:tnLst>
-  </p:timing>
 </p:sld>
 </file>
 
@@ -25152,7 +25094,7 @@
           <a:lstStyle/>
           <a:p>
             <a:r>
-              <a:rPr lang="en-US" smtClean="0"/>
+              <a:rPr lang="en-US"/>
               <a:t>Best Practices for Access Control</a:t>
             </a:r>
           </a:p>
@@ -25174,41 +25116,41 @@
           <a:lstStyle/>
           <a:p>
             <a:r>
-              <a:rPr lang="en-US" dirty="0" smtClean="0"/>
+              <a:rPr lang="en-US" dirty="0"/>
               <a:t>Separation of duties</a:t>
             </a:r>
           </a:p>
           <a:p>
             <a:pPr lvl="1"/>
             <a:r>
-              <a:rPr lang="en-US" dirty="0" smtClean="0"/>
+              <a:rPr lang="en-US" dirty="0"/>
               <a:t>Fraud can result from single user being trusted with complete control of a process</a:t>
             </a:r>
           </a:p>
           <a:p>
             <a:pPr lvl="1"/>
             <a:r>
-              <a:rPr lang="en-US" dirty="0" smtClean="0"/>
+              <a:rPr lang="en-US" dirty="0"/>
               <a:t>Requires two or more people responsible for functions related to handling money</a:t>
             </a:r>
           </a:p>
           <a:p>
             <a:pPr lvl="1"/>
             <a:r>
-              <a:rPr lang="en-US" dirty="0" smtClean="0"/>
+              <a:rPr lang="en-US" dirty="0"/>
               <a:t>The system is not vulnerable to actions of a single person</a:t>
             </a:r>
           </a:p>
           <a:p>
             <a:r>
-              <a:rPr lang="en-US" dirty="0" smtClean="0"/>
+              <a:rPr lang="en-US" dirty="0"/>
               <a:t>Job rotation</a:t>
             </a:r>
           </a:p>
           <a:p>
             <a:pPr lvl="1"/>
             <a:r>
-              <a:rPr lang="en-US" dirty="0" smtClean="0"/>
+              <a:rPr lang="en-US" dirty="0"/>
               <a:t>Individuals periodically moved between job responsibilities</a:t>
             </a:r>
           </a:p>
@@ -25222,7 +25164,7 @@
   <p:timing>
     <p:tnLst>
       <p:par>
-        <p:cTn xmlns:p14="http://schemas.microsoft.com/office/powerpoint/2010/main" id="1" dur="indefinite" restart="never" nodeType="tmRoot">
+        <p:cTn id="1" dur="indefinite" restart="never" nodeType="tmRoot">
           <p:childTnLst>
             <p:seq concurrent="1" nextAc="seek">
               <p:cTn id="2" dur="indefinite" nodeType="mainSeq">
@@ -25579,7 +25521,7 @@
           <a:lstStyle/>
           <a:p>
             <a:r>
-              <a:rPr lang="en-US" smtClean="0"/>
+              <a:rPr lang="en-US"/>
               <a:t>Access Control Terminology</a:t>
             </a:r>
           </a:p>
@@ -25601,69 +25543,69 @@
           <a:lstStyle/>
           <a:p>
             <a:r>
-              <a:rPr lang="en-US" dirty="0" smtClean="0"/>
+              <a:rPr lang="en-US" dirty="0"/>
               <a:t>Identification</a:t>
             </a:r>
           </a:p>
           <a:p>
             <a:pPr lvl="1"/>
             <a:r>
-              <a:rPr lang="en-US" dirty="0" smtClean="0"/>
+              <a:rPr lang="en-US" dirty="0"/>
               <a:t>Presenting credentials</a:t>
             </a:r>
           </a:p>
           <a:p>
             <a:pPr lvl="1"/>
             <a:r>
-              <a:rPr lang="en-US" dirty="0" smtClean="0"/>
+              <a:rPr lang="en-US" dirty="0"/>
               <a:t>Example: delivery driver presenting employee badge</a:t>
             </a:r>
           </a:p>
           <a:p>
             <a:r>
-              <a:rPr lang="en-US" dirty="0" smtClean="0"/>
+              <a:rPr lang="en-US" dirty="0"/>
               <a:t>Authentication</a:t>
             </a:r>
           </a:p>
           <a:p>
             <a:pPr lvl="1"/>
             <a:r>
-              <a:rPr lang="en-US" dirty="0" smtClean="0"/>
+              <a:rPr lang="en-US" dirty="0"/>
               <a:t>Checking the credentials</a:t>
             </a:r>
           </a:p>
           <a:p>
             <a:pPr lvl="1"/>
             <a:r>
-              <a:rPr lang="en-US" dirty="0" smtClean="0"/>
+              <a:rPr lang="en-US" dirty="0"/>
               <a:t>Example: examining the delivery driver</a:t>
             </a:r>
             <a:r>
-              <a:rPr lang="en-US" altLang="en-US" dirty="0" smtClean="0"/>
+              <a:rPr lang="en-US" altLang="en-US" dirty="0"/>
               <a:t>’</a:t>
             </a:r>
             <a:r>
-              <a:rPr lang="en-US" dirty="0" smtClean="0"/>
+              <a:rPr lang="en-US" dirty="0"/>
               <a:t>s badge</a:t>
             </a:r>
           </a:p>
           <a:p>
             <a:r>
-              <a:rPr lang="en-US" dirty="0" smtClean="0"/>
+              <a:rPr lang="en-US" dirty="0"/>
               <a:t>Authorization</a:t>
             </a:r>
           </a:p>
           <a:p>
             <a:pPr lvl="1"/>
             <a:r>
-              <a:rPr lang="en-US" dirty="0" smtClean="0"/>
+              <a:rPr lang="en-US" dirty="0"/>
               <a:t>Granting permission to take action</a:t>
             </a:r>
           </a:p>
           <a:p>
             <a:pPr lvl="1"/>
             <a:r>
-              <a:rPr lang="en-US" dirty="0" smtClean="0"/>
+              <a:rPr lang="en-US" dirty="0"/>
               <a:t>Example: allowing delivery driver to pick up package</a:t>
             </a:r>
           </a:p>
@@ -25677,7 +25619,7 @@
   <p:timing>
     <p:tnLst>
       <p:par>
-        <p:cTn xmlns:p14="http://schemas.microsoft.com/office/powerpoint/2010/main" id="1" dur="indefinite" restart="never" nodeType="tmRoot">
+        <p:cTn id="1" dur="indefinite" restart="never" nodeType="tmRoot">
           <p:childTnLst>
             <p:seq concurrent="1" nextAc="seek">
               <p:cTn id="2" dur="indefinite" nodeType="mainSeq">
@@ -26181,7 +26123,7 @@
           <a:lstStyle/>
           <a:p>
             <a:r>
-              <a:rPr lang="en-US" smtClean="0"/>
+              <a:rPr lang="en-US"/>
               <a:t>Best Practices for Access Control</a:t>
             </a:r>
           </a:p>
@@ -26203,64 +26145,64 @@
           <a:lstStyle/>
           <a:p>
             <a:r>
-              <a:rPr lang="en-US" dirty="0" smtClean="0"/>
+              <a:rPr lang="en-US" dirty="0"/>
               <a:t>Job rotation (cont</a:t>
             </a:r>
             <a:r>
-              <a:rPr lang="en-US" altLang="en-US" dirty="0" smtClean="0"/>
+              <a:rPr lang="en-US" altLang="en-US" dirty="0"/>
               <a:t>’</a:t>
             </a:r>
             <a:r>
-              <a:rPr lang="en-US" dirty="0" smtClean="0"/>
+              <a:rPr lang="en-US" dirty="0"/>
               <a:t>d.)</a:t>
             </a:r>
           </a:p>
           <a:p>
             <a:pPr lvl="1"/>
             <a:r>
-              <a:rPr lang="en-US" dirty="0" smtClean="0"/>
+              <a:rPr lang="en-US" dirty="0"/>
               <a:t>Employees can rotate </a:t>
             </a:r>
             <a:r>
-              <a:rPr lang="en-US" smtClean="0"/>
+              <a:rPr lang="en-US"/>
               <a:t>within 1 department </a:t>
             </a:r>
             <a:r>
-              <a:rPr lang="en-US" dirty="0" smtClean="0"/>
+              <a:rPr lang="en-US" dirty="0"/>
               <a:t>or across departments</a:t>
             </a:r>
           </a:p>
           <a:p>
             <a:r>
-              <a:rPr lang="en-US" dirty="0" smtClean="0"/>
+              <a:rPr lang="en-US" dirty="0"/>
               <a:t>Advantages of job rotation</a:t>
             </a:r>
           </a:p>
           <a:p>
             <a:pPr lvl="1"/>
             <a:r>
-              <a:rPr lang="en-US" dirty="0" smtClean="0"/>
+              <a:rPr lang="en-US" dirty="0"/>
               <a:t>Limits amount of time individuals are in a position to manipulate security configurations</a:t>
             </a:r>
           </a:p>
           <a:p>
             <a:pPr lvl="1"/>
             <a:r>
-              <a:rPr lang="en-US" dirty="0" smtClean="0"/>
+              <a:rPr lang="en-US" dirty="0"/>
               <a:t>Helps expose potential avenues for fraud</a:t>
             </a:r>
           </a:p>
           <a:p>
             <a:pPr lvl="2"/>
             <a:r>
-              <a:rPr lang="en-US" dirty="0" smtClean="0"/>
+              <a:rPr lang="en-US" dirty="0"/>
               <a:t>Individuals have different perspectives and may uncover vulnerabilities</a:t>
             </a:r>
           </a:p>
           <a:p>
             <a:pPr lvl="1"/>
             <a:r>
-              <a:rPr lang="en-US" dirty="0" smtClean="0"/>
+              <a:rPr lang="en-US" dirty="0"/>
               <a:t>Reduces employee burnout</a:t>
             </a:r>
           </a:p>
@@ -26274,7 +26216,7 @@
   <p:timing>
     <p:tnLst>
       <p:par>
-        <p:cTn xmlns:p14="http://schemas.microsoft.com/office/powerpoint/2010/main" id="1" dur="indefinite" restart="never" nodeType="tmRoot">
+        <p:cTn id="1" dur="indefinite" restart="never" nodeType="tmRoot">
           <p:childTnLst>
             <p:seq concurrent="1" nextAc="seek">
               <p:cTn id="2" dur="indefinite" nodeType="mainSeq">
@@ -26680,7 +26622,7 @@
           <a:lstStyle/>
           <a:p>
             <a:r>
-              <a:rPr lang="en-US" smtClean="0"/>
+              <a:rPr lang="en-US"/>
               <a:t>Best Practices for Access Control</a:t>
             </a:r>
           </a:p>
@@ -26705,7 +26647,7 @@
               <a:defRPr/>
             </a:pPr>
             <a:r>
-              <a:rPr lang="en-US" altLang="en-US" dirty="0" smtClean="0">
+              <a:rPr lang="en-US" altLang="en-US" dirty="0">
                 <a:ea typeface="+mn-ea"/>
               </a:rPr>
               <a:t>Least privilege</a:t>
@@ -26716,7 +26658,7 @@
               <a:defRPr/>
             </a:pPr>
             <a:r>
-              <a:rPr lang="en-US" altLang="en-US" dirty="0" smtClean="0">
+              <a:rPr lang="en-US" altLang="en-US" dirty="0">
                 <a:ea typeface="ＭＳ Ｐゴシック" charset="0"/>
               </a:rPr>
               <a:t>Limiting access to information based on what is needed to perform a job function</a:t>
@@ -26727,7 +26669,7 @@
               <a:defRPr/>
             </a:pPr>
             <a:r>
-              <a:rPr lang="en-US" altLang="en-US" dirty="0" smtClean="0">
+              <a:rPr lang="en-US" altLang="en-US" dirty="0">
                 <a:ea typeface="ＭＳ Ｐゴシック" charset="0"/>
               </a:rPr>
               <a:t>Helps reduce attack surface by eliminating unnecessary privileges</a:t>
@@ -26738,7 +26680,7 @@
               <a:defRPr/>
             </a:pPr>
             <a:r>
-              <a:rPr lang="en-US" altLang="en-US" dirty="0" smtClean="0">
+              <a:rPr lang="en-US" altLang="en-US" dirty="0">
                 <a:ea typeface="ＭＳ Ｐゴシック" charset="0"/>
               </a:rPr>
               <a:t>Should apply to users and to processes running on the system</a:t>
@@ -26749,7 +26691,7 @@
               <a:defRPr/>
             </a:pPr>
             <a:r>
-              <a:rPr lang="en-US" altLang="en-US" dirty="0" smtClean="0">
+              <a:rPr lang="en-US" altLang="en-US" dirty="0">
                 <a:ea typeface="ＭＳ Ｐゴシック" charset="0"/>
               </a:rPr>
               <a:t>Processes should run at minimum security level needed to correctly function</a:t>
@@ -26761,7 +26703,7 @@
               <a:buNone/>
               <a:defRPr/>
             </a:pPr>
-            <a:endParaRPr lang="en-US" altLang="en-US" dirty="0" smtClean="0">
+            <a:endParaRPr lang="en-US" altLang="en-US" dirty="0">
               <a:ea typeface="ＭＳ Ｐゴシック" charset="0"/>
             </a:endParaRPr>
           </a:p>
@@ -26775,7 +26717,7 @@
   <p:timing>
     <p:tnLst>
       <p:par>
-        <p:cTn xmlns:p14="http://schemas.microsoft.com/office/powerpoint/2010/main" id="1" dur="indefinite" restart="never" nodeType="tmRoot">
+        <p:cTn id="1" dur="indefinite" restart="never" nodeType="tmRoot">
           <p:childTnLst>
             <p:seq concurrent="1" nextAc="seek">
               <p:cTn id="2" dur="indefinite" nodeType="mainSeq">
@@ -27083,7 +27025,7 @@
           <a:lstStyle/>
           <a:p>
             <a:r>
-              <a:rPr lang="en-US" smtClean="0"/>
+              <a:rPr lang="en-US"/>
               <a:t>Best Practices for Access Control</a:t>
             </a:r>
           </a:p>
@@ -27105,55 +27047,55 @@
           <a:lstStyle/>
           <a:p>
             <a:r>
-              <a:rPr lang="en-US" dirty="0" smtClean="0"/>
+              <a:rPr lang="en-US" dirty="0"/>
               <a:t>Implicit deny</a:t>
             </a:r>
           </a:p>
           <a:p>
             <a:pPr lvl="1"/>
             <a:r>
-              <a:rPr lang="en-US" dirty="0" smtClean="0"/>
+              <a:rPr lang="en-US" dirty="0"/>
               <a:t>If a condition is not explicitly met, access request is rejected</a:t>
             </a:r>
           </a:p>
           <a:p>
             <a:pPr lvl="1"/>
             <a:r>
-              <a:rPr lang="en-US" dirty="0" smtClean="0"/>
+              <a:rPr lang="en-US" dirty="0"/>
               <a:t>Example: network router rejects access to all except conditions matching the rule restrictions</a:t>
             </a:r>
           </a:p>
           <a:p>
             <a:r>
-              <a:rPr lang="en-US" dirty="0" smtClean="0"/>
+              <a:rPr lang="en-US" dirty="0"/>
               <a:t>Mandatory vacations</a:t>
             </a:r>
           </a:p>
           <a:p>
             <a:pPr lvl="1"/>
             <a:r>
-              <a:rPr lang="en-US" dirty="0" smtClean="0"/>
+              <a:rPr lang="en-US" dirty="0"/>
               <a:t>Limits fraud, because perpetrator must be present daily to hide fraudulent actions</a:t>
             </a:r>
           </a:p>
           <a:p>
             <a:pPr lvl="1"/>
             <a:r>
-              <a:rPr lang="en-US" dirty="0" smtClean="0"/>
+              <a:rPr lang="en-US" dirty="0"/>
               <a:t>Audit of employee</a:t>
             </a:r>
             <a:r>
-              <a:rPr lang="en-US" altLang="en-US" dirty="0" smtClean="0"/>
+              <a:rPr lang="en-US" altLang="en-US" dirty="0"/>
               <a:t>’</a:t>
             </a:r>
             <a:r>
-              <a:rPr lang="en-US" dirty="0" smtClean="0"/>
+              <a:rPr lang="en-US" dirty="0"/>
               <a:t>s activities usually scheduled during vacation for sensitive positions</a:t>
             </a:r>
           </a:p>
           <a:p>
             <a:pPr lvl="1"/>
-            <a:endParaRPr lang="en-US" dirty="0" smtClean="0"/>
+            <a:endParaRPr lang="en-US" dirty="0"/>
           </a:p>
         </p:txBody>
       </p:sp>
@@ -27165,7 +27107,7 @@
   <p:timing>
     <p:tnLst>
       <p:par>
-        <p:cTn xmlns:p14="http://schemas.microsoft.com/office/powerpoint/2010/main" id="1" dur="indefinite" restart="never" nodeType="tmRoot">
+        <p:cTn id="1" dur="indefinite" restart="never" nodeType="tmRoot">
           <p:childTnLst>
             <p:seq concurrent="1" nextAc="seek">
               <p:cTn id="2" dur="indefinite" nodeType="mainSeq">
@@ -27522,7 +27464,7 @@
           <a:lstStyle/>
           <a:p>
             <a:r>
-              <a:rPr lang="en-US" smtClean="0"/>
+              <a:rPr lang="en-US"/>
               <a:t>Implementing Access Control</a:t>
             </a:r>
           </a:p>
@@ -27544,28 +27486,28 @@
           <a:lstStyle/>
           <a:p>
             <a:r>
-              <a:rPr lang="en-US" dirty="0" smtClean="0"/>
+              <a:rPr lang="en-US" dirty="0"/>
               <a:t>Technologies used to implement access control</a:t>
             </a:r>
           </a:p>
           <a:p>
             <a:pPr lvl="1"/>
             <a:r>
-              <a:rPr lang="en-US" dirty="0" smtClean="0"/>
+              <a:rPr lang="en-US" dirty="0"/>
               <a:t>Access control lists</a:t>
             </a:r>
           </a:p>
           <a:p>
             <a:pPr lvl="1"/>
             <a:r>
-              <a:rPr lang="en-US" dirty="0" smtClean="0"/>
+              <a:rPr lang="en-US" dirty="0"/>
               <a:t>Group Policy</a:t>
             </a:r>
           </a:p>
           <a:p>
             <a:pPr lvl="1"/>
             <a:r>
-              <a:rPr lang="en-US" dirty="0" smtClean="0"/>
+              <a:rPr lang="en-US" dirty="0"/>
               <a:t>Account restrictions</a:t>
             </a:r>
           </a:p>
@@ -27579,7 +27521,7 @@
   <p:timing>
     <p:tnLst>
       <p:par>
-        <p:cTn xmlns:p14="http://schemas.microsoft.com/office/powerpoint/2010/main" id="1" dur="indefinite" restart="never" nodeType="tmRoot">
+        <p:cTn id="1" dur="indefinite" restart="never" nodeType="tmRoot">
           <p:childTnLst>
             <p:seq concurrent="1" nextAc="seek">
               <p:cTn id="2" dur="indefinite" nodeType="mainSeq">
@@ -27838,7 +27780,7 @@
           <a:lstStyle/>
           <a:p>
             <a:r>
-              <a:rPr lang="en-US" smtClean="0"/>
+              <a:rPr lang="en-US"/>
               <a:t>Access Control Lists</a:t>
             </a:r>
           </a:p>
@@ -27860,43 +27802,43 @@
           <a:lstStyle/>
           <a:p>
             <a:r>
-              <a:rPr lang="en-US" b="1" dirty="0" smtClean="0"/>
+              <a:rPr lang="en-US" b="1" dirty="0"/>
               <a:t>Access control list (ACL)</a:t>
             </a:r>
           </a:p>
           <a:p>
             <a:pPr lvl="1"/>
             <a:r>
-              <a:rPr lang="en-US" dirty="0" smtClean="0"/>
+              <a:rPr lang="en-US" dirty="0"/>
               <a:t>A set of permissions attached to an object</a:t>
             </a:r>
           </a:p>
           <a:p>
             <a:r>
-              <a:rPr lang="en-US" dirty="0" smtClean="0"/>
+              <a:rPr lang="en-US" dirty="0"/>
               <a:t>Specifies which subjects may access the object and what operations they can perform</a:t>
             </a:r>
           </a:p>
           <a:p>
             <a:r>
-              <a:rPr lang="en-US" dirty="0" smtClean="0"/>
+              <a:rPr lang="en-US" dirty="0"/>
               <a:t>When a subject requests to perform an operation:</a:t>
             </a:r>
           </a:p>
           <a:p>
             <a:pPr lvl="1"/>
             <a:r>
-              <a:rPr lang="en-US" dirty="0" smtClean="0"/>
+              <a:rPr lang="en-US" dirty="0"/>
               <a:t>System checks ACL for an approved entry</a:t>
             </a:r>
           </a:p>
           <a:p>
             <a:r>
-              <a:rPr lang="en-US" dirty="0" err="1" smtClean="0"/>
+              <a:rPr lang="en-US" dirty="0" err="1"/>
               <a:t>ACLs</a:t>
             </a:r>
             <a:r>
-              <a:rPr lang="en-US" dirty="0" smtClean="0"/>
+              <a:rPr lang="en-US" dirty="0"/>
               <a:t> are usually viewed in relation to operating system files</a:t>
             </a:r>
           </a:p>
@@ -27910,7 +27852,7 @@
   <p:timing>
     <p:tnLst>
       <p:par>
-        <p:cTn xmlns:p14="http://schemas.microsoft.com/office/powerpoint/2010/main" id="1" dur="indefinite" restart="never" nodeType="tmRoot">
+        <p:cTn id="1" dur="indefinite" restart="never" nodeType="tmRoot">
           <p:childTnLst>
             <p:seq concurrent="1" nextAc="seek">
               <p:cTn id="2" dur="indefinite" nodeType="mainSeq">
@@ -28267,7 +28209,7 @@
           <a:lstStyle/>
           <a:p>
             <a:r>
-              <a:rPr lang="en-US" smtClean="0"/>
+              <a:rPr lang="en-US"/>
               <a:t>Access Control Lists</a:t>
             </a:r>
           </a:p>
@@ -28289,47 +28231,47 @@
           <a:lstStyle/>
           <a:p>
             <a:r>
-              <a:rPr lang="en-US" dirty="0" smtClean="0"/>
+              <a:rPr lang="en-US" dirty="0"/>
               <a:t>Each entry in the ACL table is called access control entry (ACE)</a:t>
             </a:r>
           </a:p>
           <a:p>
             <a:r>
-              <a:rPr lang="en-US" dirty="0" smtClean="0"/>
+              <a:rPr lang="en-US" dirty="0"/>
               <a:t>ACE structure (Windows)</a:t>
             </a:r>
           </a:p>
           <a:p>
             <a:pPr lvl="1"/>
             <a:r>
-              <a:rPr lang="en-US" dirty="0" smtClean="0"/>
+              <a:rPr lang="en-US" dirty="0"/>
               <a:t>Security identifier (SID) for the user or group account or logon session</a:t>
             </a:r>
           </a:p>
           <a:p>
             <a:pPr lvl="1"/>
             <a:r>
-              <a:rPr lang="en-US" dirty="0" smtClean="0"/>
+              <a:rPr lang="en-US" dirty="0"/>
               <a:t>Access mask that specifies access rights controlled by ACE</a:t>
             </a:r>
           </a:p>
           <a:p>
             <a:pPr lvl="1"/>
             <a:r>
-              <a:rPr lang="en-US" dirty="0" smtClean="0"/>
+              <a:rPr lang="en-US" dirty="0"/>
               <a:t>Flag that indicates type of ACE</a:t>
             </a:r>
           </a:p>
           <a:p>
             <a:pPr lvl="1"/>
             <a:r>
-              <a:rPr lang="en-US" dirty="0" smtClean="0"/>
+              <a:rPr lang="en-US" dirty="0"/>
               <a:t>Set of flags that determine whether objects can inherit permissions</a:t>
             </a:r>
           </a:p>
           <a:p>
             <a:pPr lvl="1"/>
-            <a:endParaRPr lang="en-US" dirty="0" smtClean="0"/>
+            <a:endParaRPr lang="en-US" dirty="0"/>
           </a:p>
         </p:txBody>
       </p:sp>
@@ -28341,7 +28283,7 @@
   <p:timing>
     <p:tnLst>
       <p:par>
-        <p:cTn xmlns:p14="http://schemas.microsoft.com/office/powerpoint/2010/main" id="1" dur="indefinite" restart="never" nodeType="tmRoot">
+        <p:cTn id="1" dur="indefinite" restart="never" nodeType="tmRoot">
           <p:childTnLst>
             <p:seq concurrent="1" nextAc="seek">
               <p:cTn id="2" dur="indefinite" nodeType="mainSeq">
@@ -28698,7 +28640,7 @@
           <a:lstStyle/>
           <a:p>
             <a:r>
-              <a:rPr lang="en-US" smtClean="0"/>
+              <a:rPr lang="en-US"/>
               <a:t>Group Policies</a:t>
             </a:r>
           </a:p>
@@ -28720,56 +28662,56 @@
           <a:lstStyle/>
           <a:p>
             <a:r>
-              <a:rPr lang="en-US" b="1" dirty="0" smtClean="0"/>
+              <a:rPr lang="en-US" b="1" dirty="0"/>
               <a:t>Group Policy</a:t>
             </a:r>
           </a:p>
           <a:p>
             <a:pPr lvl="1"/>
             <a:r>
-              <a:rPr lang="en-US" dirty="0" smtClean="0"/>
+              <a:rPr lang="en-US" dirty="0"/>
               <a:t>A Microsoft Windows feature that provides centralized management and configuration of computers and remote users using Active Directory (AD)</a:t>
             </a:r>
           </a:p>
           <a:p>
             <a:pPr lvl="1"/>
             <a:r>
-              <a:rPr lang="en-US" dirty="0" smtClean="0"/>
+              <a:rPr lang="en-US" dirty="0"/>
               <a:t>Usually used in enterprise environments</a:t>
             </a:r>
           </a:p>
           <a:p>
             <a:pPr lvl="1"/>
             <a:r>
-              <a:rPr lang="en-US" dirty="0" smtClean="0"/>
+              <a:rPr lang="en-US" dirty="0"/>
               <a:t>Settings stored in Group Policy Objects (</a:t>
             </a:r>
             <a:r>
-              <a:rPr lang="en-US" dirty="0" err="1" smtClean="0"/>
+              <a:rPr lang="en-US" dirty="0" err="1"/>
               <a:t>GPOs</a:t>
             </a:r>
             <a:r>
-              <a:rPr lang="en-US" dirty="0" smtClean="0"/>
+              <a:rPr lang="en-US" dirty="0"/>
               <a:t>)</a:t>
             </a:r>
           </a:p>
           <a:p>
             <a:r>
-              <a:rPr lang="en-US" dirty="0" smtClean="0"/>
+              <a:rPr lang="en-US" dirty="0"/>
               <a:t>Local Group Policy</a:t>
             </a:r>
           </a:p>
           <a:p>
             <a:pPr lvl="1"/>
             <a:r>
-              <a:rPr lang="en-US" dirty="0" smtClean="0"/>
+              <a:rPr lang="en-US" dirty="0"/>
               <a:t>Has fewer options than a Group Policy</a:t>
             </a:r>
           </a:p>
           <a:p>
             <a:pPr lvl="1"/>
             <a:r>
-              <a:rPr lang="en-US" dirty="0" smtClean="0"/>
+              <a:rPr lang="en-US" dirty="0"/>
               <a:t>Used to configure settings for systems not part of AD</a:t>
             </a:r>
           </a:p>
@@ -28783,7 +28725,7 @@
   <p:timing>
     <p:tnLst>
       <p:par>
-        <p:cTn xmlns:p14="http://schemas.microsoft.com/office/powerpoint/2010/main" id="1" dur="indefinite" restart="never" nodeType="tmRoot">
+        <p:cTn id="1" dur="indefinite" restart="never" nodeType="tmRoot">
           <p:childTnLst>
             <p:seq concurrent="1" nextAc="seek">
               <p:cTn id="2" dur="indefinite" nodeType="mainSeq">
@@ -29189,7 +29131,7 @@
           <a:lstStyle/>
           <a:p>
             <a:r>
-              <a:rPr lang="en-US" smtClean="0"/>
+              <a:rPr lang="en-US"/>
               <a:t>Account Restrictions</a:t>
             </a:r>
           </a:p>
@@ -29211,28 +29153,28 @@
           <a:lstStyle/>
           <a:p>
             <a:r>
-              <a:rPr lang="en-US" smtClean="0"/>
+              <a:rPr lang="en-US"/>
               <a:t>Time of day restrictions</a:t>
             </a:r>
           </a:p>
           <a:p>
             <a:pPr lvl="1"/>
             <a:r>
-              <a:rPr lang="en-US" smtClean="0"/>
+              <a:rPr lang="en-US"/>
               <a:t>Limits the time of day a user may log onto a system</a:t>
             </a:r>
           </a:p>
           <a:p>
             <a:pPr lvl="1"/>
             <a:r>
-              <a:rPr lang="en-US" smtClean="0"/>
+              <a:rPr lang="en-US"/>
               <a:t>Time blocks for permitted access are chosen</a:t>
             </a:r>
           </a:p>
           <a:p>
             <a:pPr lvl="1"/>
             <a:r>
-              <a:rPr lang="en-US" smtClean="0"/>
+              <a:rPr lang="en-US"/>
               <a:t>Can be set on individual systems</a:t>
             </a:r>
           </a:p>
@@ -29267,14 +29209,14 @@
           </a:ln>
           <a:extLst>
             <a:ext uri="{909E8E84-426E-40dd-AFC4-6F175D3DCCD1}">
-              <a14:hiddenFill xmlns:a14="http://schemas.microsoft.com/office/drawing/2010/main">
+              <a14:hiddenFill xmlns:a14="http://schemas.microsoft.com/office/drawing/2010/main" xmlns="">
                 <a:solidFill>
                   <a:srgbClr val="FFFFFF"/>
                 </a:solidFill>
               </a14:hiddenFill>
             </a:ext>
             <a:ext uri="{91240B29-F687-4f45-9708-019B960494DF}">
-              <a14:hiddenLine xmlns:a14="http://schemas.microsoft.com/office/drawing/2010/main" w="9525">
+              <a14:hiddenLine xmlns:a14="http://schemas.microsoft.com/office/drawing/2010/main" xmlns="" w="9525">
                 <a:solidFill>
                   <a:srgbClr val="000000"/>
                 </a:solidFill>
@@ -29291,13 +29233,6 @@
   <p:clrMapOvr>
     <a:masterClrMapping/>
   </p:clrMapOvr>
-  <p:timing>
-    <p:tnLst>
-      <p:par>
-        <p:cTn xmlns:p14="http://schemas.microsoft.com/office/powerpoint/2010/main" id="1" dur="indefinite" restart="never" nodeType="tmRoot"/>
-      </p:par>
-    </p:tnLst>
-  </p:timing>
 </p:sld>
 </file>
 
@@ -29334,7 +29269,7 @@
           <a:lstStyle/>
           <a:p>
             <a:r>
-              <a:rPr lang="en-US" smtClean="0"/>
+              <a:rPr lang="en-US"/>
               <a:t>Account Restrictions</a:t>
             </a:r>
           </a:p>
@@ -29369,13 +29304,6 @@
   <p:clrMapOvr>
     <a:masterClrMapping/>
   </p:clrMapOvr>
-  <p:timing>
-    <p:tnLst>
-      <p:par>
-        <p:cTn xmlns:p14="http://schemas.microsoft.com/office/powerpoint/2010/main" id="1" dur="indefinite" restart="never" nodeType="tmRoot"/>
-      </p:par>
-    </p:tnLst>
-  </p:timing>
 </p:sld>
 </file>
 
@@ -29412,7 +29340,7 @@
           <a:lstStyle/>
           <a:p>
             <a:r>
-              <a:rPr lang="en-US" smtClean="0"/>
+              <a:rPr lang="en-US"/>
               <a:t>Account Restrictions</a:t>
             </a:r>
           </a:p>
@@ -29442,7 +29370,7 @@
               <a:defRPr/>
             </a:pPr>
             <a:r>
-              <a:rPr lang="en-US" altLang="en-US" dirty="0" smtClean="0">
+              <a:rPr lang="en-US" altLang="en-US" dirty="0">
                 <a:ea typeface="+mn-ea"/>
               </a:rPr>
               <a:t>Account expiration</a:t>
@@ -29453,7 +29381,7 @@
               <a:defRPr/>
             </a:pPr>
             <a:r>
-              <a:rPr lang="en-US" altLang="en-US" dirty="0" smtClean="0">
+              <a:rPr lang="en-US" altLang="en-US" dirty="0">
                 <a:ea typeface="ＭＳ Ｐゴシック" charset="0"/>
               </a:rPr>
               <a:t>Orphaned accounts: accounts that remain active after an employee has left the organization</a:t>
@@ -29464,7 +29392,7 @@
               <a:defRPr/>
             </a:pPr>
             <a:r>
-              <a:rPr lang="en-US" altLang="en-US" dirty="0" smtClean="0">
+              <a:rPr lang="en-US" altLang="en-US" dirty="0">
                 <a:ea typeface="ＭＳ Ｐゴシック" charset="0"/>
               </a:rPr>
               <a:t>Dormant accounts: not accessed for a lengthy period of time</a:t>
@@ -29475,7 +29403,7 @@
               <a:defRPr/>
             </a:pPr>
             <a:r>
-              <a:rPr lang="en-US" altLang="en-US" dirty="0" smtClean="0">
+              <a:rPr lang="en-US" altLang="en-US" dirty="0">
                 <a:ea typeface="+mn-ea"/>
               </a:rPr>
               <a:t>Recommendations for dealing with orphaned or dormant accounts</a:t>
@@ -29486,7 +29414,7 @@
               <a:defRPr/>
             </a:pPr>
             <a:r>
-              <a:rPr lang="en-US" altLang="en-US" dirty="0" smtClean="0">
+              <a:rPr lang="en-US" altLang="en-US" dirty="0">
                 <a:ea typeface="ＭＳ Ｐゴシック" charset="0"/>
               </a:rPr>
               <a:t>Establish a formal process</a:t>
@@ -29497,7 +29425,7 @@
               <a:defRPr/>
             </a:pPr>
             <a:r>
-              <a:rPr lang="en-US" altLang="en-US" dirty="0" smtClean="0">
+              <a:rPr lang="en-US" altLang="en-US" dirty="0">
                 <a:ea typeface="ＭＳ Ｐゴシック" charset="0"/>
               </a:rPr>
               <a:t>Terminate access immediately</a:t>
@@ -29508,7 +29436,7 @@
               <a:defRPr/>
             </a:pPr>
             <a:r>
-              <a:rPr lang="en-US" altLang="en-US" dirty="0" smtClean="0">
+              <a:rPr lang="en-US" altLang="en-US" dirty="0">
                 <a:ea typeface="ＭＳ Ｐゴシック" charset="0"/>
               </a:rPr>
               <a:t>Monitor logs</a:t>
@@ -29520,7 +29448,7 @@
               <a:buNone/>
               <a:defRPr/>
             </a:pPr>
-            <a:endParaRPr lang="en-US" altLang="en-US" dirty="0" smtClean="0">
+            <a:endParaRPr lang="en-US" altLang="en-US" dirty="0">
               <a:ea typeface="+mn-ea"/>
             </a:endParaRPr>
           </a:p>
@@ -29534,7 +29462,7 @@
   <p:timing>
     <p:tnLst>
       <p:par>
-        <p:cTn xmlns:p14="http://schemas.microsoft.com/office/powerpoint/2010/main" id="1" dur="indefinite" restart="never" nodeType="tmRoot">
+        <p:cTn id="1" dur="indefinite" restart="never" nodeType="tmRoot">
           <p:childTnLst>
             <p:seq concurrent="1" nextAc="seek">
               <p:cTn id="2" dur="indefinite" nodeType="mainSeq">
@@ -29940,7 +29868,7 @@
           <a:lstStyle/>
           <a:p>
             <a:r>
-              <a:rPr lang="en-US" smtClean="0"/>
+              <a:rPr lang="en-US"/>
               <a:t>Access Control Terminology</a:t>
             </a:r>
           </a:p>
@@ -29975,13 +29903,6 @@
   <p:clrMapOvr>
     <a:masterClrMapping/>
   </p:clrMapOvr>
-  <p:timing>
-    <p:tnLst>
-      <p:par>
-        <p:cTn xmlns:p14="http://schemas.microsoft.com/office/powerpoint/2010/main" id="1" dur="indefinite" restart="never" nodeType="tmRoot"/>
-      </p:par>
-    </p:tnLst>
-  </p:timing>
 </p:sld>
 </file>
 
@@ -30018,7 +29939,7 @@
           <a:lstStyle/>
           <a:p>
             <a:r>
-              <a:rPr lang="en-US" smtClean="0"/>
+              <a:rPr lang="en-US"/>
               <a:t>Account Restrictions</a:t>
             </a:r>
           </a:p>
@@ -30040,55 +29961,55 @@
           <a:lstStyle/>
           <a:p>
             <a:r>
-              <a:rPr lang="en-US" dirty="0" smtClean="0"/>
+              <a:rPr lang="en-US" dirty="0"/>
               <a:t>Orphaned accounts remain a problem in today</a:t>
             </a:r>
             <a:r>
-              <a:rPr lang="en-US" altLang="en-US" dirty="0" smtClean="0"/>
+              <a:rPr lang="en-US" altLang="en-US" dirty="0"/>
               <a:t>’</a:t>
             </a:r>
             <a:r>
-              <a:rPr lang="en-US" dirty="0" smtClean="0"/>
+              <a:rPr lang="en-US" dirty="0"/>
               <a:t>s organizations</a:t>
             </a:r>
           </a:p>
           <a:p>
             <a:r>
-              <a:rPr lang="en-US" dirty="0" smtClean="0"/>
+              <a:rPr lang="en-US" dirty="0"/>
               <a:t>Account expiration </a:t>
             </a:r>
           </a:p>
           <a:p>
             <a:pPr lvl="1"/>
             <a:r>
-              <a:rPr lang="en-US" dirty="0" smtClean="0"/>
+              <a:rPr lang="en-US" dirty="0"/>
               <a:t>Sets a user</a:t>
             </a:r>
             <a:r>
-              <a:rPr lang="en-US" altLang="en-US" dirty="0" smtClean="0"/>
+              <a:rPr lang="en-US" altLang="en-US" dirty="0"/>
               <a:t>’</a:t>
             </a:r>
             <a:r>
-              <a:rPr lang="en-US" dirty="0" smtClean="0"/>
+              <a:rPr lang="en-US" dirty="0"/>
               <a:t>s account to expire</a:t>
             </a:r>
           </a:p>
           <a:p>
             <a:r>
-              <a:rPr lang="en-US" dirty="0" smtClean="0"/>
+              <a:rPr lang="en-US" dirty="0"/>
               <a:t>Password expiration sets a time when user must create a new password</a:t>
             </a:r>
           </a:p>
           <a:p>
             <a:pPr lvl="1"/>
             <a:r>
-              <a:rPr lang="en-US" dirty="0" smtClean="0"/>
+              <a:rPr lang="en-US" dirty="0"/>
               <a:t>Different from account expiration</a:t>
             </a:r>
           </a:p>
           <a:p>
             <a:r>
-              <a:rPr lang="en-US" dirty="0" smtClean="0"/>
+              <a:rPr lang="en-US" dirty="0"/>
               <a:t>Account expiration can be a set date, or a number of days of inactivity</a:t>
             </a:r>
           </a:p>
@@ -30102,7 +30023,7 @@
   <p:timing>
     <p:tnLst>
       <p:par>
-        <p:cTn xmlns:p14="http://schemas.microsoft.com/office/powerpoint/2010/main" id="1" dur="indefinite" restart="never" nodeType="tmRoot">
+        <p:cTn id="1" dur="indefinite" restart="never" nodeType="tmRoot">
           <p:childTnLst>
             <p:seq concurrent="1" nextAc="seek">
               <p:cTn id="2" dur="indefinite" nodeType="mainSeq">
@@ -30459,7 +30380,7 @@
           <a:lstStyle/>
           <a:p>
             <a:r>
-              <a:rPr lang="en-US" smtClean="0"/>
+              <a:rPr lang="en-US"/>
               <a:t>Authentication Services</a:t>
             </a:r>
           </a:p>
@@ -30486,71 +30407,71 @@
           <a:lstStyle/>
           <a:p>
             <a:r>
-              <a:rPr lang="en-US" dirty="0" smtClean="0"/>
+              <a:rPr lang="en-US" dirty="0"/>
               <a:t>Authentication</a:t>
             </a:r>
           </a:p>
           <a:p>
             <a:pPr lvl="1"/>
             <a:r>
-              <a:rPr lang="en-US" dirty="0" smtClean="0"/>
+              <a:rPr lang="en-US" dirty="0"/>
               <a:t>Process of verifying credentials</a:t>
             </a:r>
           </a:p>
           <a:p>
             <a:r>
-              <a:rPr lang="en-US" dirty="0" smtClean="0"/>
+              <a:rPr lang="en-US" dirty="0"/>
               <a:t>Authentication services provided on a network</a:t>
             </a:r>
           </a:p>
           <a:p>
             <a:pPr lvl="1"/>
             <a:r>
-              <a:rPr lang="en-US" dirty="0" smtClean="0"/>
+              <a:rPr lang="en-US" dirty="0"/>
               <a:t>Dedicated authentication server</a:t>
             </a:r>
           </a:p>
           <a:p>
             <a:pPr lvl="1"/>
             <a:r>
-              <a:rPr lang="en-US" dirty="0" smtClean="0"/>
+              <a:rPr lang="en-US" dirty="0"/>
               <a:t>A server that performs authentication, authorization, and accounting is called a AAA server</a:t>
             </a:r>
           </a:p>
           <a:p>
             <a:r>
-              <a:rPr lang="en-US" dirty="0" smtClean="0"/>
+              <a:rPr lang="en-US" dirty="0"/>
               <a:t>Common types of authentication and AAA servers</a:t>
             </a:r>
           </a:p>
           <a:p>
             <a:pPr lvl="1"/>
             <a:r>
-              <a:rPr lang="en-US" dirty="0" smtClean="0"/>
+              <a:rPr lang="en-US" dirty="0"/>
               <a:t>RADIUS, Kerberos, Terminal Access Control Access Control Systems (</a:t>
             </a:r>
             <a:r>
-              <a:rPr lang="en-US" dirty="0" err="1" smtClean="0"/>
+              <a:rPr lang="en-US" dirty="0" err="1"/>
               <a:t>TACACS</a:t>
             </a:r>
             <a:r>
-              <a:rPr lang="en-US" dirty="0" smtClean="0"/>
+              <a:rPr lang="en-US" dirty="0"/>
               <a:t>), generic servers built on the Lightweight Directory Access Protocol (</a:t>
             </a:r>
             <a:r>
-              <a:rPr lang="en-US" dirty="0" err="1" smtClean="0"/>
+              <a:rPr lang="en-US" dirty="0" err="1"/>
               <a:t>LDAP</a:t>
             </a:r>
             <a:r>
-              <a:rPr lang="en-US" dirty="0" smtClean="0"/>
+              <a:rPr lang="en-US" dirty="0"/>
               <a:t>), Security Assertion and Markup Language (</a:t>
             </a:r>
             <a:r>
-              <a:rPr lang="en-US" dirty="0" err="1" smtClean="0"/>
+              <a:rPr lang="en-US" dirty="0" err="1"/>
               <a:t>SAML</a:t>
             </a:r>
             <a:r>
-              <a:rPr lang="en-US" dirty="0" smtClean="0"/>
+              <a:rPr lang="en-US" dirty="0"/>
               <a:t>)</a:t>
             </a:r>
           </a:p>
@@ -30564,7 +30485,7 @@
   <p:timing>
     <p:tnLst>
       <p:par>
-        <p:cTn xmlns:p14="http://schemas.microsoft.com/office/powerpoint/2010/main" id="1" dur="indefinite" restart="never" nodeType="tmRoot">
+        <p:cTn id="1" dur="indefinite" restart="never" nodeType="tmRoot">
           <p:childTnLst>
             <p:seq concurrent="1" nextAc="seek">
               <p:cTn id="2" dur="indefinite" nodeType="mainSeq">
@@ -30970,7 +30891,7 @@
           <a:lstStyle/>
           <a:p>
             <a:r>
-              <a:rPr lang="en-US" smtClean="0"/>
+              <a:rPr lang="en-US"/>
               <a:t>RADIUS</a:t>
             </a:r>
           </a:p>
@@ -30992,62 +30913,62 @@
           <a:lstStyle/>
           <a:p>
             <a:r>
-              <a:rPr lang="en-US" dirty="0" smtClean="0"/>
+              <a:rPr lang="en-US" dirty="0"/>
               <a:t>Remote Authentication Dial In User Service</a:t>
             </a:r>
           </a:p>
           <a:p>
             <a:pPr lvl="1"/>
             <a:r>
-              <a:rPr lang="en-US" dirty="0" smtClean="0"/>
+              <a:rPr lang="en-US" dirty="0"/>
               <a:t>Developed in 1992</a:t>
             </a:r>
           </a:p>
           <a:p>
             <a:pPr lvl="1"/>
             <a:r>
-              <a:rPr lang="en-US" dirty="0" smtClean="0"/>
+              <a:rPr lang="en-US" dirty="0"/>
               <a:t>Became an industry standard</a:t>
             </a:r>
           </a:p>
           <a:p>
             <a:pPr lvl="1"/>
             <a:r>
-              <a:rPr lang="en-US" dirty="0" smtClean="0"/>
+              <a:rPr lang="en-US" dirty="0"/>
               <a:t>Suitable for high volume service control applications</a:t>
             </a:r>
           </a:p>
           <a:p>
             <a:pPr lvl="2"/>
             <a:r>
-              <a:rPr lang="en-US" dirty="0" smtClean="0"/>
+              <a:rPr lang="en-US" dirty="0"/>
               <a:t>Such as dial-in access to corporate network</a:t>
             </a:r>
           </a:p>
           <a:p>
             <a:pPr lvl="1"/>
             <a:r>
-              <a:rPr lang="en-US" dirty="0" smtClean="0"/>
+              <a:rPr lang="en-US" dirty="0"/>
               <a:t>Still in use today</a:t>
             </a:r>
           </a:p>
           <a:p>
             <a:r>
-              <a:rPr lang="en-US" dirty="0" smtClean="0"/>
+              <a:rPr lang="en-US" dirty="0"/>
               <a:t>RADIUS client</a:t>
             </a:r>
           </a:p>
           <a:p>
             <a:pPr lvl="1"/>
             <a:r>
-              <a:rPr lang="en-US" dirty="0" smtClean="0"/>
+              <a:rPr lang="en-US" dirty="0"/>
               <a:t>Typically a device such as a wireless AP</a:t>
             </a:r>
           </a:p>
           <a:p>
             <a:pPr lvl="2"/>
             <a:r>
-              <a:rPr lang="en-US" dirty="0" smtClean="0"/>
+              <a:rPr lang="en-US" dirty="0"/>
               <a:t>Responsible for sending user credentials and connection parameters to the RADIUS server</a:t>
             </a:r>
           </a:p>
@@ -31061,7 +30982,7 @@
   <p:timing>
     <p:tnLst>
       <p:par>
-        <p:cTn xmlns:p14="http://schemas.microsoft.com/office/powerpoint/2010/main" id="1" dur="indefinite" restart="never" nodeType="tmRoot">
+        <p:cTn id="1" dur="indefinite" restart="never" nodeType="tmRoot">
           <p:childTnLst>
             <p:seq concurrent="1" nextAc="seek">
               <p:cTn id="2" dur="indefinite" nodeType="mainSeq">
@@ -31565,7 +31486,7 @@
           <a:lstStyle/>
           <a:p>
             <a:r>
-              <a:rPr lang="en-US" smtClean="0"/>
+              <a:rPr lang="en-US"/>
               <a:t>RADIUS</a:t>
             </a:r>
           </a:p>
@@ -31600,13 +31521,6 @@
   <p:clrMapOvr>
     <a:masterClrMapping/>
   </p:clrMapOvr>
-  <p:timing>
-    <p:tnLst>
-      <p:par>
-        <p:cTn xmlns:p14="http://schemas.microsoft.com/office/powerpoint/2010/main" id="1" dur="indefinite" restart="never" nodeType="tmRoot"/>
-      </p:par>
-    </p:tnLst>
-  </p:timing>
 </p:sld>
 </file>
 
@@ -31643,7 +31557,7 @@
           <a:lstStyle/>
           <a:p>
             <a:r>
-              <a:rPr lang="en-US" smtClean="0"/>
+              <a:rPr lang="en-US"/>
               <a:t>RADIUS </a:t>
             </a:r>
           </a:p>
@@ -31665,27 +31579,27 @@
           <a:lstStyle/>
           <a:p>
             <a:r>
-              <a:rPr lang="en-US" dirty="0" smtClean="0"/>
+              <a:rPr lang="en-US" dirty="0"/>
               <a:t>RADIUS user profiles are stored in a central database that all remote servers can share</a:t>
             </a:r>
           </a:p>
           <a:p>
             <a:r>
-              <a:rPr lang="en-US" dirty="0" smtClean="0"/>
+              <a:rPr lang="en-US" dirty="0"/>
               <a:t>Advantages of a central service</a:t>
             </a:r>
           </a:p>
           <a:p>
             <a:pPr lvl="1"/>
             <a:r>
-              <a:rPr lang="en-US" dirty="0" smtClean="0"/>
+              <a:rPr lang="en-US" dirty="0"/>
               <a:t>Increases security due to a single administered network point</a:t>
             </a:r>
           </a:p>
           <a:p>
             <a:pPr lvl="1"/>
             <a:r>
-              <a:rPr lang="en-US" dirty="0" smtClean="0"/>
+              <a:rPr lang="en-US" dirty="0"/>
               <a:t>Easier to track usage for billing and keeping network statistics</a:t>
             </a:r>
           </a:p>
@@ -31699,7 +31613,7 @@
   <p:timing>
     <p:tnLst>
       <p:par>
-        <p:cTn xmlns:p14="http://schemas.microsoft.com/office/powerpoint/2010/main" id="1" dur="indefinite" restart="never" nodeType="tmRoot">
+        <p:cTn id="1" dur="indefinite" restart="never" nodeType="tmRoot">
           <p:childTnLst>
             <p:seq concurrent="1" nextAc="seek">
               <p:cTn id="2" dur="indefinite" nodeType="mainSeq">
@@ -31958,7 +31872,7 @@
           <a:lstStyle/>
           <a:p>
             <a:r>
-              <a:rPr lang="en-US" smtClean="0"/>
+              <a:rPr lang="en-US"/>
               <a:t>Kerberos</a:t>
             </a:r>
           </a:p>
@@ -31980,68 +31894,68 @@
           <a:lstStyle/>
           <a:p>
             <a:r>
-              <a:rPr lang="en-US" dirty="0" smtClean="0"/>
+              <a:rPr lang="en-US" dirty="0"/>
               <a:t>Authentication system developed at MIT</a:t>
             </a:r>
           </a:p>
           <a:p>
             <a:pPr lvl="1"/>
             <a:r>
-              <a:rPr lang="en-US" dirty="0" smtClean="0"/>
+              <a:rPr lang="en-US" dirty="0"/>
               <a:t>Uses encryption and authentication for security</a:t>
             </a:r>
           </a:p>
           <a:p>
             <a:r>
-              <a:rPr lang="en-US" dirty="0" smtClean="0"/>
+              <a:rPr lang="en-US" dirty="0"/>
               <a:t>Most often used in educational and government settings</a:t>
             </a:r>
           </a:p>
           <a:p>
             <a:r>
-              <a:rPr lang="en-US" dirty="0" smtClean="0"/>
+              <a:rPr lang="en-US" dirty="0"/>
               <a:t>Works like using a driver</a:t>
             </a:r>
             <a:r>
-              <a:rPr lang="en-US" altLang="en-US" dirty="0" smtClean="0"/>
+              <a:rPr lang="en-US" altLang="en-US" dirty="0"/>
               <a:t>’</a:t>
             </a:r>
             <a:r>
-              <a:rPr lang="en-US" dirty="0" smtClean="0"/>
+              <a:rPr lang="en-US" dirty="0"/>
               <a:t>s license to cash a check</a:t>
             </a:r>
           </a:p>
           <a:p>
             <a:r>
-              <a:rPr lang="en-US" dirty="0" smtClean="0"/>
+              <a:rPr lang="en-US" dirty="0"/>
               <a:t>Kerberos ticket characteristics:</a:t>
             </a:r>
           </a:p>
           <a:p>
             <a:pPr lvl="1"/>
             <a:r>
-              <a:rPr lang="en-US" dirty="0" smtClean="0"/>
+              <a:rPr lang="en-US" dirty="0"/>
               <a:t>Difficult to copy</a:t>
             </a:r>
           </a:p>
           <a:p>
             <a:pPr lvl="1"/>
             <a:r>
-              <a:rPr lang="en-US" dirty="0" smtClean="0"/>
+              <a:rPr lang="en-US" dirty="0"/>
               <a:t>Contains information linking it to the user</a:t>
             </a:r>
           </a:p>
           <a:p>
             <a:pPr lvl="1"/>
             <a:r>
-              <a:rPr lang="en-US" dirty="0" smtClean="0"/>
+              <a:rPr lang="en-US" dirty="0"/>
               <a:t>User presents ticket to network for a service</a:t>
             </a:r>
           </a:p>
           <a:p>
             <a:pPr lvl="1"/>
             <a:r>
-              <a:rPr lang="en-US" dirty="0" smtClean="0"/>
+              <a:rPr lang="en-US" dirty="0"/>
               <a:t>Expires in a few hours or a day</a:t>
             </a:r>
           </a:p>
@@ -32055,7 +31969,7 @@
   <p:timing>
     <p:tnLst>
       <p:par>
-        <p:cTn xmlns:p14="http://schemas.microsoft.com/office/powerpoint/2010/main" id="1" dur="indefinite" restart="never" nodeType="tmRoot">
+        <p:cTn id="1" dur="indefinite" restart="never" nodeType="tmRoot">
           <p:childTnLst>
             <p:seq concurrent="1" nextAc="seek">
               <p:cTn id="2" dur="indefinite" nodeType="mainSeq">
@@ -32559,7 +32473,7 @@
           <a:lstStyle/>
           <a:p>
             <a:r>
-              <a:rPr lang="en-US" smtClean="0"/>
+              <a:rPr lang="en-US"/>
               <a:t>Terminal Access Control Access Control System (TACACS)</a:t>
             </a:r>
           </a:p>
@@ -32581,38 +32495,38 @@
           <a:lstStyle/>
           <a:p>
             <a:r>
-              <a:rPr lang="en-US" dirty="0" smtClean="0"/>
+              <a:rPr lang="en-US" dirty="0"/>
               <a:t>Authentication service similar to RADIUS</a:t>
             </a:r>
           </a:p>
           <a:p>
             <a:r>
-              <a:rPr lang="en-US" dirty="0" smtClean="0"/>
+              <a:rPr lang="en-US" dirty="0"/>
               <a:t>Commonly used on UNIX devices</a:t>
             </a:r>
           </a:p>
           <a:p>
             <a:r>
-              <a:rPr lang="en-US" dirty="0" smtClean="0"/>
+              <a:rPr lang="en-US" dirty="0"/>
               <a:t>Communicates by forwarding user authentication information to a centralized server</a:t>
             </a:r>
           </a:p>
           <a:p>
             <a:r>
-              <a:rPr lang="en-US" dirty="0" smtClean="0"/>
+              <a:rPr lang="en-US" dirty="0"/>
               <a:t>The current version is </a:t>
             </a:r>
             <a:r>
-              <a:rPr lang="en-US" dirty="0" err="1" smtClean="0"/>
+              <a:rPr lang="en-US" dirty="0" err="1"/>
               <a:t>TACACS</a:t>
             </a:r>
             <a:r>
-              <a:rPr lang="en-US" dirty="0" smtClean="0"/>
+              <a:rPr lang="en-US" dirty="0"/>
               <a:t>+</a:t>
             </a:r>
           </a:p>
           <a:p>
-            <a:endParaRPr lang="en-US" dirty="0" smtClean="0"/>
+            <a:endParaRPr lang="en-US" dirty="0"/>
           </a:p>
         </p:txBody>
       </p:sp>
@@ -32624,7 +32538,7 @@
   <p:timing>
     <p:tnLst>
       <p:par>
-        <p:cTn xmlns:p14="http://schemas.microsoft.com/office/powerpoint/2010/main" id="1" dur="indefinite" restart="never" nodeType="tmRoot">
+        <p:cTn id="1" dur="indefinite" restart="never" nodeType="tmRoot">
           <p:childTnLst>
             <p:seq concurrent="1" nextAc="seek">
               <p:cTn id="2" dur="indefinite" nodeType="mainSeq">
@@ -32883,7 +32797,7 @@
           <a:lstStyle/>
           <a:p>
             <a:r>
-              <a:rPr lang="en-US" smtClean="0"/>
+              <a:rPr lang="en-US"/>
               <a:t>Terminal Access Control Access Control System (TACACS)</a:t>
             </a:r>
           </a:p>
@@ -32918,13 +32832,6 @@
   <p:clrMapOvr>
     <a:masterClrMapping/>
   </p:clrMapOvr>
-  <p:timing>
-    <p:tnLst>
-      <p:par>
-        <p:cTn xmlns:p14="http://schemas.microsoft.com/office/powerpoint/2010/main" id="1" dur="indefinite" restart="never" nodeType="tmRoot"/>
-      </p:par>
-    </p:tnLst>
-  </p:timing>
 </p:sld>
 </file>
 
@@ -32961,15 +32868,15 @@
           <a:lstStyle/>
           <a:p>
             <a:r>
-              <a:rPr lang="en-US" dirty="0" smtClean="0"/>
+              <a:rPr lang="en-US" dirty="0"/>
               <a:t>Lightweight Directory Access Protocol (</a:t>
             </a:r>
             <a:r>
-              <a:rPr lang="en-US" dirty="0" err="1" smtClean="0"/>
+              <a:rPr lang="en-US" dirty="0" err="1"/>
               <a:t>LDAP</a:t>
             </a:r>
             <a:r>
-              <a:rPr lang="en-US" dirty="0" smtClean="0"/>
+              <a:rPr lang="en-US" dirty="0"/>
               <a:t>)</a:t>
             </a:r>
           </a:p>
@@ -32991,49 +32898,49 @@
           <a:lstStyle/>
           <a:p>
             <a:r>
-              <a:rPr lang="en-US" dirty="0" smtClean="0"/>
+              <a:rPr lang="en-US" dirty="0"/>
               <a:t>A directory service is a database stored on a network</a:t>
             </a:r>
           </a:p>
           <a:p>
             <a:pPr lvl="1"/>
             <a:r>
-              <a:rPr lang="en-US" dirty="0" smtClean="0"/>
+              <a:rPr lang="en-US" dirty="0"/>
               <a:t>Contains information about users and network devices</a:t>
             </a:r>
           </a:p>
           <a:p>
             <a:pPr lvl="1"/>
             <a:r>
-              <a:rPr lang="en-US" dirty="0" smtClean="0"/>
+              <a:rPr lang="en-US" dirty="0"/>
               <a:t>Keeps track of network resources and user</a:t>
             </a:r>
             <a:r>
-              <a:rPr lang="en-US" altLang="en-US" dirty="0" smtClean="0"/>
+              <a:rPr lang="en-US" altLang="en-US" dirty="0"/>
               <a:t>’</a:t>
             </a:r>
             <a:r>
-              <a:rPr lang="en-US" dirty="0" smtClean="0"/>
+              <a:rPr lang="en-US" dirty="0"/>
               <a:t>s privileges to those resources</a:t>
             </a:r>
           </a:p>
           <a:p>
             <a:pPr lvl="1"/>
             <a:r>
-              <a:rPr lang="en-US" dirty="0" smtClean="0"/>
+              <a:rPr lang="en-US" dirty="0"/>
               <a:t>Grants or denies access based on its information</a:t>
             </a:r>
           </a:p>
           <a:p>
             <a:r>
-              <a:rPr lang="en-US" dirty="0" smtClean="0"/>
+              <a:rPr lang="en-US" dirty="0"/>
               <a:t>Standard for directory services</a:t>
             </a:r>
           </a:p>
           <a:p>
             <a:pPr lvl="1"/>
             <a:r>
-              <a:rPr lang="en-US" dirty="0" smtClean="0"/>
+              <a:rPr lang="en-US" dirty="0"/>
               <a:t>X.500</a:t>
             </a:r>
           </a:p>
@@ -33047,7 +32954,7 @@
   <p:timing>
     <p:tnLst>
       <p:par>
-        <p:cTn xmlns:p14="http://schemas.microsoft.com/office/powerpoint/2010/main" id="1" dur="indefinite" restart="never" nodeType="tmRoot">
+        <p:cTn id="1" dur="indefinite" restart="never" nodeType="tmRoot">
           <p:childTnLst>
             <p:seq concurrent="1" nextAc="seek">
               <p:cTn id="2" dur="indefinite" nodeType="mainSeq">
@@ -33404,7 +33311,7 @@
           <a:lstStyle/>
           <a:p>
             <a:r>
-              <a:rPr lang="en-US" smtClean="0"/>
+              <a:rPr lang="en-US"/>
               <a:t>Lightweight Directory Access Protocol</a:t>
             </a:r>
           </a:p>
@@ -33431,112 +33338,112 @@
           <a:lstStyle/>
           <a:p>
             <a:r>
-              <a:rPr lang="en-US" dirty="0" smtClean="0"/>
+              <a:rPr lang="en-US" dirty="0"/>
               <a:t>X.500 standard defines protocol for client application to access the DAP</a:t>
             </a:r>
           </a:p>
           <a:p>
             <a:r>
-              <a:rPr lang="en-US" dirty="0" err="1" smtClean="0"/>
+              <a:rPr lang="en-US" dirty="0" err="1"/>
               <a:t>LDAP</a:t>
             </a:r>
-            <a:endParaRPr lang="en-US" dirty="0" smtClean="0"/>
+            <a:endParaRPr lang="en-US" dirty="0"/>
           </a:p>
           <a:p>
             <a:pPr lvl="1"/>
             <a:r>
-              <a:rPr lang="en-US" dirty="0" smtClean="0"/>
+              <a:rPr lang="en-US" dirty="0"/>
               <a:t>A simpler subset of DAP</a:t>
             </a:r>
           </a:p>
           <a:p>
             <a:pPr lvl="1"/>
             <a:r>
-              <a:rPr lang="en-US" dirty="0" smtClean="0"/>
+              <a:rPr lang="en-US" dirty="0"/>
               <a:t>Designed to run over TCP/IP</a:t>
             </a:r>
           </a:p>
           <a:p>
             <a:pPr lvl="1"/>
             <a:r>
-              <a:rPr lang="en-US" dirty="0" smtClean="0"/>
+              <a:rPr lang="en-US" dirty="0"/>
               <a:t>Encodes protocol elements in simpler way than X.500</a:t>
             </a:r>
           </a:p>
           <a:p>
             <a:r>
-              <a:rPr lang="en-US" dirty="0" err="1" smtClean="0"/>
+              <a:rPr lang="en-US" dirty="0" err="1"/>
               <a:t>LDAP</a:t>
             </a:r>
             <a:r>
-              <a:rPr lang="en-US" dirty="0" smtClean="0"/>
+              <a:rPr lang="en-US" dirty="0"/>
               <a:t> traffic is transmitted in </a:t>
             </a:r>
             <a:r>
-              <a:rPr lang="en-US" dirty="0" err="1" smtClean="0"/>
+              <a:rPr lang="en-US" dirty="0" err="1"/>
               <a:t>cleartext</a:t>
             </a:r>
-            <a:endParaRPr lang="en-US" dirty="0" smtClean="0"/>
+            <a:endParaRPr lang="en-US" dirty="0"/>
           </a:p>
           <a:p>
             <a:pPr lvl="1"/>
             <a:r>
-              <a:rPr lang="en-US" dirty="0" smtClean="0"/>
+              <a:rPr lang="en-US" dirty="0"/>
               <a:t>Can be made secure by using </a:t>
             </a:r>
             <a:r>
-              <a:rPr lang="en-US" dirty="0" err="1" smtClean="0"/>
+              <a:rPr lang="en-US" dirty="0" err="1"/>
               <a:t>SSL</a:t>
             </a:r>
             <a:r>
-              <a:rPr lang="en-US" dirty="0" smtClean="0"/>
+              <a:rPr lang="en-US" dirty="0"/>
               <a:t> or TLS</a:t>
             </a:r>
           </a:p>
           <a:p>
             <a:pPr lvl="1"/>
             <a:r>
-              <a:rPr lang="en-US" dirty="0" smtClean="0"/>
+              <a:rPr lang="en-US" dirty="0"/>
               <a:t>Known as </a:t>
             </a:r>
             <a:r>
-              <a:rPr lang="en-US" b="1" dirty="0" smtClean="0"/>
+              <a:rPr lang="en-US" b="1" dirty="0"/>
               <a:t>Secure </a:t>
             </a:r>
             <a:r>
-              <a:rPr lang="en-US" b="1" dirty="0" err="1" smtClean="0"/>
+              <a:rPr lang="en-US" b="1" dirty="0" err="1"/>
               <a:t>LDAP</a:t>
             </a:r>
             <a:r>
-              <a:rPr lang="en-US" b="1" dirty="0" smtClean="0"/>
+              <a:rPr lang="en-US" b="1" dirty="0"/>
               <a:t> </a:t>
             </a:r>
             <a:r>
-              <a:rPr lang="en-US" dirty="0" smtClean="0"/>
+              <a:rPr lang="en-US" dirty="0"/>
               <a:t>or </a:t>
             </a:r>
             <a:r>
-              <a:rPr lang="en-US" i="1" dirty="0" err="1" smtClean="0"/>
+              <a:rPr lang="en-US" i="1" dirty="0" err="1"/>
               <a:t>LDAP</a:t>
             </a:r>
             <a:r>
-              <a:rPr lang="en-US" i="1" dirty="0" smtClean="0"/>
+              <a:rPr lang="en-US" i="1" dirty="0"/>
               <a:t> over </a:t>
             </a:r>
             <a:r>
-              <a:rPr lang="en-US" i="1" dirty="0" err="1" smtClean="0"/>
+              <a:rPr lang="en-US" i="1" dirty="0" err="1"/>
               <a:t>SSL</a:t>
             </a:r>
             <a:r>
-              <a:rPr lang="en-US" i="1" dirty="0" smtClean="0"/>
+              <a:rPr lang="en-US" i="1" dirty="0"/>
               <a:t> (</a:t>
             </a:r>
             <a:r>
-              <a:rPr lang="en-US" i="1" dirty="0" err="1" smtClean="0"/>
+              <a:rPr lang="en-US" i="1" dirty="0" err="1"/>
               <a:t>LDAPS</a:t>
             </a:r>
             <a:r>
-              <a:rPr lang="en-US" i="1" dirty="0" smtClean="0"/>
+              <a:rPr lang="en-US" i="1" dirty="0"/>
               <a:t>)</a:t>
             </a:r>
           </a:p>
@@ -33550,7 +33457,7 @@
   <p:timing>
     <p:tnLst>
       <p:par>
-        <p:cTn xmlns:p14="http://schemas.microsoft.com/office/powerpoint/2010/main" id="1" dur="indefinite" restart="never" nodeType="tmRoot">
+        <p:cTn id="1" dur="indefinite" restart="never" nodeType="tmRoot">
           <p:childTnLst>
             <p:seq concurrent="1" nextAc="seek">
               <p:cTn id="2" dur="indefinite" nodeType="mainSeq">
@@ -34005,7 +33912,7 @@
           <a:lstStyle/>
           <a:p>
             <a:r>
-              <a:rPr lang="en-US" smtClean="0"/>
+              <a:rPr lang="en-US"/>
               <a:t>Access Control Terminology</a:t>
             </a:r>
           </a:p>
@@ -34027,61 +33934,61 @@
           <a:lstStyle/>
           <a:p>
             <a:r>
-              <a:rPr lang="en-US" dirty="0" smtClean="0"/>
+              <a:rPr lang="en-US" dirty="0"/>
               <a:t>Object</a:t>
             </a:r>
           </a:p>
           <a:p>
             <a:pPr lvl="1"/>
             <a:r>
-              <a:rPr lang="en-US" dirty="0" smtClean="0"/>
+              <a:rPr lang="en-US" dirty="0"/>
               <a:t>A specific resource</a:t>
             </a:r>
           </a:p>
           <a:p>
             <a:pPr lvl="1"/>
             <a:r>
-              <a:rPr lang="en-US" dirty="0" smtClean="0"/>
+              <a:rPr lang="en-US" dirty="0"/>
               <a:t>Example: file or hardware device</a:t>
             </a:r>
           </a:p>
           <a:p>
             <a:r>
-              <a:rPr lang="en-US" dirty="0" smtClean="0"/>
+              <a:rPr lang="en-US" dirty="0"/>
               <a:t>Subject</a:t>
             </a:r>
           </a:p>
           <a:p>
             <a:pPr lvl="1"/>
             <a:r>
-              <a:rPr lang="en-US" dirty="0" smtClean="0"/>
+              <a:rPr lang="en-US" dirty="0"/>
               <a:t>A user or process functioning on behalf of a user</a:t>
             </a:r>
           </a:p>
           <a:p>
             <a:pPr lvl="1"/>
             <a:r>
-              <a:rPr lang="en-US" dirty="0" smtClean="0"/>
+              <a:rPr lang="en-US" dirty="0"/>
               <a:t>Example: computer user</a:t>
             </a:r>
           </a:p>
           <a:p>
             <a:r>
-              <a:rPr lang="en-US" dirty="0" smtClean="0"/>
+              <a:rPr lang="en-US" dirty="0"/>
               <a:t>Operation</a:t>
             </a:r>
           </a:p>
           <a:p>
             <a:pPr lvl="1"/>
             <a:r>
-              <a:rPr lang="en-US" dirty="0" smtClean="0"/>
+              <a:rPr lang="en-US" dirty="0"/>
               <a:t>The action taken by the subject over an object</a:t>
             </a:r>
           </a:p>
           <a:p>
             <a:pPr lvl="1"/>
             <a:r>
-              <a:rPr lang="en-US" dirty="0" smtClean="0"/>
+              <a:rPr lang="en-US" dirty="0"/>
               <a:t>Example: deleting a file</a:t>
             </a:r>
           </a:p>
@@ -34095,7 +34002,7 @@
   <p:timing>
     <p:tnLst>
       <p:par>
-        <p:cTn xmlns:p14="http://schemas.microsoft.com/office/powerpoint/2010/main" id="1" dur="indefinite" restart="never" nodeType="tmRoot">
+        <p:cTn id="1" dur="indefinite" restart="never" nodeType="tmRoot">
           <p:childTnLst>
             <p:seq concurrent="1" nextAc="seek">
               <p:cTn id="2" dur="indefinite" nodeType="mainSeq">
@@ -34599,7 +34506,7 @@
           <a:lstStyle/>
           <a:p>
             <a:r>
-              <a:rPr lang="en-US" smtClean="0"/>
+              <a:rPr lang="en-US"/>
               <a:t>Lightweight Directory Access Protocol</a:t>
             </a:r>
           </a:p>
@@ -34621,41 +34528,41 @@
           <a:lstStyle/>
           <a:p>
             <a:r>
-              <a:rPr lang="en-US" dirty="0" smtClean="0"/>
+              <a:rPr lang="en-US" dirty="0"/>
               <a:t>Weakness of </a:t>
             </a:r>
             <a:r>
-              <a:rPr lang="en-US" dirty="0" err="1" smtClean="0"/>
+              <a:rPr lang="en-US" dirty="0" err="1"/>
               <a:t>LDAP</a:t>
             </a:r>
-            <a:endParaRPr lang="en-US" dirty="0" smtClean="0"/>
+            <a:endParaRPr lang="en-US" dirty="0"/>
           </a:p>
           <a:p>
             <a:pPr lvl="1"/>
             <a:r>
-              <a:rPr lang="en-US" dirty="0" smtClean="0"/>
+              <a:rPr lang="en-US" dirty="0"/>
               <a:t>Can be subject to </a:t>
             </a:r>
             <a:r>
-              <a:rPr lang="en-US" b="1" dirty="0" err="1" smtClean="0"/>
+              <a:rPr lang="en-US" b="1" dirty="0" err="1"/>
               <a:t>LDAP</a:t>
             </a:r>
             <a:r>
-              <a:rPr lang="en-US" b="1" dirty="0" smtClean="0"/>
+              <a:rPr lang="en-US" b="1" dirty="0"/>
               <a:t> injection attacks</a:t>
             </a:r>
           </a:p>
           <a:p>
             <a:pPr lvl="2"/>
             <a:r>
-              <a:rPr lang="en-US" dirty="0" smtClean="0"/>
+              <a:rPr lang="en-US" dirty="0"/>
               <a:t>Similar to SQL injection attacks</a:t>
             </a:r>
           </a:p>
           <a:p>
             <a:pPr lvl="2"/>
             <a:r>
-              <a:rPr lang="en-US" dirty="0" smtClean="0"/>
+              <a:rPr lang="en-US" dirty="0"/>
               <a:t>Occurs when user input is not properly filtered</a:t>
             </a:r>
           </a:p>
@@ -34669,7 +34576,7 @@
   <p:timing>
     <p:tnLst>
       <p:par>
-        <p:cTn xmlns:p14="http://schemas.microsoft.com/office/powerpoint/2010/main" id="1" dur="indefinite" restart="never" nodeType="tmRoot">
+        <p:cTn id="1" dur="indefinite" restart="never" nodeType="tmRoot">
           <p:childTnLst>
             <p:seq concurrent="1" nextAc="seek">
               <p:cTn id="2" dur="indefinite" nodeType="mainSeq">
@@ -34928,7 +34835,7 @@
           <a:lstStyle/>
           <a:p>
             <a:r>
-              <a:rPr lang="en-US" smtClean="0"/>
+              <a:rPr lang="en-US"/>
               <a:t>Security Assertion Markup Language (SAML)</a:t>
             </a:r>
           </a:p>
@@ -34950,45 +34857,45 @@
           <a:lstStyle/>
           <a:p>
             <a:r>
-              <a:rPr lang="en-US" dirty="0" err="1" smtClean="0"/>
+              <a:rPr lang="en-US" dirty="0" err="1"/>
               <a:t>SAML</a:t>
             </a:r>
-            <a:endParaRPr lang="en-US" dirty="0" smtClean="0"/>
+            <a:endParaRPr lang="en-US" dirty="0"/>
           </a:p>
           <a:p>
             <a:pPr lvl="1"/>
             <a:r>
-              <a:rPr lang="en-US" dirty="0" smtClean="0"/>
+              <a:rPr lang="en-US" dirty="0"/>
               <a:t>An Extensible Markup Language (XML) standard that allows secure web domains to exchange user authentication and authorization data</a:t>
             </a:r>
           </a:p>
           <a:p>
             <a:pPr lvl="1"/>
             <a:r>
-              <a:rPr lang="en-US" dirty="0" smtClean="0"/>
+              <a:rPr lang="en-US" dirty="0"/>
               <a:t>Allows a user</a:t>
             </a:r>
             <a:r>
-              <a:rPr lang="en-US" altLang="en-US" dirty="0" smtClean="0"/>
+              <a:rPr lang="en-US" altLang="en-US" dirty="0"/>
               <a:t>’</a:t>
             </a:r>
             <a:r>
-              <a:rPr lang="en-US" dirty="0" smtClean="0"/>
+              <a:rPr lang="en-US" dirty="0"/>
               <a:t>s login credentials to be stored with a single identity provider instead of being stored on each web service provider</a:t>
             </a:r>
             <a:r>
-              <a:rPr lang="en-US" altLang="en-US" dirty="0" smtClean="0"/>
+              <a:rPr lang="en-US" altLang="en-US" dirty="0"/>
               <a:t>’</a:t>
             </a:r>
             <a:r>
-              <a:rPr lang="en-US" dirty="0" smtClean="0"/>
+              <a:rPr lang="en-US" dirty="0"/>
               <a:t>s server</a:t>
             </a:r>
           </a:p>
           <a:p>
             <a:pPr lvl="1"/>
             <a:r>
-              <a:rPr lang="en-US" dirty="0" smtClean="0"/>
+              <a:rPr lang="en-US" dirty="0"/>
               <a:t>Used extensively for online e-commerce business-to-business (B2B)  and business-to-customer (B2C) transactions</a:t>
             </a:r>
           </a:p>
@@ -35002,7 +34909,7 @@
   <p:timing>
     <p:tnLst>
       <p:par>
-        <p:cTn xmlns:p14="http://schemas.microsoft.com/office/powerpoint/2010/main" id="1" dur="indefinite" restart="never" nodeType="tmRoot">
+        <p:cTn id="1" dur="indefinite" restart="never" nodeType="tmRoot">
           <p:childTnLst>
             <p:seq concurrent="1" nextAc="seek">
               <p:cTn id="2" dur="indefinite" nodeType="mainSeq">
@@ -35261,7 +35168,7 @@
           <a:lstStyle/>
           <a:p>
             <a:r>
-              <a:rPr lang="en-US" smtClean="0"/>
+              <a:rPr lang="en-US"/>
               <a:t>Security Assertion Markup Language (SAML)</a:t>
             </a:r>
           </a:p>
@@ -35296,13 +35203,6 @@
   <p:clrMapOvr>
     <a:masterClrMapping/>
   </p:clrMapOvr>
-  <p:timing>
-    <p:tnLst>
-      <p:par>
-        <p:cTn xmlns:p14="http://schemas.microsoft.com/office/powerpoint/2010/main" id="1" dur="indefinite" restart="never" nodeType="tmRoot"/>
-      </p:par>
-    </p:tnLst>
-  </p:timing>
 </p:sld>
 </file>
 
@@ -35339,7 +35239,7 @@
           <a:lstStyle/>
           <a:p>
             <a:r>
-              <a:rPr lang="en-US" smtClean="0"/>
+              <a:rPr lang="en-US"/>
               <a:t>Access Control Terminology</a:t>
             </a:r>
           </a:p>
@@ -35374,13 +35274,6 @@
   <p:clrMapOvr>
     <a:masterClrMapping/>
   </p:clrMapOvr>
-  <p:timing>
-    <p:tnLst>
-      <p:par>
-        <p:cTn xmlns:p14="http://schemas.microsoft.com/office/powerpoint/2010/main" id="1" dur="indefinite" restart="never" nodeType="tmRoot"/>
-      </p:par>
-    </p:tnLst>
-  </p:timing>
 </p:sld>
 </file>
 
@@ -35417,7 +35310,7 @@
           <a:lstStyle/>
           <a:p>
             <a:r>
-              <a:rPr lang="en-US" smtClean="0"/>
+              <a:rPr lang="en-US"/>
               <a:t>Access Control Terminology</a:t>
             </a:r>
           </a:p>
@@ -35452,13 +35345,6 @@
   <p:clrMapOvr>
     <a:masterClrMapping/>
   </p:clrMapOvr>
-  <p:timing>
-    <p:tnLst>
-      <p:par>
-        <p:cTn xmlns:p14="http://schemas.microsoft.com/office/powerpoint/2010/main" id="1" dur="indefinite" restart="never" nodeType="tmRoot"/>
-      </p:par>
-    </p:tnLst>
-  </p:timing>
 </p:sld>
 </file>
 
@@ -35495,7 +35381,7 @@
           <a:lstStyle/>
           <a:p>
             <a:r>
-              <a:rPr lang="en-US" smtClean="0"/>
+              <a:rPr lang="en-US"/>
               <a:t>Access Control Models</a:t>
             </a:r>
           </a:p>
@@ -35520,7 +35406,7 @@
               <a:defRPr/>
             </a:pPr>
             <a:r>
-              <a:rPr lang="en-US" altLang="en-US" dirty="0" smtClean="0">
+              <a:rPr lang="en-US" altLang="en-US" dirty="0">
                 <a:ea typeface="+mn-ea"/>
               </a:rPr>
               <a:t>Access control model</a:t>
@@ -35531,7 +35417,7 @@
               <a:defRPr/>
             </a:pPr>
             <a:r>
-              <a:rPr lang="en-US" altLang="en-US" dirty="0" smtClean="0">
+              <a:rPr lang="en-US" altLang="en-US" dirty="0">
                 <a:ea typeface="ＭＳ Ｐゴシック" charset="0"/>
               </a:rPr>
               <a:t>Standards that provide a predefined framework for hardware or software developers</a:t>
@@ -35542,7 +35428,7 @@
               <a:defRPr/>
             </a:pPr>
             <a:r>
-              <a:rPr lang="en-US" altLang="en-US" dirty="0" smtClean="0">
+              <a:rPr lang="en-US" altLang="en-US" dirty="0">
                 <a:ea typeface="ＭＳ Ｐゴシック" charset="0"/>
               </a:rPr>
               <a:t>Use the appropriate model to configure the necessary level of control</a:t>
@@ -35553,7 +35439,7 @@
               <a:defRPr/>
             </a:pPr>
             <a:r>
-              <a:rPr lang="en-US" altLang="en-US" dirty="0" smtClean="0">
+              <a:rPr lang="en-US" altLang="en-US" dirty="0">
                 <a:ea typeface="+mn-ea"/>
               </a:rPr>
               <a:t>Four major access control models</a:t>
@@ -35564,7 +35450,7 @@
               <a:defRPr/>
             </a:pPr>
             <a:r>
-              <a:rPr lang="en-US" altLang="en-US" dirty="0" smtClean="0">
+              <a:rPr lang="en-US" altLang="en-US" dirty="0">
                 <a:ea typeface="ＭＳ Ｐゴシック" charset="0"/>
               </a:rPr>
               <a:t>Discretionary Access Control (DAC)</a:t>
@@ -35575,7 +35461,7 @@
               <a:defRPr/>
             </a:pPr>
             <a:r>
-              <a:rPr lang="en-US" altLang="en-US" dirty="0" smtClean="0">
+              <a:rPr lang="en-US" altLang="en-US" dirty="0">
                 <a:ea typeface="ＭＳ Ｐゴシック" charset="0"/>
               </a:rPr>
               <a:t>Mandatory Access Control (MAC)</a:t>
@@ -35586,7 +35472,7 @@
               <a:defRPr/>
             </a:pPr>
             <a:r>
-              <a:rPr lang="en-US" altLang="en-US" dirty="0" smtClean="0">
+              <a:rPr lang="en-US" altLang="en-US" dirty="0">
                 <a:ea typeface="ＭＳ Ｐゴシック" charset="0"/>
               </a:rPr>
               <a:t>Role Based Access Control (RBAC)</a:t>
@@ -35597,7 +35483,7 @@
               <a:defRPr/>
             </a:pPr>
             <a:r>
-              <a:rPr lang="en-US" altLang="en-US" dirty="0" smtClean="0">
+              <a:rPr lang="en-US" altLang="en-US" dirty="0">
                 <a:ea typeface="ＭＳ Ｐゴシック" charset="0"/>
               </a:rPr>
               <a:t>Rule Based Access Control (RBAC)</a:t>
@@ -35609,7 +35495,7 @@
               <a:buNone/>
               <a:defRPr/>
             </a:pPr>
-            <a:endParaRPr lang="en-US" altLang="en-US" dirty="0" smtClean="0">
+            <a:endParaRPr lang="en-US" altLang="en-US" dirty="0">
               <a:ea typeface="ＭＳ Ｐゴシック" charset="0"/>
             </a:endParaRPr>
           </a:p>
@@ -35617,7 +35503,7 @@
             <a:pPr lvl="1">
               <a:defRPr/>
             </a:pPr>
-            <a:endParaRPr lang="en-US" altLang="en-US" dirty="0" smtClean="0">
+            <a:endParaRPr lang="en-US" altLang="en-US" dirty="0">
               <a:ea typeface="ＭＳ Ｐゴシック" charset="0"/>
             </a:endParaRPr>
           </a:p>
@@ -35631,7 +35517,7 @@
   <p:timing>
     <p:tnLst>
       <p:par>
-        <p:cTn xmlns:p14="http://schemas.microsoft.com/office/powerpoint/2010/main" id="1" dur="indefinite" restart="never" nodeType="tmRoot">
+        <p:cTn id="1" dur="indefinite" restart="never" nodeType="tmRoot">
           <p:childTnLst>
             <p:seq concurrent="1" nextAc="seek">
               <p:cTn id="2" dur="indefinite" nodeType="mainSeq">
@@ -36086,7 +35972,7 @@
           <a:lstStyle/>
           <a:p>
             <a:r>
-              <a:rPr lang="en-US" smtClean="0"/>
+              <a:rPr lang="en-US"/>
               <a:t>Access Control Models</a:t>
             </a:r>
           </a:p>
@@ -36111,7 +35997,7 @@
               <a:defRPr/>
             </a:pPr>
             <a:r>
-              <a:rPr lang="en-US" altLang="en-US" dirty="0" smtClean="0">
+              <a:rPr lang="en-US" altLang="en-US" dirty="0">
                 <a:ea typeface="+mn-ea"/>
               </a:rPr>
               <a:t>Discretionary Access Control (DAC)</a:t>
@@ -36122,7 +36008,7 @@
               <a:defRPr/>
             </a:pPr>
             <a:r>
-              <a:rPr lang="en-US" altLang="en-US" dirty="0" smtClean="0">
+              <a:rPr lang="en-US" altLang="en-US" dirty="0">
                 <a:ea typeface="ＭＳ Ｐゴシック" charset="0"/>
               </a:rPr>
               <a:t>Least restrictive model</a:t>
@@ -36133,7 +36019,7 @@
               <a:defRPr/>
             </a:pPr>
             <a:r>
-              <a:rPr lang="en-US" altLang="en-US" dirty="0" smtClean="0">
+              <a:rPr lang="en-US" altLang="en-US" dirty="0">
                 <a:ea typeface="ＭＳ Ｐゴシック" charset="0"/>
               </a:rPr>
               <a:t>Every object has an owner</a:t>
@@ -36144,7 +36030,7 @@
               <a:defRPr/>
             </a:pPr>
             <a:r>
-              <a:rPr lang="en-US" altLang="en-US" dirty="0" smtClean="0">
+              <a:rPr lang="en-US" altLang="en-US" dirty="0">
                 <a:ea typeface="ＭＳ Ｐゴシック" charset="0"/>
               </a:rPr>
               <a:t>Owners have total control over their objects</a:t>
@@ -36155,7 +36041,7 @@
               <a:defRPr/>
             </a:pPr>
             <a:r>
-              <a:rPr lang="en-US" altLang="en-US" dirty="0" smtClean="0">
+              <a:rPr lang="en-US" altLang="en-US" dirty="0">
                 <a:ea typeface="ＭＳ Ｐゴシック" charset="0"/>
               </a:rPr>
               <a:t>Owners can give permissions to other subjects over their objects</a:t>
@@ -36166,7 +36052,7 @@
               <a:defRPr/>
             </a:pPr>
             <a:r>
-              <a:rPr lang="en-US" altLang="en-US" dirty="0" smtClean="0">
+              <a:rPr lang="en-US" altLang="en-US" dirty="0">
                 <a:ea typeface="ＭＳ Ｐゴシック" charset="0"/>
               </a:rPr>
               <a:t>Used on operating systems such as most types of UNIX and Microsoft Windows</a:t>
@@ -36178,7 +36064,7 @@
               <a:buNone/>
               <a:defRPr/>
             </a:pPr>
-            <a:endParaRPr lang="en-US" altLang="en-US" dirty="0" smtClean="0">
+            <a:endParaRPr lang="en-US" altLang="en-US" dirty="0">
               <a:ea typeface="ＭＳ Ｐゴシック" charset="0"/>
             </a:endParaRPr>
           </a:p>
@@ -36186,7 +36072,7 @@
             <a:pPr lvl="1">
               <a:defRPr/>
             </a:pPr>
-            <a:endParaRPr lang="en-US" altLang="en-US" dirty="0" smtClean="0">
+            <a:endParaRPr lang="en-US" altLang="en-US" dirty="0">
               <a:ea typeface="ＭＳ Ｐゴシック" charset="0"/>
             </a:endParaRPr>
           </a:p>
@@ -36200,7 +36086,7 @@
   <p:timing>
     <p:tnLst>
       <p:par>
-        <p:cTn xmlns:p14="http://schemas.microsoft.com/office/powerpoint/2010/main" id="1" dur="indefinite" restart="never" nodeType="tmRoot">
+        <p:cTn id="1" dur="indefinite" restart="never" nodeType="tmRoot">
           <p:childTnLst>
             <p:seq concurrent="1" nextAc="seek">
               <p:cTn id="2" dur="indefinite" nodeType="mainSeq">
@@ -36557,7 +36443,7 @@
           <a:lstStyle/>
           <a:p>
             <a:r>
-              <a:rPr lang="en-US" smtClean="0"/>
+              <a:rPr lang="en-US"/>
               <a:t>Access Control Models</a:t>
             </a:r>
           </a:p>
@@ -36583,7 +36469,7 @@
               <a:buNone/>
               <a:defRPr/>
             </a:pPr>
-            <a:endParaRPr lang="en-US" altLang="en-US" dirty="0" smtClean="0">
+            <a:endParaRPr lang="en-US" altLang="en-US" dirty="0">
               <a:ea typeface="ＭＳ Ｐゴシック" charset="0"/>
             </a:endParaRPr>
           </a:p>
@@ -36591,7 +36477,7 @@
             <a:pPr lvl="1">
               <a:defRPr/>
             </a:pPr>
-            <a:endParaRPr lang="en-US" altLang="en-US" dirty="0" smtClean="0">
+            <a:endParaRPr lang="en-US" altLang="en-US" dirty="0">
               <a:ea typeface="ＭＳ Ｐゴシック" charset="0"/>
             </a:endParaRPr>
           </a:p>
@@ -36626,14 +36512,14 @@
           </a:ln>
           <a:extLst>
             <a:ext uri="{909E8E84-426E-40dd-AFC4-6F175D3DCCD1}">
-              <a14:hiddenFill xmlns:a14="http://schemas.microsoft.com/office/drawing/2010/main">
+              <a14:hiddenFill xmlns:a14="http://schemas.microsoft.com/office/drawing/2010/main" xmlns="">
                 <a:solidFill>
                   <a:srgbClr val="FFFFFF"/>
                 </a:solidFill>
               </a14:hiddenFill>
             </a:ext>
             <a:ext uri="{91240B29-F687-4f45-9708-019B960494DF}">
-              <a14:hiddenLine xmlns:a14="http://schemas.microsoft.com/office/drawing/2010/main" w="9525">
+              <a14:hiddenLine xmlns:a14="http://schemas.microsoft.com/office/drawing/2010/main" xmlns="" w="9525">
                 <a:solidFill>
                   <a:srgbClr val="000000"/>
                 </a:solidFill>
@@ -36650,13 +36536,6 @@
   <p:clrMapOvr>
     <a:masterClrMapping/>
   </p:clrMapOvr>
-  <p:timing>
-    <p:tnLst>
-      <p:par>
-        <p:cTn xmlns:p14="http://schemas.microsoft.com/office/powerpoint/2010/main" id="1" dur="indefinite" restart="never" nodeType="tmRoot"/>
-      </p:par>
-    </p:tnLst>
-  </p:timing>
 </p:sld>
 </file>
 
